--- a/Asynchronous FIFO.pptx
+++ b/Asynchronous FIFO.pptx
@@ -9,6 +9,10 @@
     <p:sldId id="257" r:id="rId3"/>
     <p:sldId id="259" r:id="rId4"/>
     <p:sldId id="258" r:id="rId5"/>
+    <p:sldId id="260" r:id="rId6"/>
+    <p:sldId id="263" r:id="rId7"/>
+    <p:sldId id="261" r:id="rId8"/>
+    <p:sldId id="262" r:id="rId9"/>
   </p:sldIdLst>
   <p:sldSz cx="12192000" cy="6858000"/>
   <p:notesSz cx="6858000" cy="9144000"/>
@@ -107,6 +111,11 @@
       </a:defRPr>
     </a:lvl9pPr>
   </p:defaultTextStyle>
+  <p:extLst>
+    <p:ext uri="{EFAFB233-063F-42B5-8137-9DF3F51BA10A}">
+      <p15:sldGuideLst xmlns:p15="http://schemas.microsoft.com/office/powerpoint/2012/main"/>
+    </p:ext>
+  </p:extLst>
 </p:presentation>
 </file>
 
@@ -243,7 +252,7 @@
           <a:p>
             <a:fld id="{CB5FA825-F155-4B9C-8354-B591564874AC}" type="datetimeFigureOut">
               <a:rPr lang="en-US" smtClean="0"/>
-              <a:t>5/4/2017</a:t>
+              <a:t>5/7/2017</a:t>
             </a:fld>
             <a:endParaRPr lang="en-US" dirty="0"/>
           </a:p>
@@ -411,7 +420,7 @@
           <a:p>
             <a:fld id="{CB5FA825-F155-4B9C-8354-B591564874AC}" type="datetimeFigureOut">
               <a:rPr lang="en-US" smtClean="0"/>
-              <a:t>5/4/2017</a:t>
+              <a:t>5/7/2017</a:t>
             </a:fld>
             <a:endParaRPr lang="en-US" dirty="0"/>
           </a:p>
@@ -589,7 +598,7 @@
           <a:p>
             <a:fld id="{CB5FA825-F155-4B9C-8354-B591564874AC}" type="datetimeFigureOut">
               <a:rPr lang="en-US" smtClean="0"/>
-              <a:t>5/4/2017</a:t>
+              <a:t>5/7/2017</a:t>
             </a:fld>
             <a:endParaRPr lang="en-US" dirty="0"/>
           </a:p>
@@ -757,7 +766,7 @@
           <a:p>
             <a:fld id="{CB5FA825-F155-4B9C-8354-B591564874AC}" type="datetimeFigureOut">
               <a:rPr lang="en-US" smtClean="0"/>
-              <a:t>5/4/2017</a:t>
+              <a:t>5/7/2017</a:t>
             </a:fld>
             <a:endParaRPr lang="en-US" dirty="0"/>
           </a:p>
@@ -1002,7 +1011,7 @@
           <a:p>
             <a:fld id="{CB5FA825-F155-4B9C-8354-B591564874AC}" type="datetimeFigureOut">
               <a:rPr lang="en-US" smtClean="0"/>
-              <a:t>5/4/2017</a:t>
+              <a:t>5/7/2017</a:t>
             </a:fld>
             <a:endParaRPr lang="en-US" dirty="0"/>
           </a:p>
@@ -1231,7 +1240,7 @@
           <a:p>
             <a:fld id="{CB5FA825-F155-4B9C-8354-B591564874AC}" type="datetimeFigureOut">
               <a:rPr lang="en-US" smtClean="0"/>
-              <a:t>5/4/2017</a:t>
+              <a:t>5/7/2017</a:t>
             </a:fld>
             <a:endParaRPr lang="en-US" dirty="0"/>
           </a:p>
@@ -1595,7 +1604,7 @@
           <a:p>
             <a:fld id="{CB5FA825-F155-4B9C-8354-B591564874AC}" type="datetimeFigureOut">
               <a:rPr lang="en-US" smtClean="0"/>
-              <a:t>5/4/2017</a:t>
+              <a:t>5/7/2017</a:t>
             </a:fld>
             <a:endParaRPr lang="en-US" dirty="0"/>
           </a:p>
@@ -1712,7 +1721,7 @@
           <a:p>
             <a:fld id="{CB5FA825-F155-4B9C-8354-B591564874AC}" type="datetimeFigureOut">
               <a:rPr lang="en-US" smtClean="0"/>
-              <a:t>5/4/2017</a:t>
+              <a:t>5/7/2017</a:t>
             </a:fld>
             <a:endParaRPr lang="en-US" dirty="0"/>
           </a:p>
@@ -1807,7 +1816,7 @@
           <a:p>
             <a:fld id="{CB5FA825-F155-4B9C-8354-B591564874AC}" type="datetimeFigureOut">
               <a:rPr lang="en-US" smtClean="0"/>
-              <a:t>5/4/2017</a:t>
+              <a:t>5/7/2017</a:t>
             </a:fld>
             <a:endParaRPr lang="en-US" dirty="0"/>
           </a:p>
@@ -2082,7 +2091,7 @@
           <a:p>
             <a:fld id="{CB5FA825-F155-4B9C-8354-B591564874AC}" type="datetimeFigureOut">
               <a:rPr lang="en-US" smtClean="0"/>
-              <a:t>5/4/2017</a:t>
+              <a:t>5/7/2017</a:t>
             </a:fld>
             <a:endParaRPr lang="en-US" dirty="0"/>
           </a:p>
@@ -2334,7 +2343,7 @@
           <a:p>
             <a:fld id="{CB5FA825-F155-4B9C-8354-B591564874AC}" type="datetimeFigureOut">
               <a:rPr lang="en-US" smtClean="0"/>
-              <a:t>5/4/2017</a:t>
+              <a:t>5/7/2017</a:t>
             </a:fld>
             <a:endParaRPr lang="en-US" dirty="0"/>
           </a:p>
@@ -2545,7 +2554,7 @@
           <a:p>
             <a:fld id="{CB5FA825-F155-4B9C-8354-B591564874AC}" type="datetimeFigureOut">
               <a:rPr lang="en-US" smtClean="0"/>
-              <a:t>5/4/2017</a:t>
+              <a:t>5/7/2017</a:t>
             </a:fld>
             <a:endParaRPr lang="en-US" dirty="0"/>
           </a:p>
@@ -3204,7 +3213,7 @@
       </p:sp>
       <p:sp>
         <p:nvSpPr>
-          <p:cNvPr id="3" name="Content Placeholder 2"/>
+          <p:cNvPr id="11" name="Content Placeholder 10"/>
           <p:cNvSpPr>
             <a:spLocks noGrp="1"/>
           </p:cNvSpPr>
@@ -3217,7 +3226,7 @@
           <a:bodyPr/>
           <a:lstStyle/>
           <a:p>
-            <a:endParaRPr lang="en-US" dirty="0"/>
+            <a:endParaRPr lang="en-US"/>
           </a:p>
         </p:txBody>
       </p:sp>
@@ -3225,6 +3234,436 @@
     <p:extLst>
       <p:ext uri="{BB962C8B-B14F-4D97-AF65-F5344CB8AC3E}">
         <p14:creationId xmlns:p14="http://schemas.microsoft.com/office/powerpoint/2010/main" val="3684913482"/>
+      </p:ext>
+    </p:extLst>
+  </p:cSld>
+  <p:clrMapOvr>
+    <a:masterClrMapping/>
+  </p:clrMapOvr>
+</p:sld>
+</file>
+
+<file path=ppt/slides/slide5.xml><?xml version="1.0" encoding="utf-8"?>
+<p:sld xmlns:a="http://schemas.openxmlformats.org/drawingml/2006/main" xmlns:r="http://schemas.openxmlformats.org/officeDocument/2006/relationships" xmlns:p="http://schemas.openxmlformats.org/presentationml/2006/main">
+  <p:cSld>
+    <p:spTree>
+      <p:nvGrpSpPr>
+        <p:cNvPr id="1" name=""/>
+        <p:cNvGrpSpPr/>
+        <p:nvPr/>
+      </p:nvGrpSpPr>
+      <p:grpSpPr>
+        <a:xfrm>
+          <a:off x="0" y="0"/>
+          <a:ext cx="0" cy="0"/>
+          <a:chOff x="0" y="0"/>
+          <a:chExt cx="0" cy="0"/>
+        </a:xfrm>
+      </p:grpSpPr>
+      <p:sp>
+        <p:nvSpPr>
+          <p:cNvPr id="2" name="Title 1"/>
+          <p:cNvSpPr>
+            <a:spLocks noGrp="1"/>
+          </p:cNvSpPr>
+          <p:nvPr>
+            <p:ph type="title"/>
+          </p:nvPr>
+        </p:nvSpPr>
+        <p:spPr/>
+        <p:txBody>
+          <a:bodyPr/>
+          <a:lstStyle/>
+          <a:p>
+            <a:endParaRPr lang="en-US" dirty="0"/>
+          </a:p>
+        </p:txBody>
+      </p:sp>
+      <p:sp>
+        <p:nvSpPr>
+          <p:cNvPr id="3" name="Content Placeholder 2"/>
+          <p:cNvSpPr>
+            <a:spLocks noGrp="1"/>
+          </p:cNvSpPr>
+          <p:nvPr>
+            <p:ph idx="1"/>
+          </p:nvPr>
+        </p:nvSpPr>
+        <p:spPr/>
+        <p:txBody>
+          <a:bodyPr/>
+          <a:lstStyle/>
+          <a:p>
+            <a:endParaRPr lang="en-US" dirty="0"/>
+          </a:p>
+        </p:txBody>
+      </p:sp>
+      <p:pic>
+        <p:nvPicPr>
+          <p:cNvPr id="4" name="Picture 3"/>
+          <p:cNvPicPr>
+            <a:picLocks noChangeAspect="1"/>
+          </p:cNvPicPr>
+          <p:nvPr/>
+        </p:nvPicPr>
+        <p:blipFill>
+          <a:blip r:embed="rId2"/>
+          <a:stretch>
+            <a:fillRect/>
+          </a:stretch>
+        </p:blipFill>
+        <p:spPr>
+          <a:xfrm>
+            <a:off x="4755593" y="729369"/>
+            <a:ext cx="6598207" cy="2859525"/>
+          </a:xfrm>
+          <a:prstGeom prst="rect">
+            <a:avLst/>
+          </a:prstGeom>
+        </p:spPr>
+      </p:pic>
+      <p:pic>
+        <p:nvPicPr>
+          <p:cNvPr id="5" name="Picture 4"/>
+          <p:cNvPicPr>
+            <a:picLocks noChangeAspect="1"/>
+          </p:cNvPicPr>
+          <p:nvPr/>
+        </p:nvPicPr>
+        <p:blipFill>
+          <a:blip r:embed="rId3"/>
+          <a:stretch>
+            <a:fillRect/>
+          </a:stretch>
+        </p:blipFill>
+        <p:spPr>
+          <a:xfrm>
+            <a:off x="4781937" y="3420943"/>
+            <a:ext cx="6574971" cy="2588069"/>
+          </a:xfrm>
+          <a:prstGeom prst="rect">
+            <a:avLst/>
+          </a:prstGeom>
+        </p:spPr>
+      </p:pic>
+    </p:spTree>
+    <p:extLst>
+      <p:ext uri="{BB962C8B-B14F-4D97-AF65-F5344CB8AC3E}">
+        <p14:creationId xmlns:p14="http://schemas.microsoft.com/office/powerpoint/2010/main" val="2849909054"/>
+      </p:ext>
+    </p:extLst>
+  </p:cSld>
+  <p:clrMapOvr>
+    <a:masterClrMapping/>
+  </p:clrMapOvr>
+</p:sld>
+</file>
+
+<file path=ppt/slides/slide6.xml><?xml version="1.0" encoding="utf-8"?>
+<p:sld xmlns:a="http://schemas.openxmlformats.org/drawingml/2006/main" xmlns:r="http://schemas.openxmlformats.org/officeDocument/2006/relationships" xmlns:p="http://schemas.openxmlformats.org/presentationml/2006/main">
+  <p:cSld>
+    <p:spTree>
+      <p:nvGrpSpPr>
+        <p:cNvPr id="1" name=""/>
+        <p:cNvGrpSpPr/>
+        <p:nvPr/>
+      </p:nvGrpSpPr>
+      <p:grpSpPr>
+        <a:xfrm>
+          <a:off x="0" y="0"/>
+          <a:ext cx="0" cy="0"/>
+          <a:chOff x="0" y="0"/>
+          <a:chExt cx="0" cy="0"/>
+        </a:xfrm>
+      </p:grpSpPr>
+      <p:sp>
+        <p:nvSpPr>
+          <p:cNvPr id="2" name="Title 1"/>
+          <p:cNvSpPr>
+            <a:spLocks noGrp="1"/>
+          </p:cNvSpPr>
+          <p:nvPr>
+            <p:ph type="title"/>
+          </p:nvPr>
+        </p:nvSpPr>
+        <p:spPr/>
+        <p:txBody>
+          <a:bodyPr/>
+          <a:lstStyle/>
+          <a:p>
+            <a:r>
+              <a:rPr lang="nb-NO" dirty="0"/>
+              <a:t>65536</a:t>
+            </a:r>
+            <a:endParaRPr lang="en-US" dirty="0"/>
+          </a:p>
+        </p:txBody>
+      </p:sp>
+      <p:sp>
+        <p:nvSpPr>
+          <p:cNvPr id="3" name="Content Placeholder 2"/>
+          <p:cNvSpPr>
+            <a:spLocks noGrp="1"/>
+          </p:cNvSpPr>
+          <p:nvPr>
+            <p:ph idx="1"/>
+          </p:nvPr>
+        </p:nvSpPr>
+        <p:spPr/>
+        <p:txBody>
+          <a:bodyPr/>
+          <a:lstStyle/>
+          <a:p>
+            <a:endParaRPr lang="en-US"/>
+          </a:p>
+        </p:txBody>
+      </p:sp>
+      <p:pic>
+        <p:nvPicPr>
+          <p:cNvPr id="4" name="Picture 3"/>
+          <p:cNvPicPr>
+            <a:picLocks noChangeAspect="1"/>
+          </p:cNvPicPr>
+          <p:nvPr/>
+        </p:nvPicPr>
+        <p:blipFill>
+          <a:blip r:embed="rId2"/>
+          <a:stretch>
+            <a:fillRect/>
+          </a:stretch>
+        </p:blipFill>
+        <p:spPr>
+          <a:xfrm>
+            <a:off x="9405257" y="0"/>
+            <a:ext cx="2655020" cy="5437822"/>
+          </a:xfrm>
+          <a:prstGeom prst="rect">
+            <a:avLst/>
+          </a:prstGeom>
+        </p:spPr>
+      </p:pic>
+      <p:pic>
+        <p:nvPicPr>
+          <p:cNvPr id="5" name="Picture 4"/>
+          <p:cNvPicPr>
+            <a:picLocks noChangeAspect="1"/>
+          </p:cNvPicPr>
+          <p:nvPr/>
+        </p:nvPicPr>
+        <p:blipFill>
+          <a:blip r:embed="rId3"/>
+          <a:stretch>
+            <a:fillRect/>
+          </a:stretch>
+        </p:blipFill>
+        <p:spPr>
+          <a:xfrm>
+            <a:off x="0" y="5373077"/>
+            <a:ext cx="12192000" cy="1484923"/>
+          </a:xfrm>
+          <a:prstGeom prst="rect">
+            <a:avLst/>
+          </a:prstGeom>
+        </p:spPr>
+      </p:pic>
+    </p:spTree>
+    <p:extLst>
+      <p:ext uri="{BB962C8B-B14F-4D97-AF65-F5344CB8AC3E}">
+        <p14:creationId xmlns:p14="http://schemas.microsoft.com/office/powerpoint/2010/main" val="3834957508"/>
+      </p:ext>
+    </p:extLst>
+  </p:cSld>
+  <p:clrMapOvr>
+    <a:masterClrMapping/>
+  </p:clrMapOvr>
+</p:sld>
+</file>
+
+<file path=ppt/slides/slide7.xml><?xml version="1.0" encoding="utf-8"?>
+<p:sld xmlns:a="http://schemas.openxmlformats.org/drawingml/2006/main" xmlns:r="http://schemas.openxmlformats.org/officeDocument/2006/relationships" xmlns:p="http://schemas.openxmlformats.org/presentationml/2006/main">
+  <p:cSld>
+    <p:spTree>
+      <p:nvGrpSpPr>
+        <p:cNvPr id="1" name=""/>
+        <p:cNvGrpSpPr/>
+        <p:nvPr/>
+      </p:nvGrpSpPr>
+      <p:grpSpPr>
+        <a:xfrm>
+          <a:off x="0" y="0"/>
+          <a:ext cx="0" cy="0"/>
+          <a:chOff x="0" y="0"/>
+          <a:chExt cx="0" cy="0"/>
+        </a:xfrm>
+      </p:grpSpPr>
+      <p:sp>
+        <p:nvSpPr>
+          <p:cNvPr id="2" name="Title 1"/>
+          <p:cNvSpPr>
+            <a:spLocks noGrp="1"/>
+          </p:cNvSpPr>
+          <p:nvPr>
+            <p:ph type="title"/>
+          </p:nvPr>
+        </p:nvSpPr>
+        <p:spPr/>
+        <p:txBody>
+          <a:bodyPr>
+            <a:normAutofit/>
+          </a:bodyPr>
+          <a:lstStyle/>
+          <a:p>
+            <a:r>
+              <a:rPr lang="nb-NO" dirty="0"/>
+              <a:t>Critical path BUFFER_SIZE 8</a:t>
+            </a:r>
+            <a:endParaRPr lang="en-US" dirty="0"/>
+          </a:p>
+        </p:txBody>
+      </p:sp>
+      <p:sp>
+        <p:nvSpPr>
+          <p:cNvPr id="3" name="Content Placeholder 2"/>
+          <p:cNvSpPr>
+            <a:spLocks noGrp="1"/>
+          </p:cNvSpPr>
+          <p:nvPr>
+            <p:ph idx="1"/>
+          </p:nvPr>
+        </p:nvSpPr>
+        <p:spPr/>
+        <p:txBody>
+          <a:bodyPr/>
+          <a:lstStyle/>
+          <a:p>
+            <a:endParaRPr lang="en-US"/>
+          </a:p>
+        </p:txBody>
+      </p:sp>
+      <p:pic>
+        <p:nvPicPr>
+          <p:cNvPr id="4" name="Picture 3"/>
+          <p:cNvPicPr>
+            <a:picLocks noChangeAspect="1"/>
+          </p:cNvPicPr>
+          <p:nvPr/>
+        </p:nvPicPr>
+        <p:blipFill>
+          <a:blip r:embed="rId2"/>
+          <a:stretch>
+            <a:fillRect/>
+          </a:stretch>
+        </p:blipFill>
+        <p:spPr>
+          <a:xfrm>
+            <a:off x="0" y="1533851"/>
+            <a:ext cx="12192000" cy="3790297"/>
+          </a:xfrm>
+          <a:prstGeom prst="rect">
+            <a:avLst/>
+          </a:prstGeom>
+        </p:spPr>
+      </p:pic>
+    </p:spTree>
+    <p:extLst>
+      <p:ext uri="{BB962C8B-B14F-4D97-AF65-F5344CB8AC3E}">
+        <p14:creationId xmlns:p14="http://schemas.microsoft.com/office/powerpoint/2010/main" val="1849489438"/>
+      </p:ext>
+    </p:extLst>
+  </p:cSld>
+  <p:clrMapOvr>
+    <a:masterClrMapping/>
+  </p:clrMapOvr>
+</p:sld>
+</file>
+
+<file path=ppt/slides/slide8.xml><?xml version="1.0" encoding="utf-8"?>
+<p:sld xmlns:a="http://schemas.openxmlformats.org/drawingml/2006/main" xmlns:r="http://schemas.openxmlformats.org/officeDocument/2006/relationships" xmlns:p="http://schemas.openxmlformats.org/presentationml/2006/main">
+  <p:cSld>
+    <p:spTree>
+      <p:nvGrpSpPr>
+        <p:cNvPr id="1" name=""/>
+        <p:cNvGrpSpPr/>
+        <p:nvPr/>
+      </p:nvGrpSpPr>
+      <p:grpSpPr>
+        <a:xfrm>
+          <a:off x="0" y="0"/>
+          <a:ext cx="0" cy="0"/>
+          <a:chOff x="0" y="0"/>
+          <a:chExt cx="0" cy="0"/>
+        </a:xfrm>
+      </p:grpSpPr>
+      <p:sp>
+        <p:nvSpPr>
+          <p:cNvPr id="2" name="Title 1"/>
+          <p:cNvSpPr>
+            <a:spLocks noGrp="1"/>
+          </p:cNvSpPr>
+          <p:nvPr>
+            <p:ph type="title"/>
+          </p:nvPr>
+        </p:nvSpPr>
+        <p:spPr/>
+        <p:txBody>
+          <a:bodyPr/>
+          <a:lstStyle/>
+          <a:p>
+            <a:r>
+              <a:rPr lang="nb-NO" dirty="0"/>
+              <a:t>Critical path BUFFER_SIZE 128</a:t>
+            </a:r>
+            <a:endParaRPr lang="en-US" dirty="0"/>
+          </a:p>
+        </p:txBody>
+      </p:sp>
+      <p:sp>
+        <p:nvSpPr>
+          <p:cNvPr id="3" name="Content Placeholder 2"/>
+          <p:cNvSpPr>
+            <a:spLocks noGrp="1"/>
+          </p:cNvSpPr>
+          <p:nvPr>
+            <p:ph idx="1"/>
+          </p:nvPr>
+        </p:nvSpPr>
+        <p:spPr/>
+        <p:txBody>
+          <a:bodyPr/>
+          <a:lstStyle/>
+          <a:p>
+            <a:endParaRPr lang="en-US"/>
+          </a:p>
+        </p:txBody>
+      </p:sp>
+      <p:pic>
+        <p:nvPicPr>
+          <p:cNvPr id="4" name="Picture 3"/>
+          <p:cNvPicPr>
+            <a:picLocks noChangeAspect="1"/>
+          </p:cNvPicPr>
+          <p:nvPr/>
+        </p:nvPicPr>
+        <p:blipFill>
+          <a:blip r:embed="rId2"/>
+          <a:stretch>
+            <a:fillRect/>
+          </a:stretch>
+        </p:blipFill>
+        <p:spPr>
+          <a:xfrm>
+            <a:off x="0" y="1819684"/>
+            <a:ext cx="12192000" cy="3218631"/>
+          </a:xfrm>
+          <a:prstGeom prst="rect">
+            <a:avLst/>
+          </a:prstGeom>
+        </p:spPr>
+      </p:pic>
+    </p:spTree>
+    <p:extLst>
+      <p:ext uri="{BB962C8B-B14F-4D97-AF65-F5344CB8AC3E}">
+        <p14:creationId xmlns:p14="http://schemas.microsoft.com/office/powerpoint/2010/main" val="2341190910"/>
       </p:ext>
     </p:extLst>
   </p:cSld>

--- a/Asynchronous FIFO.pptx
+++ b/Asynchronous FIFO.pptx
@@ -13,6 +13,7 @@
     <p:sldId id="263" r:id="rId7"/>
     <p:sldId id="261" r:id="rId8"/>
     <p:sldId id="262" r:id="rId9"/>
+    <p:sldId id="264" r:id="rId10"/>
   </p:sldIdLst>
   <p:sldSz cx="12192000" cy="6858000"/>
   <p:notesSz cx="6858000" cy="9144000"/>
@@ -252,7 +253,7 @@
           <a:p>
             <a:fld id="{CB5FA825-F155-4B9C-8354-B591564874AC}" type="datetimeFigureOut">
               <a:rPr lang="en-US" smtClean="0"/>
-              <a:t>5/7/2017</a:t>
+              <a:t>5/8/2017</a:t>
             </a:fld>
             <a:endParaRPr lang="en-US" dirty="0"/>
           </a:p>
@@ -420,7 +421,7 @@
           <a:p>
             <a:fld id="{CB5FA825-F155-4B9C-8354-B591564874AC}" type="datetimeFigureOut">
               <a:rPr lang="en-US" smtClean="0"/>
-              <a:t>5/7/2017</a:t>
+              <a:t>5/8/2017</a:t>
             </a:fld>
             <a:endParaRPr lang="en-US" dirty="0"/>
           </a:p>
@@ -598,7 +599,7 @@
           <a:p>
             <a:fld id="{CB5FA825-F155-4B9C-8354-B591564874AC}" type="datetimeFigureOut">
               <a:rPr lang="en-US" smtClean="0"/>
-              <a:t>5/7/2017</a:t>
+              <a:t>5/8/2017</a:t>
             </a:fld>
             <a:endParaRPr lang="en-US" dirty="0"/>
           </a:p>
@@ -766,7 +767,7 @@
           <a:p>
             <a:fld id="{CB5FA825-F155-4B9C-8354-B591564874AC}" type="datetimeFigureOut">
               <a:rPr lang="en-US" smtClean="0"/>
-              <a:t>5/7/2017</a:t>
+              <a:t>5/8/2017</a:t>
             </a:fld>
             <a:endParaRPr lang="en-US" dirty="0"/>
           </a:p>
@@ -1011,7 +1012,7 @@
           <a:p>
             <a:fld id="{CB5FA825-F155-4B9C-8354-B591564874AC}" type="datetimeFigureOut">
               <a:rPr lang="en-US" smtClean="0"/>
-              <a:t>5/7/2017</a:t>
+              <a:t>5/8/2017</a:t>
             </a:fld>
             <a:endParaRPr lang="en-US" dirty="0"/>
           </a:p>
@@ -1240,7 +1241,7 @@
           <a:p>
             <a:fld id="{CB5FA825-F155-4B9C-8354-B591564874AC}" type="datetimeFigureOut">
               <a:rPr lang="en-US" smtClean="0"/>
-              <a:t>5/7/2017</a:t>
+              <a:t>5/8/2017</a:t>
             </a:fld>
             <a:endParaRPr lang="en-US" dirty="0"/>
           </a:p>
@@ -1604,7 +1605,7 @@
           <a:p>
             <a:fld id="{CB5FA825-F155-4B9C-8354-B591564874AC}" type="datetimeFigureOut">
               <a:rPr lang="en-US" smtClean="0"/>
-              <a:t>5/7/2017</a:t>
+              <a:t>5/8/2017</a:t>
             </a:fld>
             <a:endParaRPr lang="en-US" dirty="0"/>
           </a:p>
@@ -1721,7 +1722,7 @@
           <a:p>
             <a:fld id="{CB5FA825-F155-4B9C-8354-B591564874AC}" type="datetimeFigureOut">
               <a:rPr lang="en-US" smtClean="0"/>
-              <a:t>5/7/2017</a:t>
+              <a:t>5/8/2017</a:t>
             </a:fld>
             <a:endParaRPr lang="en-US" dirty="0"/>
           </a:p>
@@ -1816,7 +1817,7 @@
           <a:p>
             <a:fld id="{CB5FA825-F155-4B9C-8354-B591564874AC}" type="datetimeFigureOut">
               <a:rPr lang="en-US" smtClean="0"/>
-              <a:t>5/7/2017</a:t>
+              <a:t>5/8/2017</a:t>
             </a:fld>
             <a:endParaRPr lang="en-US" dirty="0"/>
           </a:p>
@@ -2091,7 +2092,7 @@
           <a:p>
             <a:fld id="{CB5FA825-F155-4B9C-8354-B591564874AC}" type="datetimeFigureOut">
               <a:rPr lang="en-US" smtClean="0"/>
-              <a:t>5/7/2017</a:t>
+              <a:t>5/8/2017</a:t>
             </a:fld>
             <a:endParaRPr lang="en-US" dirty="0"/>
           </a:p>
@@ -2343,7 +2344,7 @@
           <a:p>
             <a:fld id="{CB5FA825-F155-4B9C-8354-B591564874AC}" type="datetimeFigureOut">
               <a:rPr lang="en-US" smtClean="0"/>
-              <a:t>5/7/2017</a:t>
+              <a:t>5/8/2017</a:t>
             </a:fld>
             <a:endParaRPr lang="en-US" dirty="0"/>
           </a:p>
@@ -2554,7 +2555,7 @@
           <a:p>
             <a:fld id="{CB5FA825-F155-4B9C-8354-B591564874AC}" type="datetimeFigureOut">
               <a:rPr lang="en-US" smtClean="0"/>
-              <a:t>5/7/2017</a:t>
+              <a:t>5/8/2017</a:t>
             </a:fld>
             <a:endParaRPr lang="en-US" dirty="0"/>
           </a:p>
@@ -3673,6 +3674,102 @@
 </p:sld>
 </file>
 
+<file path=ppt/slides/slide9.xml><?xml version="1.0" encoding="utf-8"?>
+<p:sld xmlns:a="http://schemas.openxmlformats.org/drawingml/2006/main" xmlns:r="http://schemas.openxmlformats.org/officeDocument/2006/relationships" xmlns:p="http://schemas.openxmlformats.org/presentationml/2006/main">
+  <p:cSld>
+    <p:spTree>
+      <p:nvGrpSpPr>
+        <p:cNvPr id="1" name=""/>
+        <p:cNvGrpSpPr/>
+        <p:nvPr/>
+      </p:nvGrpSpPr>
+      <p:grpSpPr>
+        <a:xfrm>
+          <a:off x="0" y="0"/>
+          <a:ext cx="0" cy="0"/>
+          <a:chOff x="0" y="0"/>
+          <a:chExt cx="0" cy="0"/>
+        </a:xfrm>
+      </p:grpSpPr>
+      <p:sp>
+        <p:nvSpPr>
+          <p:cNvPr id="2" name="Title 1"/>
+          <p:cNvSpPr>
+            <a:spLocks noGrp="1"/>
+          </p:cNvSpPr>
+          <p:nvPr>
+            <p:ph type="title"/>
+          </p:nvPr>
+        </p:nvSpPr>
+        <p:spPr/>
+        <p:txBody>
+          <a:bodyPr/>
+          <a:lstStyle/>
+          <a:p>
+            <a:r>
+              <a:rPr lang="nb-NO" dirty="0"/>
+              <a:t>RTL Analysis</a:t>
+            </a:r>
+            <a:endParaRPr lang="en-US" dirty="0"/>
+          </a:p>
+        </p:txBody>
+      </p:sp>
+      <p:sp>
+        <p:nvSpPr>
+          <p:cNvPr id="3" name="Content Placeholder 2"/>
+          <p:cNvSpPr>
+            <a:spLocks noGrp="1"/>
+          </p:cNvSpPr>
+          <p:nvPr>
+            <p:ph idx="1"/>
+          </p:nvPr>
+        </p:nvSpPr>
+        <p:spPr/>
+        <p:txBody>
+          <a:bodyPr/>
+          <a:lstStyle/>
+          <a:p>
+            <a:endParaRPr lang="en-US" dirty="0"/>
+          </a:p>
+        </p:txBody>
+      </p:sp>
+      <p:pic>
+        <p:nvPicPr>
+          <p:cNvPr id="4" name="Picture 3"/>
+          <p:cNvPicPr>
+            <a:picLocks noChangeAspect="1"/>
+          </p:cNvPicPr>
+          <p:nvPr/>
+        </p:nvPicPr>
+        <p:blipFill>
+          <a:blip r:embed="rId2"/>
+          <a:stretch>
+            <a:fillRect/>
+          </a:stretch>
+        </p:blipFill>
+        <p:spPr>
+          <a:xfrm>
+            <a:off x="0" y="1881904"/>
+            <a:ext cx="12192000" cy="3024343"/>
+          </a:xfrm>
+          <a:prstGeom prst="rect">
+            <a:avLst/>
+          </a:prstGeom>
+        </p:spPr>
+      </p:pic>
+    </p:spTree>
+    <p:extLst>
+      <p:ext uri="{BB962C8B-B14F-4D97-AF65-F5344CB8AC3E}">
+        <p14:creationId xmlns:p14="http://schemas.microsoft.com/office/powerpoint/2010/main" val="3150454462"/>
+      </p:ext>
+    </p:extLst>
+  </p:cSld>
+  <p:clrMapOvr>
+    <a:masterClrMapping/>
+  </p:clrMapOvr>
+</p:sld>
+</file>
+
 <file path=ppt/theme/theme1.xml><?xml version="1.0" encoding="utf-8"?>
 <a:theme xmlns:a="http://schemas.openxmlformats.org/drawingml/2006/main" name="Office Theme">
   <a:themeElements>

--- a/Asynchronous FIFO.pptx
+++ b/Asynchronous FIFO.pptx
@@ -8,12 +8,18 @@
     <p:sldId id="256" r:id="rId2"/>
     <p:sldId id="257" r:id="rId3"/>
     <p:sldId id="259" r:id="rId4"/>
-    <p:sldId id="258" r:id="rId5"/>
-    <p:sldId id="260" r:id="rId6"/>
-    <p:sldId id="263" r:id="rId7"/>
-    <p:sldId id="261" r:id="rId8"/>
-    <p:sldId id="262" r:id="rId9"/>
-    <p:sldId id="264" r:id="rId10"/>
+    <p:sldId id="270" r:id="rId5"/>
+    <p:sldId id="258" r:id="rId6"/>
+    <p:sldId id="268" r:id="rId7"/>
+    <p:sldId id="260" r:id="rId8"/>
+    <p:sldId id="265" r:id="rId9"/>
+    <p:sldId id="266" r:id="rId10"/>
+    <p:sldId id="263" r:id="rId11"/>
+    <p:sldId id="261" r:id="rId12"/>
+    <p:sldId id="262" r:id="rId13"/>
+    <p:sldId id="264" r:id="rId14"/>
+    <p:sldId id="267" r:id="rId15"/>
+    <p:sldId id="269" r:id="rId16"/>
   </p:sldIdLst>
   <p:sldSz cx="12192000" cy="6858000"/>
   <p:notesSz cx="6858000" cy="9144000"/>
@@ -122,6 +128,1017 @@
 
 <file path=ppt/revisionInfo.xml><?xml version="1.0" encoding="utf-8"?>
 <p1510:revInfo xmlns:a="http://schemas.openxmlformats.org/drawingml/2006/main" xmlns:r="http://schemas.openxmlformats.org/officeDocument/2006/relationships" xmlns:p1510="http://schemas.microsoft.com/office/powerpoint/2015/10/main"/>
+</file>
+
+<file path=ppt/charts/chart1.xml><?xml version="1.0" encoding="utf-8"?>
+<c:chartSpace xmlns:c="http://schemas.openxmlformats.org/drawingml/2006/chart" xmlns:a="http://schemas.openxmlformats.org/drawingml/2006/main" xmlns:r="http://schemas.openxmlformats.org/officeDocument/2006/relationships" xmlns:c16r2="http://schemas.microsoft.com/office/drawing/2015/06/chart">
+  <c:date1904 val="0"/>
+  <c:lang val="en-US"/>
+  <c:roundedCorners val="0"/>
+  <mc:AlternateContent xmlns:mc="http://schemas.openxmlformats.org/markup-compatibility/2006">
+    <mc:Choice xmlns:c14="http://schemas.microsoft.com/office/drawing/2007/8/2/chart" Requires="c14">
+      <c14:style val="102"/>
+    </mc:Choice>
+    <mc:Fallback>
+      <c:style val="2"/>
+    </mc:Fallback>
+  </mc:AlternateContent>
+  <c:chart>
+    <c:title>
+      <c:tx>
+        <c:rich>
+          <a:bodyPr rot="0" spcFirstLastPara="1" vertOverflow="ellipsis" vert="horz" wrap="square" anchor="ctr" anchorCtr="1"/>
+          <a:lstStyle/>
+          <a:p>
+            <a:pPr>
+              <a:defRPr sz="2128" b="1" i="0" u="none" strike="noStrike" kern="1200" cap="none" spc="0" normalizeH="0" baseline="0">
+                <a:solidFill>
+                  <a:schemeClr val="dk1">
+                    <a:lumMod val="50000"/>
+                    <a:lumOff val="50000"/>
+                  </a:schemeClr>
+                </a:solidFill>
+                <a:latin typeface="+mj-lt"/>
+                <a:ea typeface="+mj-ea"/>
+                <a:cs typeface="+mj-cs"/>
+              </a:defRPr>
+            </a:pPr>
+            <a:r>
+              <a:rPr lang="en-US"/>
+              <a:t>Buffer_size</a:t>
+            </a:r>
+          </a:p>
+        </c:rich>
+      </c:tx>
+      <c:layout>
+        <c:manualLayout>
+          <c:xMode val="edge"/>
+          <c:yMode val="edge"/>
+          <c:x val="0.40481233024391544"/>
+          <c:y val="0.93240740740740746"/>
+        </c:manualLayout>
+      </c:layout>
+      <c:overlay val="0"/>
+      <c:spPr>
+        <a:noFill/>
+        <a:ln>
+          <a:noFill/>
+        </a:ln>
+        <a:effectLst/>
+      </c:spPr>
+      <c:txPr>
+        <a:bodyPr rot="0" spcFirstLastPara="1" vertOverflow="ellipsis" vert="horz" wrap="square" anchor="ctr" anchorCtr="1"/>
+        <a:lstStyle/>
+        <a:p>
+          <a:pPr>
+            <a:defRPr sz="2128" b="1" i="0" u="none" strike="noStrike" kern="1200" cap="none" spc="0" normalizeH="0" baseline="0">
+              <a:solidFill>
+                <a:schemeClr val="dk1">
+                  <a:lumMod val="50000"/>
+                  <a:lumOff val="50000"/>
+                </a:schemeClr>
+              </a:solidFill>
+              <a:latin typeface="+mj-lt"/>
+              <a:ea typeface="+mj-ea"/>
+              <a:cs typeface="+mj-cs"/>
+            </a:defRPr>
+          </a:pPr>
+          <a:endParaRPr lang="en-US"/>
+        </a:p>
+      </c:txPr>
+    </c:title>
+    <c:autoTitleDeleted val="0"/>
+    <c:plotArea>
+      <c:layout/>
+      <c:lineChart>
+        <c:grouping val="standard"/>
+        <c:varyColors val="0"/>
+        <c:ser>
+          <c:idx val="4"/>
+          <c:order val="0"/>
+          <c:tx>
+            <c:strRef>
+              <c:f>Sheet1!$D$1</c:f>
+              <c:strCache>
+                <c:ptCount val="1"/>
+                <c:pt idx="0">
+                  <c:v>Fmax(Mhz):</c:v>
+                </c:pt>
+              </c:strCache>
+            </c:strRef>
+          </c:tx>
+          <c:spPr>
+            <a:ln w="22225" cap="rnd">
+              <a:solidFill>
+                <a:schemeClr val="accent5"/>
+              </a:solidFill>
+              <a:round/>
+            </a:ln>
+            <a:effectLst/>
+          </c:spPr>
+          <c:marker>
+            <c:symbol val="none"/>
+          </c:marker>
+          <c:cat>
+            <c:numRef>
+              <c:f>Sheet1!$A$2:$A$8</c:f>
+              <c:numCache>
+                <c:formatCode>General</c:formatCode>
+                <c:ptCount val="7"/>
+                <c:pt idx="0">
+                  <c:v>4</c:v>
+                </c:pt>
+                <c:pt idx="1">
+                  <c:v>8</c:v>
+                </c:pt>
+                <c:pt idx="2">
+                  <c:v>16</c:v>
+                </c:pt>
+                <c:pt idx="3">
+                  <c:v>32</c:v>
+                </c:pt>
+                <c:pt idx="4">
+                  <c:v>64</c:v>
+                </c:pt>
+                <c:pt idx="5">
+                  <c:v>128</c:v>
+                </c:pt>
+                <c:pt idx="6">
+                  <c:v>65536</c:v>
+                </c:pt>
+              </c:numCache>
+            </c:numRef>
+          </c:cat>
+          <c:val>
+            <c:numRef>
+              <c:f>Sheet1!$D$2:$D$8</c:f>
+              <c:numCache>
+                <c:formatCode>0.0</c:formatCode>
+                <c:ptCount val="7"/>
+                <c:pt idx="0">
+                  <c:v>367.78227289444646</c:v>
+                </c:pt>
+                <c:pt idx="1">
+                  <c:v>333.77837116154876</c:v>
+                </c:pt>
+                <c:pt idx="2">
+                  <c:v>302.93850348379277</c:v>
+                </c:pt>
+                <c:pt idx="3">
+                  <c:v>323.5198964736332</c:v>
+                </c:pt>
+                <c:pt idx="4">
+                  <c:v>290.86678301337986</c:v>
+                </c:pt>
+                <c:pt idx="5">
+                  <c:v>262.05450733752622</c:v>
+                </c:pt>
+                <c:pt idx="6">
+                  <c:v>200.20020020020019</c:v>
+                </c:pt>
+              </c:numCache>
+            </c:numRef>
+          </c:val>
+          <c:smooth val="0"/>
+          <c:extLst>
+            <c:ext xmlns:c16="http://schemas.microsoft.com/office/drawing/2014/chart" uri="{C3380CC4-5D6E-409C-BE32-E72D297353CC}">
+              <c16:uniqueId val="{00000000-5C2F-4A86-BB92-D301063678F0}"/>
+            </c:ext>
+          </c:extLst>
+        </c:ser>
+        <c:dLbls>
+          <c:showLegendKey val="0"/>
+          <c:showVal val="0"/>
+          <c:showCatName val="0"/>
+          <c:showSerName val="0"/>
+          <c:showPercent val="0"/>
+          <c:showBubbleSize val="0"/>
+        </c:dLbls>
+        <c:smooth val="0"/>
+        <c:axId val="1830110367"/>
+        <c:axId val="1781883887"/>
+      </c:lineChart>
+      <c:catAx>
+        <c:axId val="1830110367"/>
+        <c:scaling>
+          <c:orientation val="minMax"/>
+        </c:scaling>
+        <c:delete val="0"/>
+        <c:axPos val="b"/>
+        <c:majorGridlines>
+          <c:spPr>
+            <a:ln w="9525" cap="flat" cmpd="sng" algn="ctr">
+              <a:solidFill>
+                <a:schemeClr val="dk1">
+                  <a:lumMod val="15000"/>
+                  <a:lumOff val="85000"/>
+                  <a:alpha val="54000"/>
+                </a:schemeClr>
+              </a:solidFill>
+              <a:round/>
+            </a:ln>
+            <a:effectLst/>
+          </c:spPr>
+        </c:majorGridlines>
+        <c:minorGridlines>
+          <c:spPr>
+            <a:ln w="9525" cap="flat" cmpd="sng" algn="ctr">
+              <a:solidFill>
+                <a:schemeClr val="dk1">
+                  <a:lumMod val="15000"/>
+                  <a:lumOff val="85000"/>
+                  <a:alpha val="51000"/>
+                </a:schemeClr>
+              </a:solidFill>
+              <a:round/>
+            </a:ln>
+            <a:effectLst/>
+          </c:spPr>
+        </c:minorGridlines>
+        <c:numFmt formatCode="General" sourceLinked="1"/>
+        <c:majorTickMark val="none"/>
+        <c:minorTickMark val="none"/>
+        <c:tickLblPos val="nextTo"/>
+        <c:spPr>
+          <a:noFill/>
+          <a:ln w="9525" cap="flat" cmpd="sng" algn="ctr">
+            <a:solidFill>
+              <a:schemeClr val="dk1">
+                <a:lumMod val="15000"/>
+                <a:lumOff val="85000"/>
+              </a:schemeClr>
+            </a:solidFill>
+            <a:round/>
+          </a:ln>
+          <a:effectLst/>
+        </c:spPr>
+        <c:txPr>
+          <a:bodyPr rot="-60000000" spcFirstLastPara="1" vertOverflow="ellipsis" vert="horz" wrap="square" anchor="ctr" anchorCtr="1"/>
+          <a:lstStyle/>
+          <a:p>
+            <a:pPr>
+              <a:defRPr sz="1197" b="0" i="0" u="none" strike="noStrike" kern="1200" cap="none" spc="0" normalizeH="0" baseline="0">
+                <a:solidFill>
+                  <a:schemeClr val="dk1">
+                    <a:lumMod val="65000"/>
+                    <a:lumOff val="35000"/>
+                  </a:schemeClr>
+                </a:solidFill>
+                <a:latin typeface="+mn-lt"/>
+                <a:ea typeface="+mn-ea"/>
+                <a:cs typeface="+mn-cs"/>
+              </a:defRPr>
+            </a:pPr>
+            <a:endParaRPr lang="en-US"/>
+          </a:p>
+        </c:txPr>
+        <c:crossAx val="1781883887"/>
+        <c:crosses val="autoZero"/>
+        <c:auto val="1"/>
+        <c:lblAlgn val="ctr"/>
+        <c:lblOffset val="100"/>
+        <c:noMultiLvlLbl val="0"/>
+      </c:catAx>
+      <c:valAx>
+        <c:axId val="1781883887"/>
+        <c:scaling>
+          <c:orientation val="minMax"/>
+        </c:scaling>
+        <c:delete val="0"/>
+        <c:axPos val="l"/>
+        <c:majorGridlines>
+          <c:spPr>
+            <a:ln w="9525" cap="flat" cmpd="sng" algn="ctr">
+              <a:solidFill>
+                <a:schemeClr val="dk1">
+                  <a:lumMod val="15000"/>
+                  <a:lumOff val="85000"/>
+                  <a:alpha val="54000"/>
+                </a:schemeClr>
+              </a:solidFill>
+              <a:round/>
+            </a:ln>
+            <a:effectLst/>
+          </c:spPr>
+        </c:majorGridlines>
+        <c:numFmt formatCode="0.0" sourceLinked="1"/>
+        <c:majorTickMark val="none"/>
+        <c:minorTickMark val="none"/>
+        <c:tickLblPos val="nextTo"/>
+        <c:spPr>
+          <a:noFill/>
+          <a:ln>
+            <a:noFill/>
+          </a:ln>
+          <a:effectLst/>
+        </c:spPr>
+        <c:txPr>
+          <a:bodyPr rot="-60000000" spcFirstLastPara="1" vertOverflow="ellipsis" vert="horz" wrap="square" anchor="ctr" anchorCtr="1"/>
+          <a:lstStyle/>
+          <a:p>
+            <a:pPr>
+              <a:defRPr sz="1197" b="0" i="0" u="none" strike="noStrike" kern="1200" baseline="0">
+                <a:solidFill>
+                  <a:schemeClr val="dk1">
+                    <a:lumMod val="65000"/>
+                    <a:lumOff val="35000"/>
+                  </a:schemeClr>
+                </a:solidFill>
+                <a:latin typeface="+mn-lt"/>
+                <a:ea typeface="+mn-ea"/>
+                <a:cs typeface="+mn-cs"/>
+              </a:defRPr>
+            </a:pPr>
+            <a:endParaRPr lang="en-US"/>
+          </a:p>
+        </c:txPr>
+        <c:crossAx val="1830110367"/>
+        <c:crosses val="autoZero"/>
+        <c:crossBetween val="between"/>
+      </c:valAx>
+      <c:spPr>
+        <a:pattFill prst="ltDnDiag">
+          <a:fgClr>
+            <a:schemeClr val="dk1">
+              <a:lumMod val="15000"/>
+              <a:lumOff val="85000"/>
+            </a:schemeClr>
+          </a:fgClr>
+          <a:bgClr>
+            <a:schemeClr val="lt1"/>
+          </a:bgClr>
+        </a:pattFill>
+        <a:ln>
+          <a:noFill/>
+        </a:ln>
+        <a:effectLst/>
+      </c:spPr>
+    </c:plotArea>
+    <c:legend>
+      <c:legendPos val="b"/>
+      <c:layout>
+        <c:manualLayout>
+          <c:xMode val="edge"/>
+          <c:yMode val="edge"/>
+          <c:x val="8.5834314252082808E-2"/>
+          <c:y val="3.4326042578011015E-2"/>
+          <c:w val="0.18972454277758097"/>
+          <c:h val="3.7896179644211138E-2"/>
+        </c:manualLayout>
+      </c:layout>
+      <c:overlay val="0"/>
+      <c:spPr>
+        <a:noFill/>
+        <a:ln>
+          <a:noFill/>
+        </a:ln>
+        <a:effectLst/>
+      </c:spPr>
+      <c:txPr>
+        <a:bodyPr rot="0" spcFirstLastPara="1" vertOverflow="ellipsis" vert="horz" wrap="square" anchor="ctr" anchorCtr="1"/>
+        <a:lstStyle/>
+        <a:p>
+          <a:pPr>
+            <a:defRPr sz="1197" b="0" i="0" u="none" strike="noStrike" kern="1200" baseline="0">
+              <a:solidFill>
+                <a:schemeClr val="dk1">
+                  <a:lumMod val="65000"/>
+                  <a:lumOff val="35000"/>
+                </a:schemeClr>
+              </a:solidFill>
+              <a:latin typeface="+mn-lt"/>
+              <a:ea typeface="+mn-ea"/>
+              <a:cs typeface="+mn-cs"/>
+            </a:defRPr>
+          </a:pPr>
+          <a:endParaRPr lang="en-US"/>
+        </a:p>
+      </c:txPr>
+    </c:legend>
+    <c:plotVisOnly val="1"/>
+    <c:dispBlanksAs val="gap"/>
+    <c:showDLblsOverMax val="0"/>
+  </c:chart>
+  <c:spPr>
+    <a:solidFill>
+      <a:schemeClr val="lt1"/>
+    </a:solidFill>
+    <a:ln w="9525" cap="flat" cmpd="sng" algn="ctr">
+      <a:solidFill>
+        <a:schemeClr val="dk1">
+          <a:lumMod val="15000"/>
+          <a:lumOff val="85000"/>
+        </a:schemeClr>
+      </a:solidFill>
+      <a:round/>
+    </a:ln>
+    <a:effectLst/>
+  </c:spPr>
+  <c:txPr>
+    <a:bodyPr/>
+    <a:lstStyle/>
+    <a:p>
+      <a:pPr>
+        <a:defRPr/>
+      </a:pPr>
+      <a:endParaRPr lang="en-US"/>
+    </a:p>
+  </c:txPr>
+  <c:externalData r:id="rId3">
+    <c:autoUpdate val="0"/>
+  </c:externalData>
+</c:chartSpace>
+</file>
+
+<file path=ppt/charts/colors1.xml><?xml version="1.0" encoding="utf-8"?>
+<cs:colorStyle xmlns:cs="http://schemas.microsoft.com/office/drawing/2012/chartStyle" xmlns:a="http://schemas.openxmlformats.org/drawingml/2006/main" meth="cycle" id="10">
+  <a:schemeClr val="accent1"/>
+  <a:schemeClr val="accent2"/>
+  <a:schemeClr val="accent3"/>
+  <a:schemeClr val="accent4"/>
+  <a:schemeClr val="accent5"/>
+  <a:schemeClr val="accent6"/>
+  <cs:variation/>
+  <cs:variation>
+    <a:lumMod val="60000"/>
+  </cs:variation>
+  <cs:variation>
+    <a:lumMod val="80000"/>
+    <a:lumOff val="20000"/>
+  </cs:variation>
+  <cs:variation>
+    <a:lumMod val="80000"/>
+  </cs:variation>
+  <cs:variation>
+    <a:lumMod val="60000"/>
+    <a:lumOff val="40000"/>
+  </cs:variation>
+  <cs:variation>
+    <a:lumMod val="50000"/>
+  </cs:variation>
+  <cs:variation>
+    <a:lumMod val="70000"/>
+    <a:lumOff val="30000"/>
+  </cs:variation>
+  <cs:variation>
+    <a:lumMod val="70000"/>
+  </cs:variation>
+  <cs:variation>
+    <a:lumMod val="50000"/>
+    <a:lumOff val="50000"/>
+  </cs:variation>
+</cs:colorStyle>
+</file>
+
+<file path=ppt/charts/style1.xml><?xml version="1.0" encoding="utf-8"?>
+<cs:chartStyle xmlns:cs="http://schemas.microsoft.com/office/drawing/2012/chartStyle" xmlns:a="http://schemas.openxmlformats.org/drawingml/2006/main" id="232">
+  <cs:axisTitle>
+    <cs:lnRef idx="0"/>
+    <cs:fillRef idx="0"/>
+    <cs:effectRef idx="0"/>
+    <cs:fontRef idx="minor">
+      <a:schemeClr val="dk1">
+        <a:lumMod val="65000"/>
+        <a:lumOff val="35000"/>
+      </a:schemeClr>
+    </cs:fontRef>
+    <cs:defRPr sz="1197" b="1" kern="1200"/>
+  </cs:axisTitle>
+  <cs:categoryAxis>
+    <cs:lnRef idx="0"/>
+    <cs:fillRef idx="0"/>
+    <cs:effectRef idx="0"/>
+    <cs:fontRef idx="minor">
+      <a:schemeClr val="dk1">
+        <a:lumMod val="65000"/>
+        <a:lumOff val="35000"/>
+      </a:schemeClr>
+    </cs:fontRef>
+    <cs:spPr>
+      <a:ln w="9525" cap="flat" cmpd="sng" algn="ctr">
+        <a:solidFill>
+          <a:schemeClr val="dk1">
+            <a:lumMod val="15000"/>
+            <a:lumOff val="85000"/>
+          </a:schemeClr>
+        </a:solidFill>
+        <a:round/>
+      </a:ln>
+    </cs:spPr>
+    <cs:defRPr sz="1197" kern="1200" cap="none" spc="0" normalizeH="0" baseline="0"/>
+  </cs:categoryAxis>
+  <cs:chartArea>
+    <cs:lnRef idx="0"/>
+    <cs:fillRef idx="0"/>
+    <cs:effectRef idx="0"/>
+    <cs:fontRef idx="minor">
+      <a:schemeClr val="dk1"/>
+    </cs:fontRef>
+    <cs:spPr>
+      <a:solidFill>
+        <a:schemeClr val="lt1"/>
+      </a:solidFill>
+      <a:ln w="9525" cap="flat" cmpd="sng" algn="ctr">
+        <a:solidFill>
+          <a:schemeClr val="dk1">
+            <a:lumMod val="15000"/>
+            <a:lumOff val="85000"/>
+          </a:schemeClr>
+        </a:solidFill>
+        <a:round/>
+      </a:ln>
+    </cs:spPr>
+    <cs:defRPr sz="1197" kern="1200"/>
+  </cs:chartArea>
+  <cs:dataLabel>
+    <cs:lnRef idx="0"/>
+    <cs:fillRef idx="0"/>
+    <cs:effectRef idx="0"/>
+    <cs:fontRef idx="minor">
+      <a:schemeClr val="dk1">
+        <a:lumMod val="75000"/>
+        <a:lumOff val="25000"/>
+      </a:schemeClr>
+    </cs:fontRef>
+    <cs:defRPr sz="1197" kern="1200"/>
+  </cs:dataLabel>
+  <cs:dataLabelCallout>
+    <cs:lnRef idx="0"/>
+    <cs:fillRef idx="0"/>
+    <cs:effectRef idx="0"/>
+    <cs:fontRef idx="minor">
+      <a:schemeClr val="dk1">
+        <a:lumMod val="65000"/>
+        <a:lumOff val="35000"/>
+      </a:schemeClr>
+    </cs:fontRef>
+    <cs:spPr>
+      <a:solidFill>
+        <a:schemeClr val="lt1"/>
+      </a:solidFill>
+      <a:ln>
+        <a:solidFill>
+          <a:schemeClr val="dk1">
+            <a:lumMod val="25000"/>
+            <a:lumOff val="75000"/>
+          </a:schemeClr>
+        </a:solidFill>
+      </a:ln>
+    </cs:spPr>
+    <cs:defRPr sz="1197" kern="1200"/>
+    <cs:bodyPr rot="0" spcFirstLastPara="1" vertOverflow="clip" horzOverflow="clip" vert="horz" wrap="square" lIns="36576" tIns="18288" rIns="36576" bIns="18288" anchor="ctr" anchorCtr="1">
+      <a:spAutoFit/>
+    </cs:bodyPr>
+  </cs:dataLabelCallout>
+  <cs:dataPoint>
+    <cs:lnRef idx="0"/>
+    <cs:fillRef idx="0">
+      <cs:styleClr val="auto"/>
+    </cs:fillRef>
+    <cs:effectRef idx="0"/>
+    <cs:fontRef idx="minor">
+      <a:schemeClr val="dk1"/>
+    </cs:fontRef>
+    <cs:spPr>
+      <a:solidFill>
+        <a:schemeClr val="phClr"/>
+      </a:solidFill>
+    </cs:spPr>
+  </cs:dataPoint>
+  <cs:dataPoint3D>
+    <cs:lnRef idx="0"/>
+    <cs:fillRef idx="0">
+      <cs:styleClr val="auto"/>
+    </cs:fillRef>
+    <cs:effectRef idx="0"/>
+    <cs:fontRef idx="minor">
+      <a:schemeClr val="dk1"/>
+    </cs:fontRef>
+    <cs:spPr>
+      <a:solidFill>
+        <a:schemeClr val="phClr"/>
+      </a:solidFill>
+    </cs:spPr>
+  </cs:dataPoint3D>
+  <cs:dataPointLine>
+    <cs:lnRef idx="0">
+      <cs:styleClr val="auto"/>
+    </cs:lnRef>
+    <cs:fillRef idx="0"/>
+    <cs:effectRef idx="0"/>
+    <cs:fontRef idx="minor">
+      <a:schemeClr val="dk1"/>
+    </cs:fontRef>
+    <cs:spPr>
+      <a:ln w="22225" cap="rnd">
+        <a:solidFill>
+          <a:schemeClr val="phClr"/>
+        </a:solidFill>
+        <a:round/>
+      </a:ln>
+    </cs:spPr>
+  </cs:dataPointLine>
+  <cs:dataPointMarker>
+    <cs:lnRef idx="0">
+      <cs:styleClr val="auto"/>
+    </cs:lnRef>
+    <cs:fillRef idx="0">
+      <cs:styleClr val="auto"/>
+    </cs:fillRef>
+    <cs:effectRef idx="0"/>
+    <cs:fontRef idx="minor">
+      <a:schemeClr val="dk1"/>
+    </cs:fontRef>
+    <cs:spPr>
+      <a:solidFill>
+        <a:schemeClr val="lt1"/>
+      </a:solidFill>
+      <a:ln w="15875">
+        <a:solidFill>
+          <a:schemeClr val="phClr"/>
+        </a:solidFill>
+        <a:round/>
+      </a:ln>
+    </cs:spPr>
+  </cs:dataPointMarker>
+  <cs:dataPointMarkerLayout symbol="circle" size="6"/>
+  <cs:dataPointWireframe>
+    <cs:lnRef idx="0">
+      <cs:styleClr val="auto"/>
+    </cs:lnRef>
+    <cs:fillRef idx="0"/>
+    <cs:effectRef idx="0"/>
+    <cs:fontRef idx="minor">
+      <a:schemeClr val="dk1"/>
+    </cs:fontRef>
+    <cs:spPr>
+      <a:ln w="9525" cap="rnd">
+        <a:solidFill>
+          <a:schemeClr val="phClr"/>
+        </a:solidFill>
+        <a:round/>
+      </a:ln>
+    </cs:spPr>
+  </cs:dataPointWireframe>
+  <cs:dataTable>
+    <cs:lnRef idx="0"/>
+    <cs:fillRef idx="0"/>
+    <cs:effectRef idx="0"/>
+    <cs:fontRef idx="minor">
+      <a:schemeClr val="dk1">
+        <a:lumMod val="65000"/>
+        <a:lumOff val="35000"/>
+      </a:schemeClr>
+    </cs:fontRef>
+    <cs:spPr>
+      <a:ln w="9525" cap="flat" cmpd="sng" algn="ctr">
+        <a:solidFill>
+          <a:schemeClr val="dk1">
+            <a:lumMod val="15000"/>
+            <a:lumOff val="85000"/>
+          </a:schemeClr>
+        </a:solidFill>
+        <a:round/>
+      </a:ln>
+    </cs:spPr>
+    <cs:defRPr sz="1064" kern="1200"/>
+  </cs:dataTable>
+  <cs:downBar>
+    <cs:lnRef idx="0"/>
+    <cs:fillRef idx="0"/>
+    <cs:effectRef idx="0"/>
+    <cs:fontRef idx="minor">
+      <a:schemeClr val="dk1"/>
+    </cs:fontRef>
+    <cs:spPr>
+      <a:solidFill>
+        <a:schemeClr val="dk1">
+          <a:lumMod val="75000"/>
+          <a:lumOff val="25000"/>
+        </a:schemeClr>
+      </a:solidFill>
+      <a:ln w="9525" cap="flat" cmpd="sng" algn="ctr">
+        <a:solidFill>
+          <a:schemeClr val="dk1">
+            <a:lumMod val="50000"/>
+            <a:lumOff val="50000"/>
+          </a:schemeClr>
+        </a:solidFill>
+        <a:round/>
+      </a:ln>
+    </cs:spPr>
+  </cs:downBar>
+  <cs:dropLine>
+    <cs:lnRef idx="0"/>
+    <cs:fillRef idx="0"/>
+    <cs:effectRef idx="0"/>
+    <cs:fontRef idx="minor">
+      <a:schemeClr val="dk1"/>
+    </cs:fontRef>
+    <cs:spPr>
+      <a:ln w="9525" cap="flat" cmpd="sng" algn="ctr">
+        <a:solidFill>
+          <a:schemeClr val="dk1">
+            <a:lumMod val="35000"/>
+            <a:lumOff val="65000"/>
+          </a:schemeClr>
+        </a:solidFill>
+        <a:round/>
+      </a:ln>
+    </cs:spPr>
+  </cs:dropLine>
+  <cs:errorBar>
+    <cs:lnRef idx="0"/>
+    <cs:fillRef idx="0"/>
+    <cs:effectRef idx="0"/>
+    <cs:fontRef idx="minor">
+      <a:schemeClr val="dk1"/>
+    </cs:fontRef>
+    <cs:spPr>
+      <a:ln w="9525" cap="flat" cmpd="sng" algn="ctr">
+        <a:solidFill>
+          <a:schemeClr val="dk1">
+            <a:lumMod val="50000"/>
+            <a:lumOff val="50000"/>
+          </a:schemeClr>
+        </a:solidFill>
+        <a:round/>
+      </a:ln>
+    </cs:spPr>
+  </cs:errorBar>
+  <cs:floor>
+    <cs:lnRef idx="0"/>
+    <cs:fillRef idx="0"/>
+    <cs:effectRef idx="0"/>
+    <cs:fontRef idx="minor">
+      <a:schemeClr val="dk1"/>
+    </cs:fontRef>
+    <cs:spPr>
+      <a:pattFill prst="ltDnDiag">
+        <a:fgClr>
+          <a:schemeClr val="dk1">
+            <a:lumMod val="15000"/>
+            <a:lumOff val="85000"/>
+          </a:schemeClr>
+        </a:fgClr>
+        <a:bgClr>
+          <a:schemeClr val="lt1"/>
+        </a:bgClr>
+      </a:pattFill>
+    </cs:spPr>
+  </cs:floor>
+  <cs:gridlineMajor>
+    <cs:lnRef idx="0"/>
+    <cs:fillRef idx="0"/>
+    <cs:effectRef idx="0"/>
+    <cs:fontRef idx="minor">
+      <a:schemeClr val="dk1"/>
+    </cs:fontRef>
+    <cs:spPr>
+      <a:ln w="9525" cap="flat" cmpd="sng" algn="ctr">
+        <a:solidFill>
+          <a:schemeClr val="dk1">
+            <a:lumMod val="15000"/>
+            <a:lumOff val="85000"/>
+            <a:alpha val="54000"/>
+          </a:schemeClr>
+        </a:solidFill>
+        <a:round/>
+      </a:ln>
+    </cs:spPr>
+  </cs:gridlineMajor>
+  <cs:gridlineMinor>
+    <cs:lnRef idx="0"/>
+    <cs:fillRef idx="0"/>
+    <cs:effectRef idx="0"/>
+    <cs:fontRef idx="minor">
+      <a:schemeClr val="dk1"/>
+    </cs:fontRef>
+    <cs:spPr>
+      <a:ln w="9525" cap="flat" cmpd="sng" algn="ctr">
+        <a:solidFill>
+          <a:schemeClr val="dk1">
+            <a:lumMod val="15000"/>
+            <a:lumOff val="85000"/>
+            <a:alpha val="51000"/>
+          </a:schemeClr>
+        </a:solidFill>
+        <a:round/>
+      </a:ln>
+    </cs:spPr>
+  </cs:gridlineMinor>
+  <cs:hiLoLine>
+    <cs:lnRef idx="0"/>
+    <cs:fillRef idx="0"/>
+    <cs:effectRef idx="0"/>
+    <cs:fontRef idx="minor">
+      <a:schemeClr val="dk1"/>
+    </cs:fontRef>
+    <cs:spPr>
+      <a:ln w="9525" cap="flat" cmpd="sng" algn="ctr">
+        <a:solidFill>
+          <a:schemeClr val="dk1">
+            <a:lumMod val="35000"/>
+            <a:lumOff val="65000"/>
+          </a:schemeClr>
+        </a:solidFill>
+        <a:round/>
+      </a:ln>
+    </cs:spPr>
+  </cs:hiLoLine>
+  <cs:leaderLine>
+    <cs:lnRef idx="0"/>
+    <cs:fillRef idx="0"/>
+    <cs:effectRef idx="0"/>
+    <cs:fontRef idx="minor">
+      <a:schemeClr val="dk1"/>
+    </cs:fontRef>
+    <cs:spPr>
+      <a:ln w="9525" cap="flat" cmpd="sng" algn="ctr">
+        <a:solidFill>
+          <a:schemeClr val="dk1">
+            <a:lumMod val="35000"/>
+            <a:lumOff val="65000"/>
+          </a:schemeClr>
+        </a:solidFill>
+        <a:round/>
+      </a:ln>
+    </cs:spPr>
+  </cs:leaderLine>
+  <cs:legend>
+    <cs:lnRef idx="0"/>
+    <cs:fillRef idx="0"/>
+    <cs:effectRef idx="0"/>
+    <cs:fontRef idx="minor">
+      <a:schemeClr val="dk1">
+        <a:lumMod val="65000"/>
+        <a:lumOff val="35000"/>
+      </a:schemeClr>
+    </cs:fontRef>
+    <cs:defRPr sz="1197" kern="1200"/>
+  </cs:legend>
+  <cs:plotArea>
+    <cs:lnRef idx="0"/>
+    <cs:fillRef idx="0"/>
+    <cs:effectRef idx="0"/>
+    <cs:fontRef idx="minor">
+      <a:schemeClr val="dk1"/>
+    </cs:fontRef>
+    <cs:spPr>
+      <a:pattFill prst="ltDnDiag">
+        <a:fgClr>
+          <a:schemeClr val="dk1">
+            <a:lumMod val="15000"/>
+            <a:lumOff val="85000"/>
+          </a:schemeClr>
+        </a:fgClr>
+        <a:bgClr>
+          <a:schemeClr val="lt1"/>
+        </a:bgClr>
+      </a:pattFill>
+    </cs:spPr>
+  </cs:plotArea>
+  <cs:plotArea3D>
+    <cs:lnRef idx="0"/>
+    <cs:fillRef idx="0"/>
+    <cs:effectRef idx="0"/>
+    <cs:fontRef idx="minor">
+      <a:schemeClr val="dk1"/>
+    </cs:fontRef>
+    <cs:spPr>
+      <a:solidFill>
+        <a:schemeClr val="lt1"/>
+      </a:solidFill>
+    </cs:spPr>
+  </cs:plotArea3D>
+  <cs:seriesAxis>
+    <cs:lnRef idx="0"/>
+    <cs:fillRef idx="0"/>
+    <cs:effectRef idx="0"/>
+    <cs:fontRef idx="minor">
+      <a:schemeClr val="dk1">
+        <a:lumMod val="65000"/>
+        <a:lumOff val="35000"/>
+      </a:schemeClr>
+    </cs:fontRef>
+    <cs:defRPr sz="1197" kern="1200"/>
+  </cs:seriesAxis>
+  <cs:seriesLine>
+    <cs:lnRef idx="0"/>
+    <cs:fillRef idx="0"/>
+    <cs:effectRef idx="0"/>
+    <cs:fontRef idx="minor">
+      <a:schemeClr val="dk1"/>
+    </cs:fontRef>
+    <cs:spPr>
+      <a:ln w="9525" cap="flat" cmpd="sng" algn="ctr">
+        <a:solidFill>
+          <a:schemeClr val="dk1">
+            <a:lumMod val="35000"/>
+            <a:lumOff val="65000"/>
+          </a:schemeClr>
+        </a:solidFill>
+        <a:round/>
+      </a:ln>
+    </cs:spPr>
+  </cs:seriesLine>
+  <cs:title>
+    <cs:lnRef idx="0"/>
+    <cs:fillRef idx="0"/>
+    <cs:effectRef idx="0"/>
+    <cs:fontRef idx="major">
+      <a:schemeClr val="dk1">
+        <a:lumMod val="50000"/>
+        <a:lumOff val="50000"/>
+      </a:schemeClr>
+    </cs:fontRef>
+    <cs:defRPr sz="2128" b="1" kern="1200" cap="none" spc="0" normalizeH="0" baseline="0"/>
+  </cs:title>
+  <cs:trendline>
+    <cs:lnRef idx="0">
+      <cs:styleClr val="auto"/>
+    </cs:lnRef>
+    <cs:fillRef idx="0"/>
+    <cs:effectRef idx="0"/>
+    <cs:fontRef idx="minor">
+      <a:schemeClr val="dk1"/>
+    </cs:fontRef>
+    <cs:spPr>
+      <a:ln w="19050" cap="rnd">
+        <a:solidFill>
+          <a:schemeClr val="phClr"/>
+        </a:solidFill>
+      </a:ln>
+    </cs:spPr>
+  </cs:trendline>
+  <cs:trendlineLabel>
+    <cs:lnRef idx="0"/>
+    <cs:fillRef idx="0"/>
+    <cs:effectRef idx="0"/>
+    <cs:fontRef idx="minor">
+      <a:schemeClr val="dk1">
+        <a:lumMod val="65000"/>
+        <a:lumOff val="35000"/>
+      </a:schemeClr>
+    </cs:fontRef>
+    <cs:defRPr sz="1197" kern="1200"/>
+  </cs:trendlineLabel>
+  <cs:upBar>
+    <cs:lnRef idx="0"/>
+    <cs:fillRef idx="0"/>
+    <cs:effectRef idx="0"/>
+    <cs:fontRef idx="minor">
+      <a:schemeClr val="dk1"/>
+    </cs:fontRef>
+    <cs:spPr>
+      <a:solidFill>
+        <a:schemeClr val="lt1"/>
+      </a:solidFill>
+      <a:ln w="9525" cap="flat" cmpd="sng" algn="ctr">
+        <a:solidFill>
+          <a:schemeClr val="dk1">
+            <a:lumMod val="50000"/>
+            <a:lumOff val="50000"/>
+          </a:schemeClr>
+        </a:solidFill>
+        <a:round/>
+      </a:ln>
+    </cs:spPr>
+  </cs:upBar>
+  <cs:valueAxis>
+    <cs:lnRef idx="0"/>
+    <cs:fillRef idx="0"/>
+    <cs:effectRef idx="0"/>
+    <cs:fontRef idx="minor">
+      <a:schemeClr val="dk1">
+        <a:lumMod val="65000"/>
+        <a:lumOff val="35000"/>
+      </a:schemeClr>
+    </cs:fontRef>
+    <cs:defRPr sz="1197" kern="1200"/>
+  </cs:valueAxis>
+  <cs:wall>
+    <cs:lnRef idx="0"/>
+    <cs:fillRef idx="0"/>
+    <cs:effectRef idx="0"/>
+    <cs:fontRef idx="minor">
+      <a:schemeClr val="dk1"/>
+    </cs:fontRef>
+    <cs:spPr>
+      <a:pattFill prst="ltDnDiag">
+        <a:fgClr>
+          <a:schemeClr val="dk1">
+            <a:lumMod val="15000"/>
+            <a:lumOff val="85000"/>
+          </a:schemeClr>
+        </a:fgClr>
+        <a:bgClr>
+          <a:schemeClr val="lt1"/>
+        </a:bgClr>
+      </a:pattFill>
+    </cs:spPr>
+  </cs:wall>
+</cs:chartStyle>
 </file>
 
 <file path=ppt/slideLayouts/slideLayout1.xml><?xml version="1.0" encoding="utf-8"?>
@@ -3015,6 +4032,484 @@
 </p:sld>
 </file>
 
+<file path=ppt/slides/slide10.xml><?xml version="1.0" encoding="utf-8"?>
+<p:sld xmlns:a="http://schemas.openxmlformats.org/drawingml/2006/main" xmlns:r="http://schemas.openxmlformats.org/officeDocument/2006/relationships" xmlns:p="http://schemas.openxmlformats.org/presentationml/2006/main">
+  <p:cSld>
+    <p:spTree>
+      <p:nvGrpSpPr>
+        <p:cNvPr id="1" name=""/>
+        <p:cNvGrpSpPr/>
+        <p:nvPr/>
+      </p:nvGrpSpPr>
+      <p:grpSpPr>
+        <a:xfrm>
+          <a:off x="0" y="0"/>
+          <a:ext cx="0" cy="0"/>
+          <a:chOff x="0" y="0"/>
+          <a:chExt cx="0" cy="0"/>
+        </a:xfrm>
+      </p:grpSpPr>
+      <p:sp>
+        <p:nvSpPr>
+          <p:cNvPr id="2" name="Title 1"/>
+          <p:cNvSpPr>
+            <a:spLocks noGrp="1"/>
+          </p:cNvSpPr>
+          <p:nvPr>
+            <p:ph type="title"/>
+          </p:nvPr>
+        </p:nvSpPr>
+        <p:spPr/>
+        <p:txBody>
+          <a:bodyPr/>
+          <a:lstStyle/>
+          <a:p>
+            <a:r>
+              <a:rPr lang="nb-NO" dirty="0"/>
+              <a:t>65536</a:t>
+            </a:r>
+            <a:endParaRPr lang="en-US" dirty="0"/>
+          </a:p>
+        </p:txBody>
+      </p:sp>
+      <p:sp>
+        <p:nvSpPr>
+          <p:cNvPr id="3" name="Content Placeholder 2"/>
+          <p:cNvSpPr>
+            <a:spLocks noGrp="1"/>
+          </p:cNvSpPr>
+          <p:nvPr>
+            <p:ph idx="1"/>
+          </p:nvPr>
+        </p:nvSpPr>
+        <p:spPr/>
+        <p:txBody>
+          <a:bodyPr/>
+          <a:lstStyle/>
+          <a:p>
+            <a:endParaRPr lang="en-US"/>
+          </a:p>
+        </p:txBody>
+      </p:sp>
+      <p:pic>
+        <p:nvPicPr>
+          <p:cNvPr id="6" name="Picture 5"/>
+          <p:cNvPicPr>
+            <a:picLocks noChangeAspect="1"/>
+          </p:cNvPicPr>
+          <p:nvPr/>
+        </p:nvPicPr>
+        <p:blipFill>
+          <a:blip r:embed="rId2"/>
+          <a:stretch>
+            <a:fillRect/>
+          </a:stretch>
+        </p:blipFill>
+        <p:spPr>
+          <a:xfrm>
+            <a:off x="8976049" y="7667"/>
+            <a:ext cx="3215951" cy="6850333"/>
+          </a:xfrm>
+          <a:prstGeom prst="rect">
+            <a:avLst/>
+          </a:prstGeom>
+        </p:spPr>
+      </p:pic>
+    </p:spTree>
+    <p:extLst>
+      <p:ext uri="{BB962C8B-B14F-4D97-AF65-F5344CB8AC3E}">
+        <p14:creationId xmlns:p14="http://schemas.microsoft.com/office/powerpoint/2010/main" val="3834957508"/>
+      </p:ext>
+    </p:extLst>
+  </p:cSld>
+  <p:clrMapOvr>
+    <a:masterClrMapping/>
+  </p:clrMapOvr>
+</p:sld>
+</file>
+
+<file path=ppt/slides/slide11.xml><?xml version="1.0" encoding="utf-8"?>
+<p:sld xmlns:a="http://schemas.openxmlformats.org/drawingml/2006/main" xmlns:r="http://schemas.openxmlformats.org/officeDocument/2006/relationships" xmlns:p="http://schemas.openxmlformats.org/presentationml/2006/main">
+  <p:cSld>
+    <p:spTree>
+      <p:nvGrpSpPr>
+        <p:cNvPr id="1" name=""/>
+        <p:cNvGrpSpPr/>
+        <p:nvPr/>
+      </p:nvGrpSpPr>
+      <p:grpSpPr>
+        <a:xfrm>
+          <a:off x="0" y="0"/>
+          <a:ext cx="0" cy="0"/>
+          <a:chOff x="0" y="0"/>
+          <a:chExt cx="0" cy="0"/>
+        </a:xfrm>
+      </p:grpSpPr>
+      <p:sp>
+        <p:nvSpPr>
+          <p:cNvPr id="2" name="Title 1"/>
+          <p:cNvSpPr>
+            <a:spLocks noGrp="1"/>
+          </p:cNvSpPr>
+          <p:nvPr>
+            <p:ph type="title"/>
+          </p:nvPr>
+        </p:nvSpPr>
+        <p:spPr/>
+        <p:txBody>
+          <a:bodyPr>
+            <a:normAutofit/>
+          </a:bodyPr>
+          <a:lstStyle/>
+          <a:p>
+            <a:r>
+              <a:rPr lang="nb-NO" dirty="0"/>
+              <a:t>Critical path BUFFER_SIZE 8</a:t>
+            </a:r>
+            <a:endParaRPr lang="en-US" dirty="0"/>
+          </a:p>
+        </p:txBody>
+      </p:sp>
+      <p:sp>
+        <p:nvSpPr>
+          <p:cNvPr id="3" name="Content Placeholder 2"/>
+          <p:cNvSpPr>
+            <a:spLocks noGrp="1"/>
+          </p:cNvSpPr>
+          <p:nvPr>
+            <p:ph idx="1"/>
+          </p:nvPr>
+        </p:nvSpPr>
+        <p:spPr/>
+        <p:txBody>
+          <a:bodyPr/>
+          <a:lstStyle/>
+          <a:p>
+            <a:endParaRPr lang="en-US"/>
+          </a:p>
+        </p:txBody>
+      </p:sp>
+    </p:spTree>
+    <p:extLst>
+      <p:ext uri="{BB962C8B-B14F-4D97-AF65-F5344CB8AC3E}">
+        <p14:creationId xmlns:p14="http://schemas.microsoft.com/office/powerpoint/2010/main" val="1849489438"/>
+      </p:ext>
+    </p:extLst>
+  </p:cSld>
+  <p:clrMapOvr>
+    <a:masterClrMapping/>
+  </p:clrMapOvr>
+</p:sld>
+</file>
+
+<file path=ppt/slides/slide12.xml><?xml version="1.0" encoding="utf-8"?>
+<p:sld xmlns:a="http://schemas.openxmlformats.org/drawingml/2006/main" xmlns:r="http://schemas.openxmlformats.org/officeDocument/2006/relationships" xmlns:p="http://schemas.openxmlformats.org/presentationml/2006/main">
+  <p:cSld>
+    <p:spTree>
+      <p:nvGrpSpPr>
+        <p:cNvPr id="1" name=""/>
+        <p:cNvGrpSpPr/>
+        <p:nvPr/>
+      </p:nvGrpSpPr>
+      <p:grpSpPr>
+        <a:xfrm>
+          <a:off x="0" y="0"/>
+          <a:ext cx="0" cy="0"/>
+          <a:chOff x="0" y="0"/>
+          <a:chExt cx="0" cy="0"/>
+        </a:xfrm>
+      </p:grpSpPr>
+      <p:sp>
+        <p:nvSpPr>
+          <p:cNvPr id="2" name="Title 1"/>
+          <p:cNvSpPr>
+            <a:spLocks noGrp="1"/>
+          </p:cNvSpPr>
+          <p:nvPr>
+            <p:ph type="title"/>
+          </p:nvPr>
+        </p:nvSpPr>
+        <p:spPr/>
+        <p:txBody>
+          <a:bodyPr/>
+          <a:lstStyle/>
+          <a:p>
+            <a:r>
+              <a:rPr lang="nb-NO" dirty="0"/>
+              <a:t>Critical path BUFFER_SIZE 128</a:t>
+            </a:r>
+            <a:endParaRPr lang="en-US" dirty="0"/>
+          </a:p>
+        </p:txBody>
+      </p:sp>
+      <p:sp>
+        <p:nvSpPr>
+          <p:cNvPr id="3" name="Content Placeholder 2"/>
+          <p:cNvSpPr>
+            <a:spLocks noGrp="1"/>
+          </p:cNvSpPr>
+          <p:nvPr>
+            <p:ph idx="1"/>
+          </p:nvPr>
+        </p:nvSpPr>
+        <p:spPr/>
+        <p:txBody>
+          <a:bodyPr/>
+          <a:lstStyle/>
+          <a:p>
+            <a:endParaRPr lang="en-US" dirty="0"/>
+          </a:p>
+        </p:txBody>
+      </p:sp>
+    </p:spTree>
+    <p:extLst>
+      <p:ext uri="{BB962C8B-B14F-4D97-AF65-F5344CB8AC3E}">
+        <p14:creationId xmlns:p14="http://schemas.microsoft.com/office/powerpoint/2010/main" val="2341190910"/>
+      </p:ext>
+    </p:extLst>
+  </p:cSld>
+  <p:clrMapOvr>
+    <a:masterClrMapping/>
+  </p:clrMapOvr>
+</p:sld>
+</file>
+
+<file path=ppt/slides/slide13.xml><?xml version="1.0" encoding="utf-8"?>
+<p:sld xmlns:a="http://schemas.openxmlformats.org/drawingml/2006/main" xmlns:r="http://schemas.openxmlformats.org/officeDocument/2006/relationships" xmlns:p="http://schemas.openxmlformats.org/presentationml/2006/main">
+  <p:cSld>
+    <p:spTree>
+      <p:nvGrpSpPr>
+        <p:cNvPr id="1" name=""/>
+        <p:cNvGrpSpPr/>
+        <p:nvPr/>
+      </p:nvGrpSpPr>
+      <p:grpSpPr>
+        <a:xfrm>
+          <a:off x="0" y="0"/>
+          <a:ext cx="0" cy="0"/>
+          <a:chOff x="0" y="0"/>
+          <a:chExt cx="0" cy="0"/>
+        </a:xfrm>
+      </p:grpSpPr>
+      <p:sp>
+        <p:nvSpPr>
+          <p:cNvPr id="2" name="Title 1"/>
+          <p:cNvSpPr>
+            <a:spLocks noGrp="1"/>
+          </p:cNvSpPr>
+          <p:nvPr>
+            <p:ph type="title"/>
+          </p:nvPr>
+        </p:nvSpPr>
+        <p:spPr/>
+        <p:txBody>
+          <a:bodyPr/>
+          <a:lstStyle/>
+          <a:p>
+            <a:r>
+              <a:rPr lang="nb-NO" dirty="0"/>
+              <a:t>RTL Analysis</a:t>
+            </a:r>
+            <a:endParaRPr lang="en-US" dirty="0"/>
+          </a:p>
+        </p:txBody>
+      </p:sp>
+      <p:sp>
+        <p:nvSpPr>
+          <p:cNvPr id="3" name="Content Placeholder 2"/>
+          <p:cNvSpPr>
+            <a:spLocks noGrp="1"/>
+          </p:cNvSpPr>
+          <p:nvPr>
+            <p:ph idx="1"/>
+          </p:nvPr>
+        </p:nvSpPr>
+        <p:spPr/>
+        <p:txBody>
+          <a:bodyPr/>
+          <a:lstStyle/>
+          <a:p>
+            <a:endParaRPr lang="en-US" dirty="0"/>
+          </a:p>
+        </p:txBody>
+      </p:sp>
+    </p:spTree>
+    <p:extLst>
+      <p:ext uri="{BB962C8B-B14F-4D97-AF65-F5344CB8AC3E}">
+        <p14:creationId xmlns:p14="http://schemas.microsoft.com/office/powerpoint/2010/main" val="3150454462"/>
+      </p:ext>
+    </p:extLst>
+  </p:cSld>
+  <p:clrMapOvr>
+    <a:masterClrMapping/>
+  </p:clrMapOvr>
+</p:sld>
+</file>
+
+<file path=ppt/slides/slide14.xml><?xml version="1.0" encoding="utf-8"?>
+<p:sld xmlns:a="http://schemas.openxmlformats.org/drawingml/2006/main" xmlns:r="http://schemas.openxmlformats.org/officeDocument/2006/relationships" xmlns:p="http://schemas.openxmlformats.org/presentationml/2006/main">
+  <p:cSld>
+    <p:spTree>
+      <p:nvGrpSpPr>
+        <p:cNvPr id="1" name=""/>
+        <p:cNvGrpSpPr/>
+        <p:nvPr/>
+      </p:nvGrpSpPr>
+      <p:grpSpPr>
+        <a:xfrm>
+          <a:off x="0" y="0"/>
+          <a:ext cx="0" cy="0"/>
+          <a:chOff x="0" y="0"/>
+          <a:chExt cx="0" cy="0"/>
+        </a:xfrm>
+      </p:grpSpPr>
+      <p:sp>
+        <p:nvSpPr>
+          <p:cNvPr id="2" name="Title 1"/>
+          <p:cNvSpPr>
+            <a:spLocks noGrp="1"/>
+          </p:cNvSpPr>
+          <p:nvPr>
+            <p:ph type="title"/>
+          </p:nvPr>
+        </p:nvSpPr>
+        <p:spPr/>
+        <p:txBody>
+          <a:bodyPr/>
+          <a:lstStyle/>
+          <a:p>
+            <a:endParaRPr lang="en-US"/>
+          </a:p>
+        </p:txBody>
+      </p:sp>
+      <p:sp>
+        <p:nvSpPr>
+          <p:cNvPr id="3" name="Content Placeholder 2"/>
+          <p:cNvSpPr>
+            <a:spLocks noGrp="1"/>
+          </p:cNvSpPr>
+          <p:nvPr>
+            <p:ph idx="1"/>
+          </p:nvPr>
+        </p:nvSpPr>
+        <p:spPr/>
+        <p:txBody>
+          <a:bodyPr/>
+          <a:lstStyle/>
+          <a:p>
+            <a:endParaRPr lang="en-US"/>
+          </a:p>
+        </p:txBody>
+      </p:sp>
+      <p:pic>
+        <p:nvPicPr>
+          <p:cNvPr id="4" name="Picture 3"/>
+          <p:cNvPicPr>
+            <a:picLocks noChangeAspect="1"/>
+          </p:cNvPicPr>
+          <p:nvPr/>
+        </p:nvPicPr>
+        <p:blipFill>
+          <a:blip r:embed="rId2"/>
+          <a:stretch>
+            <a:fillRect/>
+          </a:stretch>
+        </p:blipFill>
+        <p:spPr>
+          <a:xfrm>
+            <a:off x="0" y="2120497"/>
+            <a:ext cx="12192000" cy="2617005"/>
+          </a:xfrm>
+          <a:prstGeom prst="rect">
+            <a:avLst/>
+          </a:prstGeom>
+        </p:spPr>
+      </p:pic>
+    </p:spTree>
+    <p:extLst>
+      <p:ext uri="{BB962C8B-B14F-4D97-AF65-F5344CB8AC3E}">
+        <p14:creationId xmlns:p14="http://schemas.microsoft.com/office/powerpoint/2010/main" val="2887214404"/>
+      </p:ext>
+    </p:extLst>
+  </p:cSld>
+  <p:clrMapOvr>
+    <a:masterClrMapping/>
+  </p:clrMapOvr>
+</p:sld>
+</file>
+
+<file path=ppt/slides/slide15.xml><?xml version="1.0" encoding="utf-8"?>
+<p:sld xmlns:a="http://schemas.openxmlformats.org/drawingml/2006/main" xmlns:r="http://schemas.openxmlformats.org/officeDocument/2006/relationships" xmlns:p="http://schemas.openxmlformats.org/presentationml/2006/main">
+  <p:cSld>
+    <p:spTree>
+      <p:nvGrpSpPr>
+        <p:cNvPr id="1" name=""/>
+        <p:cNvGrpSpPr/>
+        <p:nvPr/>
+      </p:nvGrpSpPr>
+      <p:grpSpPr>
+        <a:xfrm>
+          <a:off x="0" y="0"/>
+          <a:ext cx="0" cy="0"/>
+          <a:chOff x="0" y="0"/>
+          <a:chExt cx="0" cy="0"/>
+        </a:xfrm>
+      </p:grpSpPr>
+      <p:sp>
+        <p:nvSpPr>
+          <p:cNvPr id="2" name="Title 1"/>
+          <p:cNvSpPr>
+            <a:spLocks noGrp="1"/>
+          </p:cNvSpPr>
+          <p:nvPr>
+            <p:ph type="title"/>
+          </p:nvPr>
+        </p:nvSpPr>
+        <p:spPr/>
+        <p:txBody>
+          <a:bodyPr/>
+          <a:lstStyle/>
+          <a:p>
+            <a:r>
+              <a:rPr lang="nb-NO" dirty="0"/>
+              <a:t>GRAY MSBs show octant/quartant</a:t>
+            </a:r>
+            <a:endParaRPr lang="en-US" dirty="0"/>
+          </a:p>
+        </p:txBody>
+      </p:sp>
+      <p:sp>
+        <p:nvSpPr>
+          <p:cNvPr id="3" name="Content Placeholder 2"/>
+          <p:cNvSpPr>
+            <a:spLocks noGrp="1"/>
+          </p:cNvSpPr>
+          <p:nvPr>
+            <p:ph idx="1"/>
+          </p:nvPr>
+        </p:nvSpPr>
+        <p:spPr/>
+        <p:txBody>
+          <a:bodyPr/>
+          <a:lstStyle/>
+          <a:p>
+            <a:endParaRPr lang="en-US"/>
+          </a:p>
+        </p:txBody>
+      </p:sp>
+    </p:spTree>
+    <p:extLst>
+      <p:ext uri="{BB962C8B-B14F-4D97-AF65-F5344CB8AC3E}">
+        <p14:creationId xmlns:p14="http://schemas.microsoft.com/office/powerpoint/2010/main" val="1638763306"/>
+      </p:ext>
+    </p:extLst>
+  </p:cSld>
+  <p:clrMapOvr>
+    <a:masterClrMapping/>
+  </p:clrMapOvr>
+</p:sld>
+</file>
+
 <file path=ppt/slides/slide2.xml><?xml version="1.0" encoding="utf-8"?>
 <p:sld xmlns:a="http://schemas.openxmlformats.org/drawingml/2006/main" xmlns:r="http://schemas.openxmlformats.org/officeDocument/2006/relationships" xmlns:p="http://schemas.openxmlformats.org/presentationml/2006/main">
   <p:cSld>
@@ -3072,14 +4567,37 @@
           <a:p>
             <a:r>
               <a:rPr lang="nb-NO" dirty="0"/>
-              <a:t>Interface</a:t>
+              <a:t>I/O defined</a:t>
             </a:r>
           </a:p>
           <a:p>
             <a:r>
               <a:rPr lang="nb-NO" dirty="0"/>
-              <a:t>From 1 to 127 buffer size</a:t>
-            </a:r>
+              <a:t>From 1 to 127 buffer size. Configurable with BUFFER_SIZE parameter</a:t>
+            </a:r>
+          </a:p>
+          <a:p>
+            <a:r>
+              <a:rPr lang="nb-NO" dirty="0"/>
+              <a:t>Area effective</a:t>
+            </a:r>
+          </a:p>
+          <a:p>
+            <a:r>
+              <a:rPr lang="nb-NO" dirty="0"/>
+              <a:t>Power effective</a:t>
+            </a:r>
+          </a:p>
+          <a:p>
+            <a:r>
+              <a:rPr lang="nb-NO" dirty="0"/>
+              <a:t>Fast</a:t>
+            </a:r>
+          </a:p>
+          <a:p>
+            <a:endParaRPr lang="nb-NO" dirty="0"/>
+          </a:p>
+          <a:p>
             <a:endParaRPr lang="en-US" dirty="0"/>
           </a:p>
         </p:txBody>
@@ -3155,6 +4673,65 @@
           <a:bodyPr/>
           <a:lstStyle/>
           <a:p>
+            <a:r>
+              <a:rPr lang="nb-NO" dirty="0"/>
+              <a:t>Binary pointers with REQ/ACK handshaking signals</a:t>
+            </a:r>
+          </a:p>
+          <a:p>
+            <a:pPr lvl="1"/>
+            <a:r>
+              <a:rPr lang="nb-NO" dirty="0"/>
+              <a:t>Safe</a:t>
+            </a:r>
+          </a:p>
+          <a:p>
+            <a:pPr lvl="1"/>
+            <a:r>
+              <a:rPr lang="nb-NO" dirty="0"/>
+              <a:t>Simple</a:t>
+            </a:r>
+          </a:p>
+          <a:p>
+            <a:pPr lvl="1"/>
+            <a:r>
+              <a:rPr lang="nb-NO" dirty="0"/>
+              <a:t>Supports any fifo depth, and arbitrary pointer changes.</a:t>
+            </a:r>
+          </a:p>
+          <a:p>
+            <a:pPr lvl="1"/>
+            <a:r>
+              <a:rPr lang="nb-NO" dirty="0"/>
+              <a:t>Easy full/empty generation</a:t>
+            </a:r>
+          </a:p>
+          <a:p>
+            <a:r>
+              <a:rPr lang="nb-NO" dirty="0"/>
+              <a:t>Gray code pointers</a:t>
+            </a:r>
+          </a:p>
+          <a:p>
+            <a:pPr lvl="1"/>
+            <a:r>
+              <a:rPr lang="nb-NO" dirty="0"/>
+              <a:t>Proven designs exists</a:t>
+            </a:r>
+          </a:p>
+          <a:p>
+            <a:pPr lvl="1"/>
+            <a:r>
+              <a:rPr lang="nb-NO" dirty="0"/>
+              <a:t>Requires power-of-2 fifo depth(most dual-port ram is power-of-2 words deep)</a:t>
+            </a:r>
+          </a:p>
+          <a:p>
+            <a:pPr lvl="1"/>
+            <a:r>
+              <a:rPr lang="nb-NO"/>
+              <a:t>Tricky full/empty generation</a:t>
+            </a:r>
             <a:endParaRPr lang="en-US" dirty="0"/>
           </a:p>
         </p:txBody>
@@ -3204,17 +4781,13 @@
           <a:bodyPr/>
           <a:lstStyle/>
           <a:p>
-            <a:r>
-              <a:rPr lang="nb-NO" dirty="0"/>
-              <a:t>My assumptions</a:t>
-            </a:r>
-            <a:endParaRPr lang="en-US" dirty="0"/>
-          </a:p>
-        </p:txBody>
-      </p:sp>
-      <p:sp>
-        <p:nvSpPr>
-          <p:cNvPr id="11" name="Content Placeholder 10"/>
+            <a:endParaRPr lang="en-US"/>
+          </a:p>
+        </p:txBody>
+      </p:sp>
+      <p:sp>
+        <p:nvSpPr>
+          <p:cNvPr id="3" name="Content Placeholder 2"/>
           <p:cNvSpPr>
             <a:spLocks noGrp="1"/>
           </p:cNvSpPr>
@@ -3234,7 +4807,7 @@
     </p:spTree>
     <p:extLst>
       <p:ext uri="{BB962C8B-B14F-4D97-AF65-F5344CB8AC3E}">
-        <p14:creationId xmlns:p14="http://schemas.microsoft.com/office/powerpoint/2010/main" val="3684913482"/>
+        <p14:creationId xmlns:p14="http://schemas.microsoft.com/office/powerpoint/2010/main" val="2701251838"/>
       </p:ext>
     </p:extLst>
   </p:cSld>
@@ -3276,13 +4849,17 @@
           <a:bodyPr/>
           <a:lstStyle/>
           <a:p>
+            <a:r>
+              <a:rPr lang="nb-NO" dirty="0"/>
+              <a:t>My assumptions</a:t>
+            </a:r>
             <a:endParaRPr lang="en-US" dirty="0"/>
           </a:p>
         </p:txBody>
       </p:sp>
       <p:sp>
         <p:nvSpPr>
-          <p:cNvPr id="3" name="Content Placeholder 2"/>
+          <p:cNvPr id="11" name="Content Placeholder 10"/>
           <p:cNvSpPr>
             <a:spLocks noGrp="1"/>
           </p:cNvSpPr>
@@ -3295,62 +4872,14 @@
           <a:bodyPr/>
           <a:lstStyle/>
           <a:p>
-            <a:endParaRPr lang="en-US" dirty="0"/>
-          </a:p>
-        </p:txBody>
-      </p:sp>
-      <p:pic>
-        <p:nvPicPr>
-          <p:cNvPr id="4" name="Picture 3"/>
-          <p:cNvPicPr>
-            <a:picLocks noChangeAspect="1"/>
-          </p:cNvPicPr>
-          <p:nvPr/>
-        </p:nvPicPr>
-        <p:blipFill>
-          <a:blip r:embed="rId2"/>
-          <a:stretch>
-            <a:fillRect/>
-          </a:stretch>
-        </p:blipFill>
-        <p:spPr>
-          <a:xfrm>
-            <a:off x="4755593" y="729369"/>
-            <a:ext cx="6598207" cy="2859525"/>
-          </a:xfrm>
-          <a:prstGeom prst="rect">
-            <a:avLst/>
-          </a:prstGeom>
-        </p:spPr>
-      </p:pic>
-      <p:pic>
-        <p:nvPicPr>
-          <p:cNvPr id="5" name="Picture 4"/>
-          <p:cNvPicPr>
-            <a:picLocks noChangeAspect="1"/>
-          </p:cNvPicPr>
-          <p:nvPr/>
-        </p:nvPicPr>
-        <p:blipFill>
-          <a:blip r:embed="rId3"/>
-          <a:stretch>
-            <a:fillRect/>
-          </a:stretch>
-        </p:blipFill>
-        <p:spPr>
-          <a:xfrm>
-            <a:off x="4781937" y="3420943"/>
-            <a:ext cx="6574971" cy="2588069"/>
-          </a:xfrm>
-          <a:prstGeom prst="rect">
-            <a:avLst/>
-          </a:prstGeom>
-        </p:spPr>
-      </p:pic>
+            <a:endParaRPr lang="en-US"/>
+          </a:p>
+        </p:txBody>
+      </p:sp>
     </p:spTree>
     <p:extLst>
       <p:ext uri="{BB962C8B-B14F-4D97-AF65-F5344CB8AC3E}">
-        <p14:creationId xmlns:p14="http://schemas.microsoft.com/office/powerpoint/2010/main" val="2849909054"/>
+        <p14:creationId xmlns:p14="http://schemas.microsoft.com/office/powerpoint/2010/main" val="3684913482"/>
       </p:ext>
     </p:extLst>
   </p:cSld>
@@ -3394,7 +4923,7 @@
           <a:p>
             <a:r>
               <a:rPr lang="nb-NO" dirty="0"/>
-              <a:t>65536</a:t>
+              <a:t>Z</a:t>
             </a:r>
             <a:endParaRPr lang="en-US" dirty="0"/>
           </a:p>
@@ -3419,58 +4948,40 @@
           </a:p>
         </p:txBody>
       </p:sp>
-      <p:pic>
-        <p:nvPicPr>
-          <p:cNvPr id="4" name="Picture 3"/>
-          <p:cNvPicPr>
-            <a:picLocks noChangeAspect="1"/>
-          </p:cNvPicPr>
-          <p:nvPr/>
-        </p:nvPicPr>
-        <p:blipFill>
-          <a:blip r:embed="rId2"/>
-          <a:stretch>
-            <a:fillRect/>
-          </a:stretch>
-        </p:blipFill>
-        <p:spPr>
-          <a:xfrm>
-            <a:off x="9405257" y="0"/>
-            <a:ext cx="2655020" cy="5437822"/>
-          </a:xfrm>
-          <a:prstGeom prst="rect">
-            <a:avLst/>
-          </a:prstGeom>
-        </p:spPr>
-      </p:pic>
-      <p:pic>
-        <p:nvPicPr>
-          <p:cNvPr id="5" name="Picture 4"/>
-          <p:cNvPicPr>
-            <a:picLocks noChangeAspect="1"/>
-          </p:cNvPicPr>
-          <p:nvPr/>
-        </p:nvPicPr>
-        <p:blipFill>
-          <a:blip r:embed="rId3"/>
-          <a:stretch>
-            <a:fillRect/>
-          </a:stretch>
-        </p:blipFill>
-        <p:spPr>
-          <a:xfrm>
-            <a:off x="0" y="5373077"/>
-            <a:ext cx="12192000" cy="1484923"/>
-          </a:xfrm>
-          <a:prstGeom prst="rect">
-            <a:avLst/>
-          </a:prstGeom>
-        </p:spPr>
-      </p:pic>
+      <p:graphicFrame>
+        <p:nvGraphicFramePr>
+          <p:cNvPr id="5" name="Chart 4">
+            <a:extLst>
+              <a:ext uri="{FF2B5EF4-FFF2-40B4-BE49-F238E27FC236}">
+                <a16:creationId xmlns:a16="http://schemas.microsoft.com/office/drawing/2014/main" id="{F63E45B2-96D5-47A3-95FF-7CEB05AD4DA4}"/>
+              </a:ext>
+            </a:extLst>
+          </p:cNvPr>
+          <p:cNvGraphicFramePr>
+            <a:graphicFrameLocks/>
+          </p:cNvGraphicFramePr>
+          <p:nvPr>
+            <p:extLst>
+              <p:ext uri="{D42A27DB-BD31-4B8C-83A1-F6EECF244321}">
+                <p14:modId xmlns:p14="http://schemas.microsoft.com/office/powerpoint/2010/main" val="654546787"/>
+              </p:ext>
+            </p:extLst>
+          </p:nvPr>
+        </p:nvGraphicFramePr>
+        <p:xfrm>
+          <a:off x="5629275" y="0"/>
+          <a:ext cx="6562725" cy="6858000"/>
+        </p:xfrm>
+        <a:graphic>
+          <a:graphicData uri="http://schemas.openxmlformats.org/drawingml/2006/chart">
+            <c:chart xmlns:c="http://schemas.openxmlformats.org/drawingml/2006/chart" xmlns:r="http://schemas.openxmlformats.org/officeDocument/2006/relationships" r:id="rId2"/>
+          </a:graphicData>
+        </a:graphic>
+      </p:graphicFrame>
     </p:spTree>
     <p:extLst>
       <p:ext uri="{BB962C8B-B14F-4D97-AF65-F5344CB8AC3E}">
-        <p14:creationId xmlns:p14="http://schemas.microsoft.com/office/powerpoint/2010/main" val="3834957508"/>
+        <p14:creationId xmlns:p14="http://schemas.microsoft.com/office/powerpoint/2010/main" val="2996354795"/>
       </p:ext>
     </p:extLst>
   </p:cSld>
@@ -3509,14 +5020,12 @@
         </p:nvSpPr>
         <p:spPr/>
         <p:txBody>
-          <a:bodyPr>
-            <a:normAutofit/>
-          </a:bodyPr>
+          <a:bodyPr/>
           <a:lstStyle/>
           <a:p>
             <a:r>
               <a:rPr lang="nb-NO" dirty="0"/>
-              <a:t>Critical path BUFFER_SIZE 8</a:t>
+              <a:t>16 (RAM32M)</a:t>
             </a:r>
             <a:endParaRPr lang="en-US" dirty="0"/>
           </a:p>
@@ -3537,13 +5046,13 @@
           <a:bodyPr/>
           <a:lstStyle/>
           <a:p>
-            <a:endParaRPr lang="en-US"/>
+            <a:endParaRPr lang="en-US" dirty="0"/>
           </a:p>
         </p:txBody>
       </p:sp>
       <p:pic>
         <p:nvPicPr>
-          <p:cNvPr id="4" name="Picture 3"/>
+          <p:cNvPr id="6" name="Picture 5"/>
           <p:cNvPicPr>
             <a:picLocks noChangeAspect="1"/>
           </p:cNvPicPr>
@@ -3557,8 +5066,32 @@
         </p:blipFill>
         <p:spPr>
           <a:xfrm>
-            <a:off x="0" y="1533851"/>
-            <a:ext cx="12192000" cy="3790297"/>
+            <a:off x="0" y="1144236"/>
+            <a:ext cx="12192000" cy="5713764"/>
+          </a:xfrm>
+          <a:prstGeom prst="rect">
+            <a:avLst/>
+          </a:prstGeom>
+        </p:spPr>
+      </p:pic>
+      <p:pic>
+        <p:nvPicPr>
+          <p:cNvPr id="7" name="Picture 6"/>
+          <p:cNvPicPr>
+            <a:picLocks noChangeAspect="1"/>
+          </p:cNvPicPr>
+          <p:nvPr/>
+        </p:nvPicPr>
+        <p:blipFill>
+          <a:blip r:embed="rId3"/>
+          <a:stretch>
+            <a:fillRect/>
+          </a:stretch>
+        </p:blipFill>
+        <p:spPr>
+          <a:xfrm>
+            <a:off x="4350981" y="0"/>
+            <a:ext cx="4206357" cy="3121179"/>
           </a:xfrm>
           <a:prstGeom prst="rect">
             <a:avLst/>
@@ -3568,7 +5101,7 @@
     </p:spTree>
     <p:extLst>
       <p:ext uri="{BB962C8B-B14F-4D97-AF65-F5344CB8AC3E}">
-        <p14:creationId xmlns:p14="http://schemas.microsoft.com/office/powerpoint/2010/main" val="1849489438"/>
+        <p14:creationId xmlns:p14="http://schemas.microsoft.com/office/powerpoint/2010/main" val="2849909054"/>
       </p:ext>
     </p:extLst>
   </p:cSld>
@@ -3612,7 +5145,7 @@
           <a:p>
             <a:r>
               <a:rPr lang="nb-NO" dirty="0"/>
-              <a:t>Critical path BUFFER_SIZE 128</a:t>
+              <a:t>32</a:t>
             </a:r>
             <a:endParaRPr lang="en-US" dirty="0"/>
           </a:p>
@@ -3653,8 +5186,8 @@
         </p:blipFill>
         <p:spPr>
           <a:xfrm>
-            <a:off x="0" y="1819684"/>
-            <a:ext cx="12192000" cy="3218631"/>
+            <a:off x="59554" y="1562101"/>
+            <a:ext cx="12132446" cy="5222056"/>
           </a:xfrm>
           <a:prstGeom prst="rect">
             <a:avLst/>
@@ -3664,7 +5197,7 @@
     </p:spTree>
     <p:extLst>
       <p:ext uri="{BB962C8B-B14F-4D97-AF65-F5344CB8AC3E}">
-        <p14:creationId xmlns:p14="http://schemas.microsoft.com/office/powerpoint/2010/main" val="2341190910"/>
+        <p14:creationId xmlns:p14="http://schemas.microsoft.com/office/powerpoint/2010/main" val="3914776622"/>
       </p:ext>
     </p:extLst>
   </p:cSld>
@@ -3708,7 +5241,7 @@
           <a:p>
             <a:r>
               <a:rPr lang="nb-NO" dirty="0"/>
-              <a:t>RTL Analysis</a:t>
+              <a:t>16 top vs 32 bot	</a:t>
             </a:r>
             <a:endParaRPr lang="en-US" dirty="0"/>
           </a:p>
@@ -3729,7 +5262,7 @@
           <a:bodyPr/>
           <a:lstStyle/>
           <a:p>
-            <a:endParaRPr lang="en-US" dirty="0"/>
+            <a:endParaRPr lang="en-US"/>
           </a:p>
         </p:txBody>
       </p:sp>
@@ -3749,8 +5282,32 @@
         </p:blipFill>
         <p:spPr>
           <a:xfrm>
-            <a:off x="0" y="1881904"/>
-            <a:ext cx="12192000" cy="3024343"/>
+            <a:off x="0" y="4017075"/>
+            <a:ext cx="12192000" cy="2840925"/>
+          </a:xfrm>
+          <a:prstGeom prst="rect">
+            <a:avLst/>
+          </a:prstGeom>
+        </p:spPr>
+      </p:pic>
+      <p:pic>
+        <p:nvPicPr>
+          <p:cNvPr id="5" name="Picture 4"/>
+          <p:cNvPicPr>
+            <a:picLocks noChangeAspect="1"/>
+          </p:cNvPicPr>
+          <p:nvPr/>
+        </p:nvPicPr>
+        <p:blipFill>
+          <a:blip r:embed="rId3"/>
+          <a:stretch>
+            <a:fillRect/>
+          </a:stretch>
+        </p:blipFill>
+        <p:spPr>
+          <a:xfrm>
+            <a:off x="2305051" y="1333121"/>
+            <a:ext cx="9886949" cy="2906298"/>
           </a:xfrm>
           <a:prstGeom prst="rect">
             <a:avLst/>
@@ -3760,7 +5317,7 @@
     </p:spTree>
     <p:extLst>
       <p:ext uri="{BB962C8B-B14F-4D97-AF65-F5344CB8AC3E}">
-        <p14:creationId xmlns:p14="http://schemas.microsoft.com/office/powerpoint/2010/main" val="3150454462"/>
+        <p14:creationId xmlns:p14="http://schemas.microsoft.com/office/powerpoint/2010/main" val="1825209138"/>
       </p:ext>
     </p:extLst>
   </p:cSld>

--- a/Asynchronous FIFO.pptx
+++ b/Asynchronous FIFO.pptx
@@ -4709,7 +4709,7 @@
           <a:p>
             <a:r>
               <a:rPr lang="nb-NO" dirty="0"/>
-              <a:t>Gray code pointers</a:t>
+              <a:t>Gray code pointers passed directly</a:t>
             </a:r>
           </a:p>
           <a:p>
@@ -4729,7 +4729,7 @@
           <a:p>
             <a:pPr lvl="1"/>
             <a:r>
-              <a:rPr lang="nb-NO"/>
+              <a:rPr lang="nb-NO" dirty="0"/>
               <a:t>Tricky full/empty generation</a:t>
             </a:r>
             <a:endParaRPr lang="en-US" dirty="0"/>

--- a/Asynchronous FIFO.pptx
+++ b/Asynchronous FIFO.pptx
@@ -8,18 +8,17 @@
     <p:sldId id="256" r:id="rId2"/>
     <p:sldId id="257" r:id="rId3"/>
     <p:sldId id="259" r:id="rId4"/>
-    <p:sldId id="270" r:id="rId5"/>
-    <p:sldId id="258" r:id="rId6"/>
+    <p:sldId id="258" r:id="rId5"/>
+    <p:sldId id="270" r:id="rId6"/>
     <p:sldId id="268" r:id="rId7"/>
     <p:sldId id="260" r:id="rId8"/>
     <p:sldId id="265" r:id="rId9"/>
-    <p:sldId id="266" r:id="rId10"/>
-    <p:sldId id="263" r:id="rId11"/>
-    <p:sldId id="261" r:id="rId12"/>
-    <p:sldId id="262" r:id="rId13"/>
-    <p:sldId id="264" r:id="rId14"/>
-    <p:sldId id="267" r:id="rId15"/>
-    <p:sldId id="269" r:id="rId16"/>
+    <p:sldId id="263" r:id="rId10"/>
+    <p:sldId id="261" r:id="rId11"/>
+    <p:sldId id="262" r:id="rId12"/>
+    <p:sldId id="264" r:id="rId13"/>
+    <p:sldId id="267" r:id="rId14"/>
+    <p:sldId id="269" r:id="rId15"/>
   </p:sldIdLst>
   <p:sldSz cx="12192000" cy="6858000"/>
   <p:notesSz cx="6858000" cy="9144000"/>
@@ -4061,12 +4060,14 @@
         </p:nvSpPr>
         <p:spPr/>
         <p:txBody>
-          <a:bodyPr/>
+          <a:bodyPr>
+            <a:normAutofit/>
+          </a:bodyPr>
           <a:lstStyle/>
           <a:p>
             <a:r>
               <a:rPr lang="nb-NO" dirty="0"/>
-              <a:t>65536</a:t>
+              <a:t>Critical path BUFFER_SIZE 8</a:t>
             </a:r>
             <a:endParaRPr lang="en-US" dirty="0"/>
           </a:p>
@@ -4091,34 +4092,10 @@
           </a:p>
         </p:txBody>
       </p:sp>
-      <p:pic>
-        <p:nvPicPr>
-          <p:cNvPr id="6" name="Picture 5"/>
-          <p:cNvPicPr>
-            <a:picLocks noChangeAspect="1"/>
-          </p:cNvPicPr>
-          <p:nvPr/>
-        </p:nvPicPr>
-        <p:blipFill>
-          <a:blip r:embed="rId2"/>
-          <a:stretch>
-            <a:fillRect/>
-          </a:stretch>
-        </p:blipFill>
-        <p:spPr>
-          <a:xfrm>
-            <a:off x="8976049" y="7667"/>
-            <a:ext cx="3215951" cy="6850333"/>
-          </a:xfrm>
-          <a:prstGeom prst="rect">
-            <a:avLst/>
-          </a:prstGeom>
-        </p:spPr>
-      </p:pic>
     </p:spTree>
     <p:extLst>
       <p:ext uri="{BB962C8B-B14F-4D97-AF65-F5344CB8AC3E}">
-        <p14:creationId xmlns:p14="http://schemas.microsoft.com/office/powerpoint/2010/main" val="3834957508"/>
+        <p14:creationId xmlns:p14="http://schemas.microsoft.com/office/powerpoint/2010/main" val="1849489438"/>
       </p:ext>
     </p:extLst>
   </p:cSld>
@@ -4157,14 +4134,12 @@
         </p:nvSpPr>
         <p:spPr/>
         <p:txBody>
-          <a:bodyPr>
-            <a:normAutofit/>
-          </a:bodyPr>
+          <a:bodyPr/>
           <a:lstStyle/>
           <a:p>
             <a:r>
               <a:rPr lang="nb-NO" dirty="0"/>
-              <a:t>Critical path BUFFER_SIZE 8</a:t>
+              <a:t>Critical path BUFFER_SIZE 128</a:t>
             </a:r>
             <a:endParaRPr lang="en-US" dirty="0"/>
           </a:p>
@@ -4185,14 +4160,14 @@
           <a:bodyPr/>
           <a:lstStyle/>
           <a:p>
-            <a:endParaRPr lang="en-US"/>
+            <a:endParaRPr lang="en-US" dirty="0"/>
           </a:p>
         </p:txBody>
       </p:sp>
     </p:spTree>
     <p:extLst>
       <p:ext uri="{BB962C8B-B14F-4D97-AF65-F5344CB8AC3E}">
-        <p14:creationId xmlns:p14="http://schemas.microsoft.com/office/powerpoint/2010/main" val="1849489438"/>
+        <p14:creationId xmlns:p14="http://schemas.microsoft.com/office/powerpoint/2010/main" val="2341190910"/>
       </p:ext>
     </p:extLst>
   </p:cSld>
@@ -4236,78 +4211,6 @@
           <a:p>
             <a:r>
               <a:rPr lang="nb-NO" dirty="0"/>
-              <a:t>Critical path BUFFER_SIZE 128</a:t>
-            </a:r>
-            <a:endParaRPr lang="en-US" dirty="0"/>
-          </a:p>
-        </p:txBody>
-      </p:sp>
-      <p:sp>
-        <p:nvSpPr>
-          <p:cNvPr id="3" name="Content Placeholder 2"/>
-          <p:cNvSpPr>
-            <a:spLocks noGrp="1"/>
-          </p:cNvSpPr>
-          <p:nvPr>
-            <p:ph idx="1"/>
-          </p:nvPr>
-        </p:nvSpPr>
-        <p:spPr/>
-        <p:txBody>
-          <a:bodyPr/>
-          <a:lstStyle/>
-          <a:p>
-            <a:endParaRPr lang="en-US" dirty="0"/>
-          </a:p>
-        </p:txBody>
-      </p:sp>
-    </p:spTree>
-    <p:extLst>
-      <p:ext uri="{BB962C8B-B14F-4D97-AF65-F5344CB8AC3E}">
-        <p14:creationId xmlns:p14="http://schemas.microsoft.com/office/powerpoint/2010/main" val="2341190910"/>
-      </p:ext>
-    </p:extLst>
-  </p:cSld>
-  <p:clrMapOvr>
-    <a:masterClrMapping/>
-  </p:clrMapOvr>
-</p:sld>
-</file>
-
-<file path=ppt/slides/slide13.xml><?xml version="1.0" encoding="utf-8"?>
-<p:sld xmlns:a="http://schemas.openxmlformats.org/drawingml/2006/main" xmlns:r="http://schemas.openxmlformats.org/officeDocument/2006/relationships" xmlns:p="http://schemas.openxmlformats.org/presentationml/2006/main">
-  <p:cSld>
-    <p:spTree>
-      <p:nvGrpSpPr>
-        <p:cNvPr id="1" name=""/>
-        <p:cNvGrpSpPr/>
-        <p:nvPr/>
-      </p:nvGrpSpPr>
-      <p:grpSpPr>
-        <a:xfrm>
-          <a:off x="0" y="0"/>
-          <a:ext cx="0" cy="0"/>
-          <a:chOff x="0" y="0"/>
-          <a:chExt cx="0" cy="0"/>
-        </a:xfrm>
-      </p:grpSpPr>
-      <p:sp>
-        <p:nvSpPr>
-          <p:cNvPr id="2" name="Title 1"/>
-          <p:cNvSpPr>
-            <a:spLocks noGrp="1"/>
-          </p:cNvSpPr>
-          <p:nvPr>
-            <p:ph type="title"/>
-          </p:nvPr>
-        </p:nvSpPr>
-        <p:spPr/>
-        <p:txBody>
-          <a:bodyPr/>
-          <a:lstStyle/>
-          <a:p>
-            <a:r>
-              <a:rPr lang="nb-NO" dirty="0"/>
               <a:t>RTL Analysis</a:t>
             </a:r>
             <a:endParaRPr lang="en-US" dirty="0"/>
@@ -4346,7 +4249,7 @@
 </p:sld>
 </file>
 
-<file path=ppt/slides/slide14.xml><?xml version="1.0" encoding="utf-8"?>
+<file path=ppt/slides/slide13.xml><?xml version="1.0" encoding="utf-8"?>
 <p:sld xmlns:a="http://schemas.openxmlformats.org/drawingml/2006/main" xmlns:r="http://schemas.openxmlformats.org/officeDocument/2006/relationships" xmlns:p="http://schemas.openxmlformats.org/presentationml/2006/main">
   <p:cSld>
     <p:spTree>
@@ -4438,7 +4341,7 @@
 </p:sld>
 </file>
 
-<file path=ppt/slides/slide15.xml><?xml version="1.0" encoding="utf-8"?>
+<file path=ppt/slides/slide14.xml><?xml version="1.0" encoding="utf-8"?>
 <p:sld xmlns:a="http://schemas.openxmlformats.org/drawingml/2006/main" xmlns:r="http://schemas.openxmlformats.org/officeDocument/2006/relationships" xmlns:p="http://schemas.openxmlformats.org/presentationml/2006/main">
   <p:cSld>
     <p:spTree>
@@ -4670,8 +4573,23 @@
         </p:nvSpPr>
         <p:spPr/>
         <p:txBody>
-          <a:bodyPr/>
-          <a:lstStyle/>
+          <a:bodyPr>
+            <a:normAutofit fontScale="70000" lnSpcReduction="20000"/>
+          </a:bodyPr>
+          <a:lstStyle/>
+          <a:p>
+            <a:r>
+              <a:rPr lang="nb-NO" dirty="0"/>
+              <a:t>Binary pointers passed directly</a:t>
+            </a:r>
+          </a:p>
+          <a:p>
+            <a:pPr lvl="1"/>
+            <a:r>
+              <a:rPr lang="nb-NO" dirty="0"/>
+              <a:t>Bad practice</a:t>
+            </a:r>
+          </a:p>
           <a:p>
             <a:r>
               <a:rPr lang="nb-NO" dirty="0"/>
@@ -4682,28 +4600,42 @@
             <a:pPr lvl="1"/>
             <a:r>
               <a:rPr lang="nb-NO" dirty="0"/>
-              <a:t>Safe</a:t>
+              <a:t>Safe and simple</a:t>
             </a:r>
           </a:p>
           <a:p>
             <a:pPr lvl="1"/>
             <a:r>
               <a:rPr lang="nb-NO" dirty="0"/>
-              <a:t>Simple</a:t>
+              <a:t>Supports any fifo depth, and arbitrary pointer changes</a:t>
             </a:r>
           </a:p>
           <a:p>
             <a:pPr lvl="1"/>
             <a:r>
               <a:rPr lang="nb-NO" dirty="0"/>
-              <a:t>Supports any fifo depth, and arbitrary pointer changes.</a:t>
+              <a:t>Easy full/empty/almost_full/almost_empty generation</a:t>
             </a:r>
           </a:p>
           <a:p>
             <a:pPr lvl="1"/>
             <a:r>
               <a:rPr lang="nb-NO" dirty="0"/>
-              <a:t>Easy full/empty generation</a:t>
+              <a:t>Smaller(2FF per pointer bits + 4 for REQ/ACK)</a:t>
+            </a:r>
+          </a:p>
+          <a:p>
+            <a:pPr lvl="1"/>
+            <a:r>
+              <a:rPr lang="nb-NO" dirty="0"/>
+              <a:t>Higher latency(REQ/ACK signaling)</a:t>
+            </a:r>
+          </a:p>
+          <a:p>
+            <a:pPr lvl="1"/>
+            <a:r>
+              <a:rPr lang="nb-NO" dirty="0"/>
+              <a:t>Possible all pointer bits change per increment</a:t>
             </a:r>
           </a:p>
           <a:p>
@@ -4716,7 +4648,7 @@
             <a:pPr lvl="1"/>
             <a:r>
               <a:rPr lang="nb-NO" dirty="0"/>
-              <a:t>Proven designs exists</a:t>
+              <a:t>Proven design</a:t>
             </a:r>
           </a:p>
           <a:p>
@@ -4730,7 +4662,28 @@
             <a:pPr lvl="1"/>
             <a:r>
               <a:rPr lang="nb-NO" dirty="0"/>
-              <a:t>Tricky full/empty generation</a:t>
+              <a:t>Tricky full/empty /almost_full/almost_empty generation</a:t>
+            </a:r>
+          </a:p>
+          <a:p>
+            <a:pPr lvl="1"/>
+            <a:r>
+              <a:rPr lang="nb-NO" dirty="0"/>
+              <a:t>Larger(4FF per pointer bits)</a:t>
+            </a:r>
+          </a:p>
+          <a:p>
+            <a:pPr lvl="1"/>
+            <a:r>
+              <a:rPr lang="nb-NO" dirty="0"/>
+              <a:t>Lower latency(better performance if full/empty conditions happen often)</a:t>
+            </a:r>
+          </a:p>
+          <a:p>
+            <a:pPr lvl="1"/>
+            <a:r>
+              <a:rPr lang="nb-NO" dirty="0"/>
+              <a:t>Maximum of 1 pointer bit value change per increment</a:t>
             </a:r>
             <a:endParaRPr lang="en-US" dirty="0"/>
           </a:p>
@@ -4776,38 +4729,57 @@
             <p:ph type="title"/>
           </p:nvPr>
         </p:nvSpPr>
-        <p:spPr/>
-        <p:txBody>
-          <a:bodyPr/>
-          <a:lstStyle/>
-          <a:p>
-            <a:endParaRPr lang="en-US"/>
-          </a:p>
-        </p:txBody>
-      </p:sp>
-      <p:sp>
-        <p:nvSpPr>
-          <p:cNvPr id="3" name="Content Placeholder 2"/>
-          <p:cNvSpPr>
-            <a:spLocks noGrp="1"/>
-          </p:cNvSpPr>
+        <p:spPr>
+          <a:xfrm>
+            <a:off x="838200" y="365125"/>
+            <a:ext cx="10515600" cy="1325563"/>
+          </a:xfrm>
+        </p:spPr>
+        <p:txBody>
+          <a:bodyPr/>
+          <a:lstStyle/>
+          <a:p>
+            <a:r>
+              <a:rPr lang="nb-NO" dirty="0"/>
+              <a:t>My implementation: </a:t>
+            </a:r>
+            <a:endParaRPr lang="en-US" dirty="0"/>
+          </a:p>
+        </p:txBody>
+      </p:sp>
+      <p:pic>
+        <p:nvPicPr>
+          <p:cNvPr id="6" name="Content Placeholder 5"/>
+          <p:cNvPicPr>
+            <a:picLocks noGrp="1" noChangeAspect="1"/>
+          </p:cNvPicPr>
           <p:nvPr>
             <p:ph idx="1"/>
           </p:nvPr>
-        </p:nvSpPr>
-        <p:spPr/>
-        <p:txBody>
-          <a:bodyPr/>
-          <a:lstStyle/>
-          <a:p>
-            <a:endParaRPr lang="en-US"/>
-          </a:p>
-        </p:txBody>
-      </p:sp>
+        </p:nvPicPr>
+        <p:blipFill>
+          <a:blip r:embed="rId2">
+            <a:extLst>
+              <a:ext uri="{28A0092B-C50C-407E-A947-70E740481C1C}">
+                <a14:useLocalDpi xmlns:a14="http://schemas.microsoft.com/office/drawing/2010/main" val="0"/>
+              </a:ext>
+            </a:extLst>
+          </a:blip>
+          <a:stretch>
+            <a:fillRect/>
+          </a:stretch>
+        </p:blipFill>
+        <p:spPr>
+          <a:xfrm>
+            <a:off x="796127" y="1253366"/>
+            <a:ext cx="10557673" cy="5167312"/>
+          </a:xfrm>
+        </p:spPr>
+      </p:pic>
     </p:spTree>
     <p:extLst>
       <p:ext uri="{BB962C8B-B14F-4D97-AF65-F5344CB8AC3E}">
-        <p14:creationId xmlns:p14="http://schemas.microsoft.com/office/powerpoint/2010/main" val="2701251838"/>
+        <p14:creationId xmlns:p14="http://schemas.microsoft.com/office/powerpoint/2010/main" val="3684913482"/>
       </p:ext>
     </p:extLst>
   </p:cSld>
@@ -4849,17 +4821,13 @@
           <a:bodyPr/>
           <a:lstStyle/>
           <a:p>
-            <a:r>
-              <a:rPr lang="nb-NO" dirty="0"/>
-              <a:t>My assumptions</a:t>
-            </a:r>
             <a:endParaRPr lang="en-US" dirty="0"/>
           </a:p>
         </p:txBody>
       </p:sp>
       <p:sp>
         <p:nvSpPr>
-          <p:cNvPr id="11" name="Content Placeholder 10"/>
+          <p:cNvPr id="3" name="Content Placeholder 2"/>
           <p:cNvSpPr>
             <a:spLocks noGrp="1"/>
           </p:cNvSpPr>
@@ -4879,7 +4847,7 @@
     </p:spTree>
     <p:extLst>
       <p:ext uri="{BB962C8B-B14F-4D97-AF65-F5344CB8AC3E}">
-        <p14:creationId xmlns:p14="http://schemas.microsoft.com/office/powerpoint/2010/main" val="3684913482"/>
+        <p14:creationId xmlns:p14="http://schemas.microsoft.com/office/powerpoint/2010/main" val="2701251838"/>
       </p:ext>
     </p:extLst>
   </p:cSld>
@@ -5068,30 +5036,6 @@
           <a:xfrm>
             <a:off x="0" y="1144236"/>
             <a:ext cx="12192000" cy="5713764"/>
-          </a:xfrm>
-          <a:prstGeom prst="rect">
-            <a:avLst/>
-          </a:prstGeom>
-        </p:spPr>
-      </p:pic>
-      <p:pic>
-        <p:nvPicPr>
-          <p:cNvPr id="7" name="Picture 6"/>
-          <p:cNvPicPr>
-            <a:picLocks noChangeAspect="1"/>
-          </p:cNvPicPr>
-          <p:nvPr/>
-        </p:nvPicPr>
-        <p:blipFill>
-          <a:blip r:embed="rId3"/>
-          <a:stretch>
-            <a:fillRect/>
-          </a:stretch>
-        </p:blipFill>
-        <p:spPr>
-          <a:xfrm>
-            <a:off x="4350981" y="0"/>
-            <a:ext cx="4206357" cy="3121179"/>
           </a:xfrm>
           <a:prstGeom prst="rect">
             <a:avLst/>
@@ -5241,7 +5185,7 @@
           <a:p>
             <a:r>
               <a:rPr lang="nb-NO" dirty="0"/>
-              <a:t>16 top vs 32 bot	</a:t>
+              <a:t>65536</a:t>
             </a:r>
             <a:endParaRPr lang="en-US" dirty="0"/>
           </a:p>
@@ -5268,7 +5212,7 @@
       </p:sp>
       <p:pic>
         <p:nvPicPr>
-          <p:cNvPr id="4" name="Picture 3"/>
+          <p:cNvPr id="6" name="Picture 5"/>
           <p:cNvPicPr>
             <a:picLocks noChangeAspect="1"/>
           </p:cNvPicPr>
@@ -5282,32 +5226,8 @@
         </p:blipFill>
         <p:spPr>
           <a:xfrm>
-            <a:off x="0" y="4017075"/>
-            <a:ext cx="12192000" cy="2840925"/>
-          </a:xfrm>
-          <a:prstGeom prst="rect">
-            <a:avLst/>
-          </a:prstGeom>
-        </p:spPr>
-      </p:pic>
-      <p:pic>
-        <p:nvPicPr>
-          <p:cNvPr id="5" name="Picture 4"/>
-          <p:cNvPicPr>
-            <a:picLocks noChangeAspect="1"/>
-          </p:cNvPicPr>
-          <p:nvPr/>
-        </p:nvPicPr>
-        <p:blipFill>
-          <a:blip r:embed="rId3"/>
-          <a:stretch>
-            <a:fillRect/>
-          </a:stretch>
-        </p:blipFill>
-        <p:spPr>
-          <a:xfrm>
-            <a:off x="2305051" y="1333121"/>
-            <a:ext cx="9886949" cy="2906298"/>
+            <a:off x="8976049" y="7667"/>
+            <a:ext cx="3215951" cy="6850333"/>
           </a:xfrm>
           <a:prstGeom prst="rect">
             <a:avLst/>
@@ -5317,7 +5237,7 @@
     </p:spTree>
     <p:extLst>
       <p:ext uri="{BB962C8B-B14F-4D97-AF65-F5344CB8AC3E}">
-        <p14:creationId xmlns:p14="http://schemas.microsoft.com/office/powerpoint/2010/main" val="1825209138"/>
+        <p14:creationId xmlns:p14="http://schemas.microsoft.com/office/powerpoint/2010/main" val="3834957508"/>
       </p:ext>
     </p:extLst>
   </p:cSld>

--- a/Asynchronous FIFO.pptx
+++ b/Asynchronous FIFO.pptx
@@ -9,15 +9,15 @@
     <p:sldId id="257" r:id="rId3"/>
     <p:sldId id="259" r:id="rId4"/>
     <p:sldId id="258" r:id="rId5"/>
-    <p:sldId id="270" r:id="rId6"/>
-    <p:sldId id="268" r:id="rId7"/>
-    <p:sldId id="260" r:id="rId8"/>
-    <p:sldId id="265" r:id="rId9"/>
-    <p:sldId id="263" r:id="rId10"/>
-    <p:sldId id="261" r:id="rId11"/>
-    <p:sldId id="262" r:id="rId12"/>
-    <p:sldId id="264" r:id="rId13"/>
-    <p:sldId id="267" r:id="rId14"/>
+    <p:sldId id="264" r:id="rId6"/>
+    <p:sldId id="270" r:id="rId7"/>
+    <p:sldId id="267" r:id="rId8"/>
+    <p:sldId id="268" r:id="rId9"/>
+    <p:sldId id="260" r:id="rId10"/>
+    <p:sldId id="265" r:id="rId11"/>
+    <p:sldId id="263" r:id="rId12"/>
+    <p:sldId id="261" r:id="rId13"/>
+    <p:sldId id="262" r:id="rId14"/>
     <p:sldId id="269" r:id="rId15"/>
   </p:sldIdLst>
   <p:sldSz cx="12192000" cy="6858000"/>
@@ -1269,7 +1269,7 @@
           <a:p>
             <a:fld id="{CB5FA825-F155-4B9C-8354-B591564874AC}" type="datetimeFigureOut">
               <a:rPr lang="en-US" smtClean="0"/>
-              <a:t>5/8/2017</a:t>
+              <a:t>5/9/2017</a:t>
             </a:fld>
             <a:endParaRPr lang="en-US" dirty="0"/>
           </a:p>
@@ -1437,7 +1437,7 @@
           <a:p>
             <a:fld id="{CB5FA825-F155-4B9C-8354-B591564874AC}" type="datetimeFigureOut">
               <a:rPr lang="en-US" smtClean="0"/>
-              <a:t>5/8/2017</a:t>
+              <a:t>5/9/2017</a:t>
             </a:fld>
             <a:endParaRPr lang="en-US" dirty="0"/>
           </a:p>
@@ -1615,7 +1615,7 @@
           <a:p>
             <a:fld id="{CB5FA825-F155-4B9C-8354-B591564874AC}" type="datetimeFigureOut">
               <a:rPr lang="en-US" smtClean="0"/>
-              <a:t>5/8/2017</a:t>
+              <a:t>5/9/2017</a:t>
             </a:fld>
             <a:endParaRPr lang="en-US" dirty="0"/>
           </a:p>
@@ -1783,7 +1783,7 @@
           <a:p>
             <a:fld id="{CB5FA825-F155-4B9C-8354-B591564874AC}" type="datetimeFigureOut">
               <a:rPr lang="en-US" smtClean="0"/>
-              <a:t>5/8/2017</a:t>
+              <a:t>5/9/2017</a:t>
             </a:fld>
             <a:endParaRPr lang="en-US" dirty="0"/>
           </a:p>
@@ -2028,7 +2028,7 @@
           <a:p>
             <a:fld id="{CB5FA825-F155-4B9C-8354-B591564874AC}" type="datetimeFigureOut">
               <a:rPr lang="en-US" smtClean="0"/>
-              <a:t>5/8/2017</a:t>
+              <a:t>5/9/2017</a:t>
             </a:fld>
             <a:endParaRPr lang="en-US" dirty="0"/>
           </a:p>
@@ -2257,7 +2257,7 @@
           <a:p>
             <a:fld id="{CB5FA825-F155-4B9C-8354-B591564874AC}" type="datetimeFigureOut">
               <a:rPr lang="en-US" smtClean="0"/>
-              <a:t>5/8/2017</a:t>
+              <a:t>5/9/2017</a:t>
             </a:fld>
             <a:endParaRPr lang="en-US" dirty="0"/>
           </a:p>
@@ -2621,7 +2621,7 @@
           <a:p>
             <a:fld id="{CB5FA825-F155-4B9C-8354-B591564874AC}" type="datetimeFigureOut">
               <a:rPr lang="en-US" smtClean="0"/>
-              <a:t>5/8/2017</a:t>
+              <a:t>5/9/2017</a:t>
             </a:fld>
             <a:endParaRPr lang="en-US" dirty="0"/>
           </a:p>
@@ -2738,7 +2738,7 @@
           <a:p>
             <a:fld id="{CB5FA825-F155-4B9C-8354-B591564874AC}" type="datetimeFigureOut">
               <a:rPr lang="en-US" smtClean="0"/>
-              <a:t>5/8/2017</a:t>
+              <a:t>5/9/2017</a:t>
             </a:fld>
             <a:endParaRPr lang="en-US" dirty="0"/>
           </a:p>
@@ -2833,7 +2833,7 @@
           <a:p>
             <a:fld id="{CB5FA825-F155-4B9C-8354-B591564874AC}" type="datetimeFigureOut">
               <a:rPr lang="en-US" smtClean="0"/>
-              <a:t>5/8/2017</a:t>
+              <a:t>5/9/2017</a:t>
             </a:fld>
             <a:endParaRPr lang="en-US" dirty="0"/>
           </a:p>
@@ -3108,7 +3108,7 @@
           <a:p>
             <a:fld id="{CB5FA825-F155-4B9C-8354-B591564874AC}" type="datetimeFigureOut">
               <a:rPr lang="en-US" smtClean="0"/>
-              <a:t>5/8/2017</a:t>
+              <a:t>5/9/2017</a:t>
             </a:fld>
             <a:endParaRPr lang="en-US" dirty="0"/>
           </a:p>
@@ -3360,7 +3360,7 @@
           <a:p>
             <a:fld id="{CB5FA825-F155-4B9C-8354-B591564874AC}" type="datetimeFigureOut">
               <a:rPr lang="en-US" smtClean="0"/>
-              <a:t>5/8/2017</a:t>
+              <a:t>5/9/2017</a:t>
             </a:fld>
             <a:endParaRPr lang="en-US" dirty="0"/>
           </a:p>
@@ -3571,7 +3571,7 @@
           <a:p>
             <a:fld id="{CB5FA825-F155-4B9C-8354-B591564874AC}" type="datetimeFigureOut">
               <a:rPr lang="en-US" smtClean="0"/>
-              <a:t>5/8/2017</a:t>
+              <a:t>5/9/2017</a:t>
             </a:fld>
             <a:endParaRPr lang="en-US" dirty="0"/>
           </a:p>
@@ -4058,680 +4058,9 @@
             <p:ph type="title"/>
           </p:nvPr>
         </p:nvSpPr>
-        <p:spPr/>
-        <p:txBody>
-          <a:bodyPr>
-            <a:normAutofit/>
-          </a:bodyPr>
-          <a:lstStyle/>
-          <a:p>
-            <a:r>
-              <a:rPr lang="nb-NO" dirty="0"/>
-              <a:t>Critical path BUFFER_SIZE 8</a:t>
-            </a:r>
-            <a:endParaRPr lang="en-US" dirty="0"/>
-          </a:p>
-        </p:txBody>
-      </p:sp>
-      <p:sp>
-        <p:nvSpPr>
-          <p:cNvPr id="3" name="Content Placeholder 2"/>
-          <p:cNvSpPr>
-            <a:spLocks noGrp="1"/>
-          </p:cNvSpPr>
-          <p:nvPr>
-            <p:ph idx="1"/>
-          </p:nvPr>
-        </p:nvSpPr>
-        <p:spPr/>
-        <p:txBody>
-          <a:bodyPr/>
-          <a:lstStyle/>
-          <a:p>
-            <a:endParaRPr lang="en-US"/>
-          </a:p>
-        </p:txBody>
-      </p:sp>
-    </p:spTree>
-    <p:extLst>
-      <p:ext uri="{BB962C8B-B14F-4D97-AF65-F5344CB8AC3E}">
-        <p14:creationId xmlns:p14="http://schemas.microsoft.com/office/powerpoint/2010/main" val="1849489438"/>
-      </p:ext>
-    </p:extLst>
-  </p:cSld>
-  <p:clrMapOvr>
-    <a:masterClrMapping/>
-  </p:clrMapOvr>
-</p:sld>
-</file>
-
-<file path=ppt/slides/slide11.xml><?xml version="1.0" encoding="utf-8"?>
-<p:sld xmlns:a="http://schemas.openxmlformats.org/drawingml/2006/main" xmlns:r="http://schemas.openxmlformats.org/officeDocument/2006/relationships" xmlns:p="http://schemas.openxmlformats.org/presentationml/2006/main">
-  <p:cSld>
-    <p:spTree>
-      <p:nvGrpSpPr>
-        <p:cNvPr id="1" name=""/>
-        <p:cNvGrpSpPr/>
-        <p:nvPr/>
-      </p:nvGrpSpPr>
-      <p:grpSpPr>
-        <a:xfrm>
-          <a:off x="0" y="0"/>
-          <a:ext cx="0" cy="0"/>
-          <a:chOff x="0" y="0"/>
-          <a:chExt cx="0" cy="0"/>
-        </a:xfrm>
-      </p:grpSpPr>
-      <p:sp>
-        <p:nvSpPr>
-          <p:cNvPr id="2" name="Title 1"/>
-          <p:cNvSpPr>
-            <a:spLocks noGrp="1"/>
-          </p:cNvSpPr>
-          <p:nvPr>
-            <p:ph type="title"/>
-          </p:nvPr>
-        </p:nvSpPr>
-        <p:spPr/>
-        <p:txBody>
-          <a:bodyPr/>
-          <a:lstStyle/>
-          <a:p>
-            <a:r>
-              <a:rPr lang="nb-NO" dirty="0"/>
-              <a:t>Critical path BUFFER_SIZE 128</a:t>
-            </a:r>
-            <a:endParaRPr lang="en-US" dirty="0"/>
-          </a:p>
-        </p:txBody>
-      </p:sp>
-      <p:sp>
-        <p:nvSpPr>
-          <p:cNvPr id="3" name="Content Placeholder 2"/>
-          <p:cNvSpPr>
-            <a:spLocks noGrp="1"/>
-          </p:cNvSpPr>
-          <p:nvPr>
-            <p:ph idx="1"/>
-          </p:nvPr>
-        </p:nvSpPr>
-        <p:spPr/>
-        <p:txBody>
-          <a:bodyPr/>
-          <a:lstStyle/>
-          <a:p>
-            <a:endParaRPr lang="en-US" dirty="0"/>
-          </a:p>
-        </p:txBody>
-      </p:sp>
-    </p:spTree>
-    <p:extLst>
-      <p:ext uri="{BB962C8B-B14F-4D97-AF65-F5344CB8AC3E}">
-        <p14:creationId xmlns:p14="http://schemas.microsoft.com/office/powerpoint/2010/main" val="2341190910"/>
-      </p:ext>
-    </p:extLst>
-  </p:cSld>
-  <p:clrMapOvr>
-    <a:masterClrMapping/>
-  </p:clrMapOvr>
-</p:sld>
-</file>
-
-<file path=ppt/slides/slide12.xml><?xml version="1.0" encoding="utf-8"?>
-<p:sld xmlns:a="http://schemas.openxmlformats.org/drawingml/2006/main" xmlns:r="http://schemas.openxmlformats.org/officeDocument/2006/relationships" xmlns:p="http://schemas.openxmlformats.org/presentationml/2006/main">
-  <p:cSld>
-    <p:spTree>
-      <p:nvGrpSpPr>
-        <p:cNvPr id="1" name=""/>
-        <p:cNvGrpSpPr/>
-        <p:nvPr/>
-      </p:nvGrpSpPr>
-      <p:grpSpPr>
-        <a:xfrm>
-          <a:off x="0" y="0"/>
-          <a:ext cx="0" cy="0"/>
-          <a:chOff x="0" y="0"/>
-          <a:chExt cx="0" cy="0"/>
-        </a:xfrm>
-      </p:grpSpPr>
-      <p:sp>
-        <p:nvSpPr>
-          <p:cNvPr id="2" name="Title 1"/>
-          <p:cNvSpPr>
-            <a:spLocks noGrp="1"/>
-          </p:cNvSpPr>
-          <p:nvPr>
-            <p:ph type="title"/>
-          </p:nvPr>
-        </p:nvSpPr>
-        <p:spPr/>
-        <p:txBody>
-          <a:bodyPr/>
-          <a:lstStyle/>
-          <a:p>
-            <a:r>
-              <a:rPr lang="nb-NO" dirty="0"/>
-              <a:t>RTL Analysis</a:t>
-            </a:r>
-            <a:endParaRPr lang="en-US" dirty="0"/>
-          </a:p>
-        </p:txBody>
-      </p:sp>
-      <p:sp>
-        <p:nvSpPr>
-          <p:cNvPr id="3" name="Content Placeholder 2"/>
-          <p:cNvSpPr>
-            <a:spLocks noGrp="1"/>
-          </p:cNvSpPr>
-          <p:nvPr>
-            <p:ph idx="1"/>
-          </p:nvPr>
-        </p:nvSpPr>
-        <p:spPr/>
-        <p:txBody>
-          <a:bodyPr/>
-          <a:lstStyle/>
-          <a:p>
-            <a:endParaRPr lang="en-US" dirty="0"/>
-          </a:p>
-        </p:txBody>
-      </p:sp>
-    </p:spTree>
-    <p:extLst>
-      <p:ext uri="{BB962C8B-B14F-4D97-AF65-F5344CB8AC3E}">
-        <p14:creationId xmlns:p14="http://schemas.microsoft.com/office/powerpoint/2010/main" val="3150454462"/>
-      </p:ext>
-    </p:extLst>
-  </p:cSld>
-  <p:clrMapOvr>
-    <a:masterClrMapping/>
-  </p:clrMapOvr>
-</p:sld>
-</file>
-
-<file path=ppt/slides/slide13.xml><?xml version="1.0" encoding="utf-8"?>
-<p:sld xmlns:a="http://schemas.openxmlformats.org/drawingml/2006/main" xmlns:r="http://schemas.openxmlformats.org/officeDocument/2006/relationships" xmlns:p="http://schemas.openxmlformats.org/presentationml/2006/main">
-  <p:cSld>
-    <p:spTree>
-      <p:nvGrpSpPr>
-        <p:cNvPr id="1" name=""/>
-        <p:cNvGrpSpPr/>
-        <p:nvPr/>
-      </p:nvGrpSpPr>
-      <p:grpSpPr>
-        <a:xfrm>
-          <a:off x="0" y="0"/>
-          <a:ext cx="0" cy="0"/>
-          <a:chOff x="0" y="0"/>
-          <a:chExt cx="0" cy="0"/>
-        </a:xfrm>
-      </p:grpSpPr>
-      <p:sp>
-        <p:nvSpPr>
-          <p:cNvPr id="2" name="Title 1"/>
-          <p:cNvSpPr>
-            <a:spLocks noGrp="1"/>
-          </p:cNvSpPr>
-          <p:nvPr>
-            <p:ph type="title"/>
-          </p:nvPr>
-        </p:nvSpPr>
-        <p:spPr/>
-        <p:txBody>
-          <a:bodyPr/>
-          <a:lstStyle/>
-          <a:p>
-            <a:endParaRPr lang="en-US"/>
-          </a:p>
-        </p:txBody>
-      </p:sp>
-      <p:sp>
-        <p:nvSpPr>
-          <p:cNvPr id="3" name="Content Placeholder 2"/>
-          <p:cNvSpPr>
-            <a:spLocks noGrp="1"/>
-          </p:cNvSpPr>
-          <p:nvPr>
-            <p:ph idx="1"/>
-          </p:nvPr>
-        </p:nvSpPr>
-        <p:spPr/>
-        <p:txBody>
-          <a:bodyPr/>
-          <a:lstStyle/>
-          <a:p>
-            <a:endParaRPr lang="en-US"/>
-          </a:p>
-        </p:txBody>
-      </p:sp>
-      <p:pic>
-        <p:nvPicPr>
-          <p:cNvPr id="4" name="Picture 3"/>
-          <p:cNvPicPr>
-            <a:picLocks noChangeAspect="1"/>
-          </p:cNvPicPr>
-          <p:nvPr/>
-        </p:nvPicPr>
-        <p:blipFill>
-          <a:blip r:embed="rId2"/>
-          <a:stretch>
-            <a:fillRect/>
-          </a:stretch>
-        </p:blipFill>
         <p:spPr>
           <a:xfrm>
-            <a:off x="0" y="2120497"/>
-            <a:ext cx="12192000" cy="2617005"/>
-          </a:xfrm>
-          <a:prstGeom prst="rect">
-            <a:avLst/>
-          </a:prstGeom>
-        </p:spPr>
-      </p:pic>
-    </p:spTree>
-    <p:extLst>
-      <p:ext uri="{BB962C8B-B14F-4D97-AF65-F5344CB8AC3E}">
-        <p14:creationId xmlns:p14="http://schemas.microsoft.com/office/powerpoint/2010/main" val="2887214404"/>
-      </p:ext>
-    </p:extLst>
-  </p:cSld>
-  <p:clrMapOvr>
-    <a:masterClrMapping/>
-  </p:clrMapOvr>
-</p:sld>
-</file>
-
-<file path=ppt/slides/slide14.xml><?xml version="1.0" encoding="utf-8"?>
-<p:sld xmlns:a="http://schemas.openxmlformats.org/drawingml/2006/main" xmlns:r="http://schemas.openxmlformats.org/officeDocument/2006/relationships" xmlns:p="http://schemas.openxmlformats.org/presentationml/2006/main">
-  <p:cSld>
-    <p:spTree>
-      <p:nvGrpSpPr>
-        <p:cNvPr id="1" name=""/>
-        <p:cNvGrpSpPr/>
-        <p:nvPr/>
-      </p:nvGrpSpPr>
-      <p:grpSpPr>
-        <a:xfrm>
-          <a:off x="0" y="0"/>
-          <a:ext cx="0" cy="0"/>
-          <a:chOff x="0" y="0"/>
-          <a:chExt cx="0" cy="0"/>
-        </a:xfrm>
-      </p:grpSpPr>
-      <p:sp>
-        <p:nvSpPr>
-          <p:cNvPr id="2" name="Title 1"/>
-          <p:cNvSpPr>
-            <a:spLocks noGrp="1"/>
-          </p:cNvSpPr>
-          <p:nvPr>
-            <p:ph type="title"/>
-          </p:nvPr>
-        </p:nvSpPr>
-        <p:spPr/>
-        <p:txBody>
-          <a:bodyPr/>
-          <a:lstStyle/>
-          <a:p>
-            <a:r>
-              <a:rPr lang="nb-NO" dirty="0"/>
-              <a:t>GRAY MSBs show octant/quartant</a:t>
-            </a:r>
-            <a:endParaRPr lang="en-US" dirty="0"/>
-          </a:p>
-        </p:txBody>
-      </p:sp>
-      <p:sp>
-        <p:nvSpPr>
-          <p:cNvPr id="3" name="Content Placeholder 2"/>
-          <p:cNvSpPr>
-            <a:spLocks noGrp="1"/>
-          </p:cNvSpPr>
-          <p:nvPr>
-            <p:ph idx="1"/>
-          </p:nvPr>
-        </p:nvSpPr>
-        <p:spPr/>
-        <p:txBody>
-          <a:bodyPr/>
-          <a:lstStyle/>
-          <a:p>
-            <a:endParaRPr lang="en-US"/>
-          </a:p>
-        </p:txBody>
-      </p:sp>
-    </p:spTree>
-    <p:extLst>
-      <p:ext uri="{BB962C8B-B14F-4D97-AF65-F5344CB8AC3E}">
-        <p14:creationId xmlns:p14="http://schemas.microsoft.com/office/powerpoint/2010/main" val="1638763306"/>
-      </p:ext>
-    </p:extLst>
-  </p:cSld>
-  <p:clrMapOvr>
-    <a:masterClrMapping/>
-  </p:clrMapOvr>
-</p:sld>
-</file>
-
-<file path=ppt/slides/slide2.xml><?xml version="1.0" encoding="utf-8"?>
-<p:sld xmlns:a="http://schemas.openxmlformats.org/drawingml/2006/main" xmlns:r="http://schemas.openxmlformats.org/officeDocument/2006/relationships" xmlns:p="http://schemas.openxmlformats.org/presentationml/2006/main">
-  <p:cSld>
-    <p:spTree>
-      <p:nvGrpSpPr>
-        <p:cNvPr id="1" name=""/>
-        <p:cNvGrpSpPr/>
-        <p:nvPr/>
-      </p:nvGrpSpPr>
-      <p:grpSpPr>
-        <a:xfrm>
-          <a:off x="0" y="0"/>
-          <a:ext cx="0" cy="0"/>
-          <a:chOff x="0" y="0"/>
-          <a:chExt cx="0" cy="0"/>
-        </a:xfrm>
-      </p:grpSpPr>
-      <p:sp>
-        <p:nvSpPr>
-          <p:cNvPr id="2" name="Title 1"/>
-          <p:cNvSpPr>
-            <a:spLocks noGrp="1"/>
-          </p:cNvSpPr>
-          <p:nvPr>
-            <p:ph type="title"/>
-          </p:nvPr>
-        </p:nvSpPr>
-        <p:spPr/>
-        <p:txBody>
-          <a:bodyPr/>
-          <a:lstStyle/>
-          <a:p>
-            <a:r>
-              <a:rPr lang="nb-NO" dirty="0"/>
-              <a:t>Design specification</a:t>
-            </a:r>
-            <a:endParaRPr lang="en-US" dirty="0"/>
-          </a:p>
-        </p:txBody>
-      </p:sp>
-      <p:sp>
-        <p:nvSpPr>
-          <p:cNvPr id="3" name="Content Placeholder 2"/>
-          <p:cNvSpPr>
-            <a:spLocks noGrp="1"/>
-          </p:cNvSpPr>
-          <p:nvPr>
-            <p:ph idx="1"/>
-          </p:nvPr>
-        </p:nvSpPr>
-        <p:spPr/>
-        <p:txBody>
-          <a:bodyPr/>
-          <a:lstStyle/>
-          <a:p>
-            <a:r>
-              <a:rPr lang="nb-NO" dirty="0"/>
-              <a:t>I/O defined</a:t>
-            </a:r>
-          </a:p>
-          <a:p>
-            <a:r>
-              <a:rPr lang="nb-NO" dirty="0"/>
-              <a:t>From 1 to 127 buffer size. Configurable with BUFFER_SIZE parameter</a:t>
-            </a:r>
-          </a:p>
-          <a:p>
-            <a:r>
-              <a:rPr lang="nb-NO" dirty="0"/>
-              <a:t>Area effective</a:t>
-            </a:r>
-          </a:p>
-          <a:p>
-            <a:r>
-              <a:rPr lang="nb-NO" dirty="0"/>
-              <a:t>Power effective</a:t>
-            </a:r>
-          </a:p>
-          <a:p>
-            <a:r>
-              <a:rPr lang="nb-NO" dirty="0"/>
-              <a:t>Fast</a:t>
-            </a:r>
-          </a:p>
-          <a:p>
-            <a:endParaRPr lang="nb-NO" dirty="0"/>
-          </a:p>
-          <a:p>
-            <a:endParaRPr lang="en-US" dirty="0"/>
-          </a:p>
-        </p:txBody>
-      </p:sp>
-    </p:spTree>
-    <p:extLst>
-      <p:ext uri="{BB962C8B-B14F-4D97-AF65-F5344CB8AC3E}">
-        <p14:creationId xmlns:p14="http://schemas.microsoft.com/office/powerpoint/2010/main" val="3182554105"/>
-      </p:ext>
-    </p:extLst>
-  </p:cSld>
-  <p:clrMapOvr>
-    <a:masterClrMapping/>
-  </p:clrMapOvr>
-</p:sld>
-</file>
-
-<file path=ppt/slides/slide3.xml><?xml version="1.0" encoding="utf-8"?>
-<p:sld xmlns:a="http://schemas.openxmlformats.org/drawingml/2006/main" xmlns:r="http://schemas.openxmlformats.org/officeDocument/2006/relationships" xmlns:p="http://schemas.openxmlformats.org/presentationml/2006/main">
-  <p:cSld>
-    <p:spTree>
-      <p:nvGrpSpPr>
-        <p:cNvPr id="1" name=""/>
-        <p:cNvGrpSpPr/>
-        <p:nvPr/>
-      </p:nvGrpSpPr>
-      <p:grpSpPr>
-        <a:xfrm>
-          <a:off x="0" y="0"/>
-          <a:ext cx="0" cy="0"/>
-          <a:chOff x="0" y="0"/>
-          <a:chExt cx="0" cy="0"/>
-        </a:xfrm>
-      </p:grpSpPr>
-      <p:sp>
-        <p:nvSpPr>
-          <p:cNvPr id="2" name="Title 1"/>
-          <p:cNvSpPr>
-            <a:spLocks noGrp="1"/>
-          </p:cNvSpPr>
-          <p:nvPr>
-            <p:ph type="title"/>
-          </p:nvPr>
-        </p:nvSpPr>
-        <p:spPr/>
-        <p:txBody>
-          <a:bodyPr/>
-          <a:lstStyle/>
-          <a:p>
-            <a:r>
-              <a:rPr lang="nb-NO" dirty="0"/>
-              <a:t>Alternative </a:t>
-            </a:r>
-            <a:r>
-              <a:rPr lang="en-US" dirty="0"/>
-              <a:t>approaches</a:t>
-            </a:r>
-          </a:p>
-        </p:txBody>
-      </p:sp>
-      <p:sp>
-        <p:nvSpPr>
-          <p:cNvPr id="3" name="Content Placeholder 2"/>
-          <p:cNvSpPr>
-            <a:spLocks noGrp="1"/>
-          </p:cNvSpPr>
-          <p:nvPr>
-            <p:ph idx="1"/>
-          </p:nvPr>
-        </p:nvSpPr>
-        <p:spPr/>
-        <p:txBody>
-          <a:bodyPr>
-            <a:normAutofit fontScale="70000" lnSpcReduction="20000"/>
-          </a:bodyPr>
-          <a:lstStyle/>
-          <a:p>
-            <a:r>
-              <a:rPr lang="nb-NO" dirty="0"/>
-              <a:t>Binary pointers passed directly</a:t>
-            </a:r>
-          </a:p>
-          <a:p>
-            <a:pPr lvl="1"/>
-            <a:r>
-              <a:rPr lang="nb-NO" dirty="0"/>
-              <a:t>Bad practice</a:t>
-            </a:r>
-          </a:p>
-          <a:p>
-            <a:r>
-              <a:rPr lang="nb-NO" dirty="0"/>
-              <a:t>Binary pointers with REQ/ACK handshaking signals</a:t>
-            </a:r>
-          </a:p>
-          <a:p>
-            <a:pPr lvl="1"/>
-            <a:r>
-              <a:rPr lang="nb-NO" dirty="0"/>
-              <a:t>Safe and simple</a:t>
-            </a:r>
-          </a:p>
-          <a:p>
-            <a:pPr lvl="1"/>
-            <a:r>
-              <a:rPr lang="nb-NO" dirty="0"/>
-              <a:t>Supports any fifo depth, and arbitrary pointer changes</a:t>
-            </a:r>
-          </a:p>
-          <a:p>
-            <a:pPr lvl="1"/>
-            <a:r>
-              <a:rPr lang="nb-NO" dirty="0"/>
-              <a:t>Easy full/empty/almost_full/almost_empty generation</a:t>
-            </a:r>
-          </a:p>
-          <a:p>
-            <a:pPr lvl="1"/>
-            <a:r>
-              <a:rPr lang="nb-NO" dirty="0"/>
-              <a:t>Smaller(2FF per pointer bits + 4 for REQ/ACK)</a:t>
-            </a:r>
-          </a:p>
-          <a:p>
-            <a:pPr lvl="1"/>
-            <a:r>
-              <a:rPr lang="nb-NO" dirty="0"/>
-              <a:t>Higher latency(REQ/ACK signaling)</a:t>
-            </a:r>
-          </a:p>
-          <a:p>
-            <a:pPr lvl="1"/>
-            <a:r>
-              <a:rPr lang="nb-NO" dirty="0"/>
-              <a:t>Possible all pointer bits change per increment</a:t>
-            </a:r>
-          </a:p>
-          <a:p>
-            <a:r>
-              <a:rPr lang="nb-NO" dirty="0"/>
-              <a:t>Gray code pointers passed directly</a:t>
-            </a:r>
-          </a:p>
-          <a:p>
-            <a:pPr lvl="1"/>
-            <a:r>
-              <a:rPr lang="nb-NO" dirty="0"/>
-              <a:t>Proven design</a:t>
-            </a:r>
-          </a:p>
-          <a:p>
-            <a:pPr lvl="1"/>
-            <a:r>
-              <a:rPr lang="nb-NO" dirty="0"/>
-              <a:t>Requires power-of-2 fifo depth(most dual-port ram is power-of-2 words deep)</a:t>
-            </a:r>
-          </a:p>
-          <a:p>
-            <a:pPr lvl="1"/>
-            <a:r>
-              <a:rPr lang="nb-NO" dirty="0"/>
-              <a:t>Tricky full/empty /almost_full/almost_empty generation</a:t>
-            </a:r>
-          </a:p>
-          <a:p>
-            <a:pPr lvl="1"/>
-            <a:r>
-              <a:rPr lang="nb-NO" dirty="0"/>
-              <a:t>Larger(4FF per pointer bits)</a:t>
-            </a:r>
-          </a:p>
-          <a:p>
-            <a:pPr lvl="1"/>
-            <a:r>
-              <a:rPr lang="nb-NO" dirty="0"/>
-              <a:t>Lower latency(better performance if full/empty conditions happen often)</a:t>
-            </a:r>
-          </a:p>
-          <a:p>
-            <a:pPr lvl="1"/>
-            <a:r>
-              <a:rPr lang="nb-NO" dirty="0"/>
-              <a:t>Maximum of 1 pointer bit value change per increment</a:t>
-            </a:r>
-            <a:endParaRPr lang="en-US" dirty="0"/>
-          </a:p>
-        </p:txBody>
-      </p:sp>
-    </p:spTree>
-    <p:extLst>
-      <p:ext uri="{BB962C8B-B14F-4D97-AF65-F5344CB8AC3E}">
-        <p14:creationId xmlns:p14="http://schemas.microsoft.com/office/powerpoint/2010/main" val="3884765999"/>
-      </p:ext>
-    </p:extLst>
-  </p:cSld>
-  <p:clrMapOvr>
-    <a:masterClrMapping/>
-  </p:clrMapOvr>
-</p:sld>
-</file>
-
-<file path=ppt/slides/slide4.xml><?xml version="1.0" encoding="utf-8"?>
-<p:sld xmlns:a="http://schemas.openxmlformats.org/drawingml/2006/main" xmlns:r="http://schemas.openxmlformats.org/officeDocument/2006/relationships" xmlns:p="http://schemas.openxmlformats.org/presentationml/2006/main">
-  <p:cSld>
-    <p:spTree>
-      <p:nvGrpSpPr>
-        <p:cNvPr id="1" name=""/>
-        <p:cNvGrpSpPr/>
-        <p:nvPr/>
-      </p:nvGrpSpPr>
-      <p:grpSpPr>
-        <a:xfrm>
-          <a:off x="0" y="0"/>
-          <a:ext cx="0" cy="0"/>
-          <a:chOff x="0" y="0"/>
-          <a:chExt cx="0" cy="0"/>
-        </a:xfrm>
-      </p:grpSpPr>
-      <p:sp>
-        <p:nvSpPr>
-          <p:cNvPr id="2" name="Title 1"/>
-          <p:cNvSpPr>
-            <a:spLocks noGrp="1"/>
-          </p:cNvSpPr>
-          <p:nvPr>
-            <p:ph type="title"/>
-          </p:nvPr>
-        </p:nvSpPr>
-        <p:spPr>
-          <a:xfrm>
-            <a:off x="838200" y="365125"/>
+            <a:off x="867977" y="0"/>
             <a:ext cx="10515600" cy="1325563"/>
           </a:xfrm>
         </p:spPr>
@@ -4741,355 +4070,7 @@
           <a:p>
             <a:r>
               <a:rPr lang="nb-NO" dirty="0"/>
-              <a:t>My implementation: </a:t>
-            </a:r>
-            <a:endParaRPr lang="en-US" dirty="0"/>
-          </a:p>
-        </p:txBody>
-      </p:sp>
-      <p:pic>
-        <p:nvPicPr>
-          <p:cNvPr id="6" name="Content Placeholder 5"/>
-          <p:cNvPicPr>
-            <a:picLocks noGrp="1" noChangeAspect="1"/>
-          </p:cNvPicPr>
-          <p:nvPr>
-            <p:ph idx="1"/>
-          </p:nvPr>
-        </p:nvPicPr>
-        <p:blipFill>
-          <a:blip r:embed="rId2">
-            <a:extLst>
-              <a:ext uri="{28A0092B-C50C-407E-A947-70E740481C1C}">
-                <a14:useLocalDpi xmlns:a14="http://schemas.microsoft.com/office/drawing/2010/main" val="0"/>
-              </a:ext>
-            </a:extLst>
-          </a:blip>
-          <a:stretch>
-            <a:fillRect/>
-          </a:stretch>
-        </p:blipFill>
-        <p:spPr>
-          <a:xfrm>
-            <a:off x="796127" y="1253366"/>
-            <a:ext cx="10557673" cy="5167312"/>
-          </a:xfrm>
-        </p:spPr>
-      </p:pic>
-    </p:spTree>
-    <p:extLst>
-      <p:ext uri="{BB962C8B-B14F-4D97-AF65-F5344CB8AC3E}">
-        <p14:creationId xmlns:p14="http://schemas.microsoft.com/office/powerpoint/2010/main" val="3684913482"/>
-      </p:ext>
-    </p:extLst>
-  </p:cSld>
-  <p:clrMapOvr>
-    <a:masterClrMapping/>
-  </p:clrMapOvr>
-</p:sld>
-</file>
-
-<file path=ppt/slides/slide5.xml><?xml version="1.0" encoding="utf-8"?>
-<p:sld xmlns:a="http://schemas.openxmlformats.org/drawingml/2006/main" xmlns:r="http://schemas.openxmlformats.org/officeDocument/2006/relationships" xmlns:p="http://schemas.openxmlformats.org/presentationml/2006/main">
-  <p:cSld>
-    <p:spTree>
-      <p:nvGrpSpPr>
-        <p:cNvPr id="1" name=""/>
-        <p:cNvGrpSpPr/>
-        <p:nvPr/>
-      </p:nvGrpSpPr>
-      <p:grpSpPr>
-        <a:xfrm>
-          <a:off x="0" y="0"/>
-          <a:ext cx="0" cy="0"/>
-          <a:chOff x="0" y="0"/>
-          <a:chExt cx="0" cy="0"/>
-        </a:xfrm>
-      </p:grpSpPr>
-      <p:sp>
-        <p:nvSpPr>
-          <p:cNvPr id="2" name="Title 1"/>
-          <p:cNvSpPr>
-            <a:spLocks noGrp="1"/>
-          </p:cNvSpPr>
-          <p:nvPr>
-            <p:ph type="title"/>
-          </p:nvPr>
-        </p:nvSpPr>
-        <p:spPr/>
-        <p:txBody>
-          <a:bodyPr/>
-          <a:lstStyle/>
-          <a:p>
-            <a:endParaRPr lang="en-US" dirty="0"/>
-          </a:p>
-        </p:txBody>
-      </p:sp>
-      <p:sp>
-        <p:nvSpPr>
-          <p:cNvPr id="3" name="Content Placeholder 2"/>
-          <p:cNvSpPr>
-            <a:spLocks noGrp="1"/>
-          </p:cNvSpPr>
-          <p:nvPr>
-            <p:ph idx="1"/>
-          </p:nvPr>
-        </p:nvSpPr>
-        <p:spPr/>
-        <p:txBody>
-          <a:bodyPr/>
-          <a:lstStyle/>
-          <a:p>
-            <a:endParaRPr lang="en-US"/>
-          </a:p>
-        </p:txBody>
-      </p:sp>
-    </p:spTree>
-    <p:extLst>
-      <p:ext uri="{BB962C8B-B14F-4D97-AF65-F5344CB8AC3E}">
-        <p14:creationId xmlns:p14="http://schemas.microsoft.com/office/powerpoint/2010/main" val="2701251838"/>
-      </p:ext>
-    </p:extLst>
-  </p:cSld>
-  <p:clrMapOvr>
-    <a:masterClrMapping/>
-  </p:clrMapOvr>
-</p:sld>
-</file>
-
-<file path=ppt/slides/slide6.xml><?xml version="1.0" encoding="utf-8"?>
-<p:sld xmlns:a="http://schemas.openxmlformats.org/drawingml/2006/main" xmlns:r="http://schemas.openxmlformats.org/officeDocument/2006/relationships" xmlns:p="http://schemas.openxmlformats.org/presentationml/2006/main">
-  <p:cSld>
-    <p:spTree>
-      <p:nvGrpSpPr>
-        <p:cNvPr id="1" name=""/>
-        <p:cNvGrpSpPr/>
-        <p:nvPr/>
-      </p:nvGrpSpPr>
-      <p:grpSpPr>
-        <a:xfrm>
-          <a:off x="0" y="0"/>
-          <a:ext cx="0" cy="0"/>
-          <a:chOff x="0" y="0"/>
-          <a:chExt cx="0" cy="0"/>
-        </a:xfrm>
-      </p:grpSpPr>
-      <p:sp>
-        <p:nvSpPr>
-          <p:cNvPr id="2" name="Title 1"/>
-          <p:cNvSpPr>
-            <a:spLocks noGrp="1"/>
-          </p:cNvSpPr>
-          <p:nvPr>
-            <p:ph type="title"/>
-          </p:nvPr>
-        </p:nvSpPr>
-        <p:spPr/>
-        <p:txBody>
-          <a:bodyPr/>
-          <a:lstStyle/>
-          <a:p>
-            <a:r>
-              <a:rPr lang="nb-NO" dirty="0"/>
-              <a:t>Z</a:t>
-            </a:r>
-            <a:endParaRPr lang="en-US" dirty="0"/>
-          </a:p>
-        </p:txBody>
-      </p:sp>
-      <p:sp>
-        <p:nvSpPr>
-          <p:cNvPr id="3" name="Content Placeholder 2"/>
-          <p:cNvSpPr>
-            <a:spLocks noGrp="1"/>
-          </p:cNvSpPr>
-          <p:nvPr>
-            <p:ph idx="1"/>
-          </p:nvPr>
-        </p:nvSpPr>
-        <p:spPr/>
-        <p:txBody>
-          <a:bodyPr/>
-          <a:lstStyle/>
-          <a:p>
-            <a:endParaRPr lang="en-US"/>
-          </a:p>
-        </p:txBody>
-      </p:sp>
-      <p:graphicFrame>
-        <p:nvGraphicFramePr>
-          <p:cNvPr id="5" name="Chart 4">
-            <a:extLst>
-              <a:ext uri="{FF2B5EF4-FFF2-40B4-BE49-F238E27FC236}">
-                <a16:creationId xmlns:a16="http://schemas.microsoft.com/office/drawing/2014/main" id="{F63E45B2-96D5-47A3-95FF-7CEB05AD4DA4}"/>
-              </a:ext>
-            </a:extLst>
-          </p:cNvPr>
-          <p:cNvGraphicFramePr>
-            <a:graphicFrameLocks/>
-          </p:cNvGraphicFramePr>
-          <p:nvPr>
-            <p:extLst>
-              <p:ext uri="{D42A27DB-BD31-4B8C-83A1-F6EECF244321}">
-                <p14:modId xmlns:p14="http://schemas.microsoft.com/office/powerpoint/2010/main" val="654546787"/>
-              </p:ext>
-            </p:extLst>
-          </p:nvPr>
-        </p:nvGraphicFramePr>
-        <p:xfrm>
-          <a:off x="5629275" y="0"/>
-          <a:ext cx="6562725" cy="6858000"/>
-        </p:xfrm>
-        <a:graphic>
-          <a:graphicData uri="http://schemas.openxmlformats.org/drawingml/2006/chart">
-            <c:chart xmlns:c="http://schemas.openxmlformats.org/drawingml/2006/chart" xmlns:r="http://schemas.openxmlformats.org/officeDocument/2006/relationships" r:id="rId2"/>
-          </a:graphicData>
-        </a:graphic>
-      </p:graphicFrame>
-    </p:spTree>
-    <p:extLst>
-      <p:ext uri="{BB962C8B-B14F-4D97-AF65-F5344CB8AC3E}">
-        <p14:creationId xmlns:p14="http://schemas.microsoft.com/office/powerpoint/2010/main" val="2996354795"/>
-      </p:ext>
-    </p:extLst>
-  </p:cSld>
-  <p:clrMapOvr>
-    <a:masterClrMapping/>
-  </p:clrMapOvr>
-</p:sld>
-</file>
-
-<file path=ppt/slides/slide7.xml><?xml version="1.0" encoding="utf-8"?>
-<p:sld xmlns:a="http://schemas.openxmlformats.org/drawingml/2006/main" xmlns:r="http://schemas.openxmlformats.org/officeDocument/2006/relationships" xmlns:p="http://schemas.openxmlformats.org/presentationml/2006/main">
-  <p:cSld>
-    <p:spTree>
-      <p:nvGrpSpPr>
-        <p:cNvPr id="1" name=""/>
-        <p:cNvGrpSpPr/>
-        <p:nvPr/>
-      </p:nvGrpSpPr>
-      <p:grpSpPr>
-        <a:xfrm>
-          <a:off x="0" y="0"/>
-          <a:ext cx="0" cy="0"/>
-          <a:chOff x="0" y="0"/>
-          <a:chExt cx="0" cy="0"/>
-        </a:xfrm>
-      </p:grpSpPr>
-      <p:sp>
-        <p:nvSpPr>
-          <p:cNvPr id="2" name="Title 1"/>
-          <p:cNvSpPr>
-            <a:spLocks noGrp="1"/>
-          </p:cNvSpPr>
-          <p:nvPr>
-            <p:ph type="title"/>
-          </p:nvPr>
-        </p:nvSpPr>
-        <p:spPr/>
-        <p:txBody>
-          <a:bodyPr/>
-          <a:lstStyle/>
-          <a:p>
-            <a:r>
-              <a:rPr lang="nb-NO" dirty="0"/>
-              <a:t>16 (RAM32M)</a:t>
-            </a:r>
-            <a:endParaRPr lang="en-US" dirty="0"/>
-          </a:p>
-        </p:txBody>
-      </p:sp>
-      <p:sp>
-        <p:nvSpPr>
-          <p:cNvPr id="3" name="Content Placeholder 2"/>
-          <p:cNvSpPr>
-            <a:spLocks noGrp="1"/>
-          </p:cNvSpPr>
-          <p:nvPr>
-            <p:ph idx="1"/>
-          </p:nvPr>
-        </p:nvSpPr>
-        <p:spPr/>
-        <p:txBody>
-          <a:bodyPr/>
-          <a:lstStyle/>
-          <a:p>
-            <a:endParaRPr lang="en-US" dirty="0"/>
-          </a:p>
-        </p:txBody>
-      </p:sp>
-      <p:pic>
-        <p:nvPicPr>
-          <p:cNvPr id="6" name="Picture 5"/>
-          <p:cNvPicPr>
-            <a:picLocks noChangeAspect="1"/>
-          </p:cNvPicPr>
-          <p:nvPr/>
-        </p:nvPicPr>
-        <p:blipFill>
-          <a:blip r:embed="rId2"/>
-          <a:stretch>
-            <a:fillRect/>
-          </a:stretch>
-        </p:blipFill>
-        <p:spPr>
-          <a:xfrm>
-            <a:off x="0" y="1144236"/>
-            <a:ext cx="12192000" cy="5713764"/>
-          </a:xfrm>
-          <a:prstGeom prst="rect">
-            <a:avLst/>
-          </a:prstGeom>
-        </p:spPr>
-      </p:pic>
-    </p:spTree>
-    <p:extLst>
-      <p:ext uri="{BB962C8B-B14F-4D97-AF65-F5344CB8AC3E}">
-        <p14:creationId xmlns:p14="http://schemas.microsoft.com/office/powerpoint/2010/main" val="2849909054"/>
-      </p:ext>
-    </p:extLst>
-  </p:cSld>
-  <p:clrMapOvr>
-    <a:masterClrMapping/>
-  </p:clrMapOvr>
-</p:sld>
-</file>
-
-<file path=ppt/slides/slide8.xml><?xml version="1.0" encoding="utf-8"?>
-<p:sld xmlns:a="http://schemas.openxmlformats.org/drawingml/2006/main" xmlns:r="http://schemas.openxmlformats.org/officeDocument/2006/relationships" xmlns:p="http://schemas.openxmlformats.org/presentationml/2006/main">
-  <p:cSld>
-    <p:spTree>
-      <p:nvGrpSpPr>
-        <p:cNvPr id="1" name=""/>
-        <p:cNvGrpSpPr/>
-        <p:nvPr/>
-      </p:nvGrpSpPr>
-      <p:grpSpPr>
-        <a:xfrm>
-          <a:off x="0" y="0"/>
-          <a:ext cx="0" cy="0"/>
-          <a:chOff x="0" y="0"/>
-          <a:chExt cx="0" cy="0"/>
-        </a:xfrm>
-      </p:grpSpPr>
-      <p:sp>
-        <p:nvSpPr>
-          <p:cNvPr id="2" name="Title 1"/>
-          <p:cNvSpPr>
-            <a:spLocks noGrp="1"/>
-          </p:cNvSpPr>
-          <p:nvPr>
-            <p:ph type="title"/>
-          </p:nvPr>
-        </p:nvSpPr>
-        <p:spPr/>
-        <p:txBody>
-          <a:bodyPr/>
-          <a:lstStyle/>
-          <a:p>
-            <a:r>
-              <a:rPr lang="nb-NO" dirty="0"/>
-              <a:t>32</a:t>
+              <a:t>BUFFER_SIZE = 32</a:t>
             </a:r>
             <a:endParaRPr lang="en-US" dirty="0"/>
           </a:p>
@@ -5151,7 +4132,7 @@
 </p:sld>
 </file>
 
-<file path=ppt/slides/slide9.xml><?xml version="1.0" encoding="utf-8"?>
+<file path=ppt/slides/slide11.xml><?xml version="1.0" encoding="utf-8"?>
 <p:sld xmlns:a="http://schemas.openxmlformats.org/drawingml/2006/main" xmlns:r="http://schemas.openxmlformats.org/officeDocument/2006/relationships" xmlns:p="http://schemas.openxmlformats.org/presentationml/2006/main">
   <p:cSld>
     <p:spTree>
@@ -5185,7 +4166,7 @@
           <a:p>
             <a:r>
               <a:rPr lang="nb-NO" dirty="0"/>
-              <a:t>65536</a:t>
+              <a:t>BUFFER_SIZE = 65536</a:t>
             </a:r>
             <a:endParaRPr lang="en-US" dirty="0"/>
           </a:p>
@@ -5206,7 +4187,7 @@
           <a:bodyPr/>
           <a:lstStyle/>
           <a:p>
-            <a:endParaRPr lang="en-US"/>
+            <a:endParaRPr lang="en-US" dirty="0"/>
           </a:p>
         </p:txBody>
       </p:sp>
@@ -5238,6 +4219,1052 @@
     <p:extLst>
       <p:ext uri="{BB962C8B-B14F-4D97-AF65-F5344CB8AC3E}">
         <p14:creationId xmlns:p14="http://schemas.microsoft.com/office/powerpoint/2010/main" val="3834957508"/>
+      </p:ext>
+    </p:extLst>
+  </p:cSld>
+  <p:clrMapOvr>
+    <a:masterClrMapping/>
+  </p:clrMapOvr>
+</p:sld>
+</file>
+
+<file path=ppt/slides/slide12.xml><?xml version="1.0" encoding="utf-8"?>
+<p:sld xmlns:a="http://schemas.openxmlformats.org/drawingml/2006/main" xmlns:r="http://schemas.openxmlformats.org/officeDocument/2006/relationships" xmlns:p="http://schemas.openxmlformats.org/presentationml/2006/main">
+  <p:cSld>
+    <p:spTree>
+      <p:nvGrpSpPr>
+        <p:cNvPr id="1" name=""/>
+        <p:cNvGrpSpPr/>
+        <p:nvPr/>
+      </p:nvGrpSpPr>
+      <p:grpSpPr>
+        <a:xfrm>
+          <a:off x="0" y="0"/>
+          <a:ext cx="0" cy="0"/>
+          <a:chOff x="0" y="0"/>
+          <a:chExt cx="0" cy="0"/>
+        </a:xfrm>
+      </p:grpSpPr>
+      <p:sp>
+        <p:nvSpPr>
+          <p:cNvPr id="2" name="Title 1"/>
+          <p:cNvSpPr>
+            <a:spLocks noGrp="1"/>
+          </p:cNvSpPr>
+          <p:nvPr>
+            <p:ph type="title"/>
+          </p:nvPr>
+        </p:nvSpPr>
+        <p:spPr/>
+        <p:txBody>
+          <a:bodyPr>
+            <a:normAutofit/>
+          </a:bodyPr>
+          <a:lstStyle/>
+          <a:p>
+            <a:r>
+              <a:rPr lang="nb-NO" dirty="0"/>
+              <a:t>Critical paths?</a:t>
+            </a:r>
+            <a:endParaRPr lang="en-US" dirty="0"/>
+          </a:p>
+        </p:txBody>
+      </p:sp>
+      <p:sp>
+        <p:nvSpPr>
+          <p:cNvPr id="3" name="Content Placeholder 2"/>
+          <p:cNvSpPr>
+            <a:spLocks noGrp="1"/>
+          </p:cNvSpPr>
+          <p:nvPr>
+            <p:ph idx="1"/>
+          </p:nvPr>
+        </p:nvSpPr>
+        <p:spPr/>
+        <p:txBody>
+          <a:bodyPr/>
+          <a:lstStyle/>
+          <a:p>
+            <a:endParaRPr lang="en-US"/>
+          </a:p>
+        </p:txBody>
+      </p:sp>
+    </p:spTree>
+    <p:extLst>
+      <p:ext uri="{BB962C8B-B14F-4D97-AF65-F5344CB8AC3E}">
+        <p14:creationId xmlns:p14="http://schemas.microsoft.com/office/powerpoint/2010/main" val="1849489438"/>
+      </p:ext>
+    </p:extLst>
+  </p:cSld>
+  <p:clrMapOvr>
+    <a:masterClrMapping/>
+  </p:clrMapOvr>
+</p:sld>
+</file>
+
+<file path=ppt/slides/slide13.xml><?xml version="1.0" encoding="utf-8"?>
+<p:sld xmlns:a="http://schemas.openxmlformats.org/drawingml/2006/main" xmlns:r="http://schemas.openxmlformats.org/officeDocument/2006/relationships" xmlns:p="http://schemas.openxmlformats.org/presentationml/2006/main">
+  <p:cSld>
+    <p:spTree>
+      <p:nvGrpSpPr>
+        <p:cNvPr id="1" name=""/>
+        <p:cNvGrpSpPr/>
+        <p:nvPr/>
+      </p:nvGrpSpPr>
+      <p:grpSpPr>
+        <a:xfrm>
+          <a:off x="0" y="0"/>
+          <a:ext cx="0" cy="0"/>
+          <a:chOff x="0" y="0"/>
+          <a:chExt cx="0" cy="0"/>
+        </a:xfrm>
+      </p:grpSpPr>
+      <p:sp>
+        <p:nvSpPr>
+          <p:cNvPr id="2" name="Title 1"/>
+          <p:cNvSpPr>
+            <a:spLocks noGrp="1"/>
+          </p:cNvSpPr>
+          <p:nvPr>
+            <p:ph type="title"/>
+          </p:nvPr>
+        </p:nvSpPr>
+        <p:spPr/>
+        <p:txBody>
+          <a:bodyPr/>
+          <a:lstStyle/>
+          <a:p>
+            <a:r>
+              <a:rPr lang="nb-NO" dirty="0"/>
+              <a:t>Integrated with Entropy coder?</a:t>
+            </a:r>
+            <a:endParaRPr lang="en-US" dirty="0"/>
+          </a:p>
+        </p:txBody>
+      </p:sp>
+      <p:sp>
+        <p:nvSpPr>
+          <p:cNvPr id="3" name="Content Placeholder 2"/>
+          <p:cNvSpPr>
+            <a:spLocks noGrp="1"/>
+          </p:cNvSpPr>
+          <p:nvPr>
+            <p:ph idx="1"/>
+          </p:nvPr>
+        </p:nvSpPr>
+        <p:spPr/>
+        <p:txBody>
+          <a:bodyPr/>
+          <a:lstStyle/>
+          <a:p>
+            <a:endParaRPr lang="en-US" dirty="0"/>
+          </a:p>
+        </p:txBody>
+      </p:sp>
+    </p:spTree>
+    <p:extLst>
+      <p:ext uri="{BB962C8B-B14F-4D97-AF65-F5344CB8AC3E}">
+        <p14:creationId xmlns:p14="http://schemas.microsoft.com/office/powerpoint/2010/main" val="2341190910"/>
+      </p:ext>
+    </p:extLst>
+  </p:cSld>
+  <p:clrMapOvr>
+    <a:masterClrMapping/>
+  </p:clrMapOvr>
+</p:sld>
+</file>
+
+<file path=ppt/slides/slide14.xml><?xml version="1.0" encoding="utf-8"?>
+<p:sld xmlns:a="http://schemas.openxmlformats.org/drawingml/2006/main" xmlns:r="http://schemas.openxmlformats.org/officeDocument/2006/relationships" xmlns:p="http://schemas.openxmlformats.org/presentationml/2006/main">
+  <p:cSld>
+    <p:spTree>
+      <p:nvGrpSpPr>
+        <p:cNvPr id="1" name=""/>
+        <p:cNvGrpSpPr/>
+        <p:nvPr/>
+      </p:nvGrpSpPr>
+      <p:grpSpPr>
+        <a:xfrm>
+          <a:off x="0" y="0"/>
+          <a:ext cx="0" cy="0"/>
+          <a:chOff x="0" y="0"/>
+          <a:chExt cx="0" cy="0"/>
+        </a:xfrm>
+      </p:grpSpPr>
+      <p:sp>
+        <p:nvSpPr>
+          <p:cNvPr id="2" name="Title 1"/>
+          <p:cNvSpPr>
+            <a:spLocks noGrp="1"/>
+          </p:cNvSpPr>
+          <p:nvPr>
+            <p:ph type="title"/>
+          </p:nvPr>
+        </p:nvSpPr>
+        <p:spPr/>
+        <p:txBody>
+          <a:bodyPr/>
+          <a:lstStyle/>
+          <a:p>
+            <a:r>
+              <a:rPr lang="nb-NO" dirty="0"/>
+              <a:t>GRAY MSBs show octant/quartant</a:t>
+            </a:r>
+            <a:endParaRPr lang="en-US" dirty="0"/>
+          </a:p>
+        </p:txBody>
+      </p:sp>
+      <p:sp>
+        <p:nvSpPr>
+          <p:cNvPr id="3" name="Content Placeholder 2"/>
+          <p:cNvSpPr>
+            <a:spLocks noGrp="1"/>
+          </p:cNvSpPr>
+          <p:nvPr>
+            <p:ph idx="1"/>
+          </p:nvPr>
+        </p:nvSpPr>
+        <p:spPr/>
+        <p:txBody>
+          <a:bodyPr/>
+          <a:lstStyle/>
+          <a:p>
+            <a:endParaRPr lang="en-US" dirty="0"/>
+          </a:p>
+        </p:txBody>
+      </p:sp>
+    </p:spTree>
+    <p:extLst>
+      <p:ext uri="{BB962C8B-B14F-4D97-AF65-F5344CB8AC3E}">
+        <p14:creationId xmlns:p14="http://schemas.microsoft.com/office/powerpoint/2010/main" val="1638763306"/>
+      </p:ext>
+    </p:extLst>
+  </p:cSld>
+  <p:clrMapOvr>
+    <a:masterClrMapping/>
+  </p:clrMapOvr>
+</p:sld>
+</file>
+
+<file path=ppt/slides/slide2.xml><?xml version="1.0" encoding="utf-8"?>
+<p:sld xmlns:a="http://schemas.openxmlformats.org/drawingml/2006/main" xmlns:r="http://schemas.openxmlformats.org/officeDocument/2006/relationships" xmlns:p="http://schemas.openxmlformats.org/presentationml/2006/main">
+  <p:cSld>
+    <p:spTree>
+      <p:nvGrpSpPr>
+        <p:cNvPr id="1" name=""/>
+        <p:cNvGrpSpPr/>
+        <p:nvPr/>
+      </p:nvGrpSpPr>
+      <p:grpSpPr>
+        <a:xfrm>
+          <a:off x="0" y="0"/>
+          <a:ext cx="0" cy="0"/>
+          <a:chOff x="0" y="0"/>
+          <a:chExt cx="0" cy="0"/>
+        </a:xfrm>
+      </p:grpSpPr>
+      <p:sp>
+        <p:nvSpPr>
+          <p:cNvPr id="2" name="Title 1"/>
+          <p:cNvSpPr>
+            <a:spLocks noGrp="1"/>
+          </p:cNvSpPr>
+          <p:nvPr>
+            <p:ph type="title"/>
+          </p:nvPr>
+        </p:nvSpPr>
+        <p:spPr/>
+        <p:txBody>
+          <a:bodyPr/>
+          <a:lstStyle/>
+          <a:p>
+            <a:r>
+              <a:rPr lang="nb-NO" dirty="0"/>
+              <a:t>Design specification</a:t>
+            </a:r>
+            <a:endParaRPr lang="en-US" dirty="0"/>
+          </a:p>
+        </p:txBody>
+      </p:sp>
+      <p:sp>
+        <p:nvSpPr>
+          <p:cNvPr id="3" name="Content Placeholder 2"/>
+          <p:cNvSpPr>
+            <a:spLocks noGrp="1"/>
+          </p:cNvSpPr>
+          <p:nvPr>
+            <p:ph idx="1"/>
+          </p:nvPr>
+        </p:nvSpPr>
+        <p:spPr/>
+        <p:txBody>
+          <a:bodyPr/>
+          <a:lstStyle/>
+          <a:p>
+            <a:r>
+              <a:rPr lang="nb-NO" dirty="0"/>
+              <a:t>I/O defined</a:t>
+            </a:r>
+          </a:p>
+          <a:p>
+            <a:r>
+              <a:rPr lang="nb-NO" dirty="0"/>
+              <a:t>From 1 to 127 buffer size. Configurable with BUFFER_SIZE parameter</a:t>
+            </a:r>
+          </a:p>
+          <a:p>
+            <a:r>
+              <a:rPr lang="nb-NO" dirty="0"/>
+              <a:t>Area effective</a:t>
+            </a:r>
+          </a:p>
+          <a:p>
+            <a:r>
+              <a:rPr lang="nb-NO" dirty="0"/>
+              <a:t>Power effective</a:t>
+            </a:r>
+          </a:p>
+          <a:p>
+            <a:r>
+              <a:rPr lang="nb-NO" dirty="0"/>
+              <a:t>Fast</a:t>
+            </a:r>
+          </a:p>
+          <a:p>
+            <a:endParaRPr lang="nb-NO" dirty="0"/>
+          </a:p>
+          <a:p>
+            <a:endParaRPr lang="en-US" dirty="0"/>
+          </a:p>
+        </p:txBody>
+      </p:sp>
+    </p:spTree>
+    <p:extLst>
+      <p:ext uri="{BB962C8B-B14F-4D97-AF65-F5344CB8AC3E}">
+        <p14:creationId xmlns:p14="http://schemas.microsoft.com/office/powerpoint/2010/main" val="3182554105"/>
+      </p:ext>
+    </p:extLst>
+  </p:cSld>
+  <p:clrMapOvr>
+    <a:masterClrMapping/>
+  </p:clrMapOvr>
+</p:sld>
+</file>
+
+<file path=ppt/slides/slide3.xml><?xml version="1.0" encoding="utf-8"?>
+<p:sld xmlns:a="http://schemas.openxmlformats.org/drawingml/2006/main" xmlns:r="http://schemas.openxmlformats.org/officeDocument/2006/relationships" xmlns:p="http://schemas.openxmlformats.org/presentationml/2006/main">
+  <p:cSld>
+    <p:spTree>
+      <p:nvGrpSpPr>
+        <p:cNvPr id="1" name=""/>
+        <p:cNvGrpSpPr/>
+        <p:nvPr/>
+      </p:nvGrpSpPr>
+      <p:grpSpPr>
+        <a:xfrm>
+          <a:off x="0" y="0"/>
+          <a:ext cx="0" cy="0"/>
+          <a:chOff x="0" y="0"/>
+          <a:chExt cx="0" cy="0"/>
+        </a:xfrm>
+      </p:grpSpPr>
+      <p:sp>
+        <p:nvSpPr>
+          <p:cNvPr id="2" name="Title 1"/>
+          <p:cNvSpPr>
+            <a:spLocks noGrp="1"/>
+          </p:cNvSpPr>
+          <p:nvPr>
+            <p:ph type="title"/>
+          </p:nvPr>
+        </p:nvSpPr>
+        <p:spPr/>
+        <p:txBody>
+          <a:bodyPr/>
+          <a:lstStyle/>
+          <a:p>
+            <a:r>
+              <a:rPr lang="nb-NO" dirty="0"/>
+              <a:t>Alternative </a:t>
+            </a:r>
+            <a:r>
+              <a:rPr lang="en-US" dirty="0"/>
+              <a:t>approaches</a:t>
+            </a:r>
+          </a:p>
+        </p:txBody>
+      </p:sp>
+      <p:sp>
+        <p:nvSpPr>
+          <p:cNvPr id="3" name="Content Placeholder 2"/>
+          <p:cNvSpPr>
+            <a:spLocks noGrp="1"/>
+          </p:cNvSpPr>
+          <p:nvPr>
+            <p:ph idx="1"/>
+          </p:nvPr>
+        </p:nvSpPr>
+        <p:spPr/>
+        <p:txBody>
+          <a:bodyPr>
+            <a:normAutofit fontScale="70000" lnSpcReduction="20000"/>
+          </a:bodyPr>
+          <a:lstStyle/>
+          <a:p>
+            <a:r>
+              <a:rPr lang="nb-NO" dirty="0"/>
+              <a:t>Binary pointers passed directly</a:t>
+            </a:r>
+          </a:p>
+          <a:p>
+            <a:pPr lvl="1"/>
+            <a:r>
+              <a:rPr lang="nb-NO" dirty="0"/>
+              <a:t>Bad practice</a:t>
+            </a:r>
+          </a:p>
+          <a:p>
+            <a:r>
+              <a:rPr lang="nb-NO" dirty="0"/>
+              <a:t>Binary pointers with REQ/ACK handshaking signals</a:t>
+            </a:r>
+          </a:p>
+          <a:p>
+            <a:pPr lvl="1"/>
+            <a:r>
+              <a:rPr lang="nb-NO" dirty="0"/>
+              <a:t>Safe and simple</a:t>
+            </a:r>
+          </a:p>
+          <a:p>
+            <a:pPr lvl="1"/>
+            <a:r>
+              <a:rPr lang="nb-NO" dirty="0"/>
+              <a:t>Supports any fifo depth, and arbitrary pointer changes</a:t>
+            </a:r>
+          </a:p>
+          <a:p>
+            <a:pPr lvl="1"/>
+            <a:r>
+              <a:rPr lang="nb-NO" dirty="0"/>
+              <a:t>Easy full/empty/almost_full/almost_empty generation</a:t>
+            </a:r>
+          </a:p>
+          <a:p>
+            <a:pPr lvl="1"/>
+            <a:r>
+              <a:rPr lang="nb-NO" dirty="0"/>
+              <a:t>Smaller(2FF per pointer bits + 4 for REQ/ACK)</a:t>
+            </a:r>
+          </a:p>
+          <a:p>
+            <a:pPr lvl="1"/>
+            <a:r>
+              <a:rPr lang="nb-NO" dirty="0"/>
+              <a:t>Higher latency(REQ/ACK signaling)</a:t>
+            </a:r>
+          </a:p>
+          <a:p>
+            <a:pPr lvl="1"/>
+            <a:r>
+              <a:rPr lang="nb-NO" dirty="0"/>
+              <a:t>Possible all pointer bits change per increment</a:t>
+            </a:r>
+          </a:p>
+          <a:p>
+            <a:r>
+              <a:rPr lang="nb-NO" dirty="0"/>
+              <a:t>Gray code pointers passed directly</a:t>
+            </a:r>
+          </a:p>
+          <a:p>
+            <a:pPr lvl="1"/>
+            <a:r>
+              <a:rPr lang="nb-NO" dirty="0"/>
+              <a:t>Proven design</a:t>
+            </a:r>
+          </a:p>
+          <a:p>
+            <a:pPr lvl="1"/>
+            <a:r>
+              <a:rPr lang="nb-NO" dirty="0"/>
+              <a:t>Requires power-of-2 fifo depth(most dual-port ram is power-of-2 words deep)</a:t>
+            </a:r>
+          </a:p>
+          <a:p>
+            <a:pPr lvl="1"/>
+            <a:r>
+              <a:rPr lang="nb-NO" dirty="0"/>
+              <a:t>Tricky full/empty /almost_full/almost_empty generation</a:t>
+            </a:r>
+          </a:p>
+          <a:p>
+            <a:pPr lvl="1"/>
+            <a:r>
+              <a:rPr lang="nb-NO" dirty="0"/>
+              <a:t>Larger(4FF per pointer bits)</a:t>
+            </a:r>
+          </a:p>
+          <a:p>
+            <a:pPr lvl="1"/>
+            <a:r>
+              <a:rPr lang="nb-NO" dirty="0"/>
+              <a:t>Lower latency(better performance if full/empty conditions happen often)</a:t>
+            </a:r>
+          </a:p>
+          <a:p>
+            <a:pPr lvl="1"/>
+            <a:r>
+              <a:rPr lang="nb-NO" dirty="0"/>
+              <a:t>Maximum of 1 pointer bit value change per increment</a:t>
+            </a:r>
+            <a:endParaRPr lang="en-US" dirty="0"/>
+          </a:p>
+        </p:txBody>
+      </p:sp>
+    </p:spTree>
+    <p:extLst>
+      <p:ext uri="{BB962C8B-B14F-4D97-AF65-F5344CB8AC3E}">
+        <p14:creationId xmlns:p14="http://schemas.microsoft.com/office/powerpoint/2010/main" val="3884765999"/>
+      </p:ext>
+    </p:extLst>
+  </p:cSld>
+  <p:clrMapOvr>
+    <a:masterClrMapping/>
+  </p:clrMapOvr>
+</p:sld>
+</file>
+
+<file path=ppt/slides/slide4.xml><?xml version="1.0" encoding="utf-8"?>
+<p:sld xmlns:a="http://schemas.openxmlformats.org/drawingml/2006/main" xmlns:r="http://schemas.openxmlformats.org/officeDocument/2006/relationships" xmlns:p="http://schemas.openxmlformats.org/presentationml/2006/main">
+  <p:cSld>
+    <p:spTree>
+      <p:nvGrpSpPr>
+        <p:cNvPr id="1" name=""/>
+        <p:cNvGrpSpPr/>
+        <p:nvPr/>
+      </p:nvGrpSpPr>
+      <p:grpSpPr>
+        <a:xfrm>
+          <a:off x="0" y="0"/>
+          <a:ext cx="0" cy="0"/>
+          <a:chOff x="0" y="0"/>
+          <a:chExt cx="0" cy="0"/>
+        </a:xfrm>
+      </p:grpSpPr>
+      <p:sp>
+        <p:nvSpPr>
+          <p:cNvPr id="2" name="Title 1"/>
+          <p:cNvSpPr>
+            <a:spLocks noGrp="1"/>
+          </p:cNvSpPr>
+          <p:nvPr>
+            <p:ph type="title"/>
+          </p:nvPr>
+        </p:nvSpPr>
+        <p:spPr>
+          <a:xfrm>
+            <a:off x="838200" y="365125"/>
+            <a:ext cx="10515600" cy="1325563"/>
+          </a:xfrm>
+        </p:spPr>
+        <p:txBody>
+          <a:bodyPr/>
+          <a:lstStyle/>
+          <a:p>
+            <a:r>
+              <a:rPr lang="nb-NO" dirty="0"/>
+              <a:t>My implementation: </a:t>
+            </a:r>
+            <a:endParaRPr lang="en-US" dirty="0"/>
+          </a:p>
+        </p:txBody>
+      </p:sp>
+      <p:pic>
+        <p:nvPicPr>
+          <p:cNvPr id="7" name="Content Placeholder 6"/>
+          <p:cNvPicPr>
+            <a:picLocks noGrp="1" noChangeAspect="1"/>
+          </p:cNvPicPr>
+          <p:nvPr>
+            <p:ph idx="1"/>
+          </p:nvPr>
+        </p:nvPicPr>
+        <p:blipFill>
+          <a:blip r:embed="rId2">
+            <a:extLst>
+              <a:ext uri="{28A0092B-C50C-407E-A947-70E740481C1C}">
+                <a14:useLocalDpi xmlns:a14="http://schemas.microsoft.com/office/drawing/2010/main" val="0"/>
+              </a:ext>
+            </a:extLst>
+          </a:blip>
+          <a:stretch>
+            <a:fillRect/>
+          </a:stretch>
+        </p:blipFill>
+        <p:spPr>
+          <a:xfrm>
+            <a:off x="1117021" y="1690688"/>
+            <a:ext cx="9957958" cy="4926661"/>
+          </a:xfrm>
+        </p:spPr>
+      </p:pic>
+    </p:spTree>
+    <p:extLst>
+      <p:ext uri="{BB962C8B-B14F-4D97-AF65-F5344CB8AC3E}">
+        <p14:creationId xmlns:p14="http://schemas.microsoft.com/office/powerpoint/2010/main" val="3684913482"/>
+      </p:ext>
+    </p:extLst>
+  </p:cSld>
+  <p:clrMapOvr>
+    <a:masterClrMapping/>
+  </p:clrMapOvr>
+</p:sld>
+</file>
+
+<file path=ppt/slides/slide5.xml><?xml version="1.0" encoding="utf-8"?>
+<p:sld xmlns:a="http://schemas.openxmlformats.org/drawingml/2006/main" xmlns:r="http://schemas.openxmlformats.org/officeDocument/2006/relationships" xmlns:p="http://schemas.openxmlformats.org/presentationml/2006/main">
+  <p:cSld>
+    <p:spTree>
+      <p:nvGrpSpPr>
+        <p:cNvPr id="1" name=""/>
+        <p:cNvGrpSpPr/>
+        <p:nvPr/>
+      </p:nvGrpSpPr>
+      <p:grpSpPr>
+        <a:xfrm>
+          <a:off x="0" y="0"/>
+          <a:ext cx="0" cy="0"/>
+          <a:chOff x="0" y="0"/>
+          <a:chExt cx="0" cy="0"/>
+        </a:xfrm>
+      </p:grpSpPr>
+      <p:sp>
+        <p:nvSpPr>
+          <p:cNvPr id="2" name="Title 1"/>
+          <p:cNvSpPr>
+            <a:spLocks noGrp="1"/>
+          </p:cNvSpPr>
+          <p:nvPr>
+            <p:ph type="title"/>
+          </p:nvPr>
+        </p:nvSpPr>
+        <p:spPr/>
+        <p:txBody>
+          <a:bodyPr/>
+          <a:lstStyle/>
+          <a:p>
+            <a:r>
+              <a:rPr lang="nb-NO" dirty="0"/>
+              <a:t>Fifo empty generation</a:t>
+            </a:r>
+            <a:endParaRPr lang="en-US" dirty="0"/>
+          </a:p>
+        </p:txBody>
+      </p:sp>
+      <p:sp>
+        <p:nvSpPr>
+          <p:cNvPr id="3" name="Content Placeholder 2"/>
+          <p:cNvSpPr>
+            <a:spLocks noGrp="1"/>
+          </p:cNvSpPr>
+          <p:nvPr>
+            <p:ph idx="1"/>
+          </p:nvPr>
+        </p:nvSpPr>
+        <p:spPr/>
+        <p:txBody>
+          <a:bodyPr/>
+          <a:lstStyle/>
+          <a:p>
+            <a:endParaRPr lang="en-US" dirty="0"/>
+          </a:p>
+        </p:txBody>
+      </p:sp>
+    </p:spTree>
+    <p:extLst>
+      <p:ext uri="{BB962C8B-B14F-4D97-AF65-F5344CB8AC3E}">
+        <p14:creationId xmlns:p14="http://schemas.microsoft.com/office/powerpoint/2010/main" val="3150454462"/>
+      </p:ext>
+    </p:extLst>
+  </p:cSld>
+  <p:clrMapOvr>
+    <a:masterClrMapping/>
+  </p:clrMapOvr>
+</p:sld>
+</file>
+
+<file path=ppt/slides/slide6.xml><?xml version="1.0" encoding="utf-8"?>
+<p:sld xmlns:a="http://schemas.openxmlformats.org/drawingml/2006/main" xmlns:r="http://schemas.openxmlformats.org/officeDocument/2006/relationships" xmlns:p="http://schemas.openxmlformats.org/presentationml/2006/main">
+  <p:cSld>
+    <p:spTree>
+      <p:nvGrpSpPr>
+        <p:cNvPr id="1" name=""/>
+        <p:cNvGrpSpPr/>
+        <p:nvPr/>
+      </p:nvGrpSpPr>
+      <p:grpSpPr>
+        <a:xfrm>
+          <a:off x="0" y="0"/>
+          <a:ext cx="0" cy="0"/>
+          <a:chOff x="0" y="0"/>
+          <a:chExt cx="0" cy="0"/>
+        </a:xfrm>
+      </p:grpSpPr>
+      <p:sp>
+        <p:nvSpPr>
+          <p:cNvPr id="2" name="Title 1"/>
+          <p:cNvSpPr>
+            <a:spLocks noGrp="1"/>
+          </p:cNvSpPr>
+          <p:nvPr>
+            <p:ph type="title"/>
+          </p:nvPr>
+        </p:nvSpPr>
+        <p:spPr/>
+        <p:txBody>
+          <a:bodyPr/>
+          <a:lstStyle/>
+          <a:p>
+            <a:r>
+              <a:rPr lang="nb-NO" dirty="0"/>
+              <a:t>Fifo full generation</a:t>
+            </a:r>
+            <a:endParaRPr lang="en-US" dirty="0"/>
+          </a:p>
+        </p:txBody>
+      </p:sp>
+      <p:sp>
+        <p:nvSpPr>
+          <p:cNvPr id="3" name="Content Placeholder 2"/>
+          <p:cNvSpPr>
+            <a:spLocks noGrp="1"/>
+          </p:cNvSpPr>
+          <p:nvPr>
+            <p:ph idx="1"/>
+          </p:nvPr>
+        </p:nvSpPr>
+        <p:spPr/>
+        <p:txBody>
+          <a:bodyPr/>
+          <a:lstStyle/>
+          <a:p>
+            <a:endParaRPr lang="en-US"/>
+          </a:p>
+        </p:txBody>
+      </p:sp>
+    </p:spTree>
+    <p:extLst>
+      <p:ext uri="{BB962C8B-B14F-4D97-AF65-F5344CB8AC3E}">
+        <p14:creationId xmlns:p14="http://schemas.microsoft.com/office/powerpoint/2010/main" val="2892888917"/>
+      </p:ext>
+    </p:extLst>
+  </p:cSld>
+  <p:clrMapOvr>
+    <a:masterClrMapping/>
+  </p:clrMapOvr>
+</p:sld>
+</file>
+
+<file path=ppt/slides/slide7.xml><?xml version="1.0" encoding="utf-8"?>
+<p:sld xmlns:a="http://schemas.openxmlformats.org/drawingml/2006/main" xmlns:r="http://schemas.openxmlformats.org/officeDocument/2006/relationships" xmlns:p="http://schemas.openxmlformats.org/presentationml/2006/main">
+  <p:cSld>
+    <p:spTree>
+      <p:nvGrpSpPr>
+        <p:cNvPr id="1" name=""/>
+        <p:cNvGrpSpPr/>
+        <p:nvPr/>
+      </p:nvGrpSpPr>
+      <p:grpSpPr>
+        <a:xfrm>
+          <a:off x="0" y="0"/>
+          <a:ext cx="0" cy="0"/>
+          <a:chOff x="0" y="0"/>
+          <a:chExt cx="0" cy="0"/>
+        </a:xfrm>
+      </p:grpSpPr>
+      <p:sp>
+        <p:nvSpPr>
+          <p:cNvPr id="2" name="Title 1"/>
+          <p:cNvSpPr>
+            <a:spLocks noGrp="1"/>
+          </p:cNvSpPr>
+          <p:nvPr>
+            <p:ph type="title"/>
+          </p:nvPr>
+        </p:nvSpPr>
+        <p:spPr/>
+        <p:txBody>
+          <a:bodyPr/>
+          <a:lstStyle/>
+          <a:p>
+            <a:r>
+              <a:rPr lang="nb-NO" dirty="0"/>
+              <a:t>RTL Analysis</a:t>
+            </a:r>
+            <a:endParaRPr lang="en-US" dirty="0"/>
+          </a:p>
+        </p:txBody>
+      </p:sp>
+      <p:sp>
+        <p:nvSpPr>
+          <p:cNvPr id="3" name="Content Placeholder 2"/>
+          <p:cNvSpPr>
+            <a:spLocks noGrp="1"/>
+          </p:cNvSpPr>
+          <p:nvPr>
+            <p:ph idx="1"/>
+          </p:nvPr>
+        </p:nvSpPr>
+        <p:spPr/>
+        <p:txBody>
+          <a:bodyPr/>
+          <a:lstStyle/>
+          <a:p>
+            <a:endParaRPr lang="en-US" dirty="0"/>
+          </a:p>
+        </p:txBody>
+      </p:sp>
+      <p:pic>
+        <p:nvPicPr>
+          <p:cNvPr id="6" name="Picture 5"/>
+          <p:cNvPicPr>
+            <a:picLocks noChangeAspect="1"/>
+          </p:cNvPicPr>
+          <p:nvPr/>
+        </p:nvPicPr>
+        <p:blipFill>
+          <a:blip r:embed="rId2"/>
+          <a:stretch>
+            <a:fillRect/>
+          </a:stretch>
+        </p:blipFill>
+        <p:spPr>
+          <a:xfrm>
+            <a:off x="0" y="2156298"/>
+            <a:ext cx="12192000" cy="2545404"/>
+          </a:xfrm>
+          <a:prstGeom prst="rect">
+            <a:avLst/>
+          </a:prstGeom>
+        </p:spPr>
+      </p:pic>
+    </p:spTree>
+    <p:extLst>
+      <p:ext uri="{BB962C8B-B14F-4D97-AF65-F5344CB8AC3E}">
+        <p14:creationId xmlns:p14="http://schemas.microsoft.com/office/powerpoint/2010/main" val="2887214404"/>
+      </p:ext>
+    </p:extLst>
+  </p:cSld>
+  <p:clrMapOvr>
+    <a:masterClrMapping/>
+  </p:clrMapOvr>
+</p:sld>
+</file>
+
+<file path=ppt/slides/slide8.xml><?xml version="1.0" encoding="utf-8"?>
+<p:sld xmlns:a="http://schemas.openxmlformats.org/drawingml/2006/main" xmlns:r="http://schemas.openxmlformats.org/officeDocument/2006/relationships" xmlns:p="http://schemas.openxmlformats.org/presentationml/2006/main">
+  <p:cSld>
+    <p:spTree>
+      <p:nvGrpSpPr>
+        <p:cNvPr id="1" name=""/>
+        <p:cNvGrpSpPr/>
+        <p:nvPr/>
+      </p:nvGrpSpPr>
+      <p:grpSpPr>
+        <a:xfrm>
+          <a:off x="0" y="0"/>
+          <a:ext cx="0" cy="0"/>
+          <a:chOff x="0" y="0"/>
+          <a:chExt cx="0" cy="0"/>
+        </a:xfrm>
+      </p:grpSpPr>
+      <p:sp>
+        <p:nvSpPr>
+          <p:cNvPr id="2" name="Title 1"/>
+          <p:cNvSpPr>
+            <a:spLocks noGrp="1"/>
+          </p:cNvSpPr>
+          <p:nvPr>
+            <p:ph type="title"/>
+          </p:nvPr>
+        </p:nvSpPr>
+        <p:spPr/>
+        <p:txBody>
+          <a:bodyPr>
+            <a:normAutofit/>
+          </a:bodyPr>
+          <a:lstStyle/>
+          <a:p>
+            <a:r>
+              <a:rPr lang="nb-NO" dirty="0"/>
+              <a:t>Synthesized</a:t>
+            </a:r>
+            <a:br>
+              <a:rPr lang="nb-NO" dirty="0"/>
+            </a:br>
+            <a:r>
+              <a:rPr lang="nb-NO" dirty="0"/>
+              <a:t>design performance</a:t>
+            </a:r>
+            <a:endParaRPr lang="en-US" dirty="0"/>
+          </a:p>
+        </p:txBody>
+      </p:sp>
+      <p:sp>
+        <p:nvSpPr>
+          <p:cNvPr id="3" name="Content Placeholder 2"/>
+          <p:cNvSpPr>
+            <a:spLocks noGrp="1"/>
+          </p:cNvSpPr>
+          <p:nvPr>
+            <p:ph idx="1"/>
+          </p:nvPr>
+        </p:nvSpPr>
+        <p:spPr/>
+        <p:txBody>
+          <a:bodyPr/>
+          <a:lstStyle/>
+          <a:p>
+            <a:endParaRPr lang="en-US" dirty="0"/>
+          </a:p>
+        </p:txBody>
+      </p:sp>
+      <p:graphicFrame>
+        <p:nvGraphicFramePr>
+          <p:cNvPr id="5" name="Chart 4">
+            <a:extLst>
+              <a:ext uri="{FF2B5EF4-FFF2-40B4-BE49-F238E27FC236}">
+                <a16:creationId xmlns:a16="http://schemas.microsoft.com/office/drawing/2014/main" id="{F63E45B2-96D5-47A3-95FF-7CEB05AD4DA4}"/>
+              </a:ext>
+            </a:extLst>
+          </p:cNvPr>
+          <p:cNvGraphicFramePr>
+            <a:graphicFrameLocks/>
+          </p:cNvGraphicFramePr>
+          <p:nvPr>
+            <p:extLst>
+              <p:ext uri="{D42A27DB-BD31-4B8C-83A1-F6EECF244321}">
+                <p14:modId xmlns:p14="http://schemas.microsoft.com/office/powerpoint/2010/main" val="654546787"/>
+              </p:ext>
+            </p:extLst>
+          </p:nvPr>
+        </p:nvGraphicFramePr>
+        <p:xfrm>
+          <a:off x="5629275" y="0"/>
+          <a:ext cx="6562725" cy="6858000"/>
+        </p:xfrm>
+        <a:graphic>
+          <a:graphicData uri="http://schemas.openxmlformats.org/drawingml/2006/chart">
+            <c:chart xmlns:c="http://schemas.openxmlformats.org/drawingml/2006/chart" xmlns:r="http://schemas.openxmlformats.org/officeDocument/2006/relationships" r:id="rId2"/>
+          </a:graphicData>
+        </a:graphic>
+      </p:graphicFrame>
+    </p:spTree>
+    <p:extLst>
+      <p:ext uri="{BB962C8B-B14F-4D97-AF65-F5344CB8AC3E}">
+        <p14:creationId xmlns:p14="http://schemas.microsoft.com/office/powerpoint/2010/main" val="2996354795"/>
+      </p:ext>
+    </p:extLst>
+  </p:cSld>
+  <p:clrMapOvr>
+    <a:masterClrMapping/>
+  </p:clrMapOvr>
+</p:sld>
+</file>
+
+<file path=ppt/slides/slide9.xml><?xml version="1.0" encoding="utf-8"?>
+<p:sld xmlns:a="http://schemas.openxmlformats.org/drawingml/2006/main" xmlns:r="http://schemas.openxmlformats.org/officeDocument/2006/relationships" xmlns:p="http://schemas.openxmlformats.org/presentationml/2006/main">
+  <p:cSld>
+    <p:spTree>
+      <p:nvGrpSpPr>
+        <p:cNvPr id="1" name=""/>
+        <p:cNvGrpSpPr/>
+        <p:nvPr/>
+      </p:nvGrpSpPr>
+      <p:grpSpPr>
+        <a:xfrm>
+          <a:off x="0" y="0"/>
+          <a:ext cx="0" cy="0"/>
+          <a:chOff x="0" y="0"/>
+          <a:chExt cx="0" cy="0"/>
+        </a:xfrm>
+      </p:grpSpPr>
+      <p:sp>
+        <p:nvSpPr>
+          <p:cNvPr id="2" name="Title 1"/>
+          <p:cNvSpPr>
+            <a:spLocks noGrp="1"/>
+          </p:cNvSpPr>
+          <p:nvPr>
+            <p:ph type="title"/>
+          </p:nvPr>
+        </p:nvSpPr>
+        <p:spPr>
+          <a:xfrm>
+            <a:off x="838200" y="0"/>
+            <a:ext cx="10515600" cy="1325563"/>
+          </a:xfrm>
+        </p:spPr>
+        <p:txBody>
+          <a:bodyPr/>
+          <a:lstStyle/>
+          <a:p>
+            <a:r>
+              <a:rPr lang="nb-NO" dirty="0"/>
+              <a:t>BUFFER_SIZE = 16</a:t>
+            </a:r>
+            <a:endParaRPr lang="en-US" dirty="0"/>
+          </a:p>
+        </p:txBody>
+      </p:sp>
+      <p:sp>
+        <p:nvSpPr>
+          <p:cNvPr id="3" name="Content Placeholder 2"/>
+          <p:cNvSpPr>
+            <a:spLocks noGrp="1"/>
+          </p:cNvSpPr>
+          <p:nvPr>
+            <p:ph idx="1"/>
+          </p:nvPr>
+        </p:nvSpPr>
+        <p:spPr/>
+        <p:txBody>
+          <a:bodyPr/>
+          <a:lstStyle/>
+          <a:p>
+            <a:endParaRPr lang="en-US" dirty="0"/>
+          </a:p>
+        </p:txBody>
+      </p:sp>
+      <p:pic>
+        <p:nvPicPr>
+          <p:cNvPr id="6" name="Picture 5"/>
+          <p:cNvPicPr>
+            <a:picLocks noChangeAspect="1"/>
+          </p:cNvPicPr>
+          <p:nvPr/>
+        </p:nvPicPr>
+        <p:blipFill>
+          <a:blip r:embed="rId2"/>
+          <a:stretch>
+            <a:fillRect/>
+          </a:stretch>
+        </p:blipFill>
+        <p:spPr>
+          <a:xfrm>
+            <a:off x="0" y="1144236"/>
+            <a:ext cx="12192000" cy="5713764"/>
+          </a:xfrm>
+          <a:prstGeom prst="rect">
+            <a:avLst/>
+          </a:prstGeom>
+        </p:spPr>
+      </p:pic>
+    </p:spTree>
+    <p:extLst>
+      <p:ext uri="{BB962C8B-B14F-4D97-AF65-F5344CB8AC3E}">
+        <p14:creationId xmlns:p14="http://schemas.microsoft.com/office/powerpoint/2010/main" val="2849909054"/>
       </p:ext>
     </p:extLst>
   </p:cSld>

--- a/Asynchronous FIFO.pptx
+++ b/Asynchronous FIFO.pptx
@@ -4336,31 +4336,41 @@
           <a:p>
             <a:r>
               <a:rPr lang="nb-NO" dirty="0"/>
-              <a:t>Integrated with Entropy coder?</a:t>
-            </a:r>
-            <a:endParaRPr lang="en-US" dirty="0"/>
-          </a:p>
-        </p:txBody>
-      </p:sp>
-      <p:sp>
-        <p:nvSpPr>
-          <p:cNvPr id="3" name="Content Placeholder 2"/>
-          <p:cNvSpPr>
-            <a:spLocks noGrp="1"/>
-          </p:cNvSpPr>
+              <a:t>Integrated with Entropy coder</a:t>
+            </a:r>
+            <a:endParaRPr lang="en-US" dirty="0"/>
+          </a:p>
+        </p:txBody>
+      </p:sp>
+      <p:pic>
+        <p:nvPicPr>
+          <p:cNvPr id="9" name="Content Placeholder 8"/>
+          <p:cNvPicPr>
+            <a:picLocks noGrp="1" noChangeAspect="1"/>
+          </p:cNvPicPr>
           <p:nvPr>
             <p:ph idx="1"/>
           </p:nvPr>
-        </p:nvSpPr>
-        <p:spPr/>
-        <p:txBody>
-          <a:bodyPr/>
-          <a:lstStyle/>
-          <a:p>
-            <a:endParaRPr lang="en-US" dirty="0"/>
-          </a:p>
-        </p:txBody>
-      </p:sp>
+        </p:nvPicPr>
+        <p:blipFill>
+          <a:blip r:embed="rId2">
+            <a:extLst>
+              <a:ext uri="{28A0092B-C50C-407E-A947-70E740481C1C}">
+                <a14:useLocalDpi xmlns:a14="http://schemas.microsoft.com/office/drawing/2010/main" val="0"/>
+              </a:ext>
+            </a:extLst>
+          </a:blip>
+          <a:stretch>
+            <a:fillRect/>
+          </a:stretch>
+        </p:blipFill>
+        <p:spPr>
+          <a:xfrm>
+            <a:off x="838200" y="2565637"/>
+            <a:ext cx="10515600" cy="2871314"/>
+          </a:xfrm>
+        </p:spPr>
+      </p:pic>
     </p:spTree>
     <p:extLst>
       <p:ext uri="{BB962C8B-B14F-4D97-AF65-F5344CB8AC3E}">
@@ -5098,14 +5108,7 @@
           <a:p>
             <a:r>
               <a:rPr lang="nb-NO" dirty="0"/>
-              <a:t>Synthesized</a:t>
-            </a:r>
-            <a:br>
-              <a:rPr lang="nb-NO" dirty="0"/>
-            </a:br>
-            <a:r>
-              <a:rPr lang="nb-NO" dirty="0"/>
-              <a:t>design performance</a:t>
+              <a:t>Synthesized design performance</a:t>
             </a:r>
             <a:endParaRPr lang="en-US" dirty="0"/>
           </a:p>
@@ -5145,14 +5148,14 @@
           <p:nvPr>
             <p:extLst>
               <p:ext uri="{D42A27DB-BD31-4B8C-83A1-F6EECF244321}">
-                <p14:modId xmlns:p14="http://schemas.microsoft.com/office/powerpoint/2010/main" val="654546787"/>
+                <p14:modId xmlns:p14="http://schemas.microsoft.com/office/powerpoint/2010/main" val="811483648"/>
               </p:ext>
             </p:extLst>
           </p:nvPr>
         </p:nvGraphicFramePr>
         <p:xfrm>
-          <a:off x="5629275" y="0"/>
-          <a:ext cx="6562725" cy="6858000"/>
+          <a:off x="6127143" y="1322692"/>
+          <a:ext cx="5226657" cy="4854271"/>
         </p:xfrm>
         <a:graphic>
           <a:graphicData uri="http://schemas.openxmlformats.org/drawingml/2006/chart">

--- a/Asynchronous FIFO.pptx
+++ b/Asynchronous FIFO.pptx
@@ -9,16 +9,13 @@
     <p:sldId id="257" r:id="rId3"/>
     <p:sldId id="259" r:id="rId4"/>
     <p:sldId id="258" r:id="rId5"/>
-    <p:sldId id="264" r:id="rId6"/>
-    <p:sldId id="270" r:id="rId7"/>
-    <p:sldId id="267" r:id="rId8"/>
-    <p:sldId id="268" r:id="rId9"/>
-    <p:sldId id="260" r:id="rId10"/>
-    <p:sldId id="265" r:id="rId11"/>
-    <p:sldId id="263" r:id="rId12"/>
-    <p:sldId id="261" r:id="rId13"/>
-    <p:sldId id="262" r:id="rId14"/>
-    <p:sldId id="269" r:id="rId15"/>
+    <p:sldId id="267" r:id="rId6"/>
+    <p:sldId id="268" r:id="rId7"/>
+    <p:sldId id="260" r:id="rId8"/>
+    <p:sldId id="265" r:id="rId9"/>
+    <p:sldId id="263" r:id="rId10"/>
+    <p:sldId id="261" r:id="rId11"/>
+    <p:sldId id="262" r:id="rId12"/>
   </p:sldIdLst>
   <p:sldSz cx="12192000" cy="6858000"/>
   <p:notesSz cx="6858000" cy="9144000"/>
@@ -1269,7 +1266,7 @@
           <a:p>
             <a:fld id="{CB5FA825-F155-4B9C-8354-B591564874AC}" type="datetimeFigureOut">
               <a:rPr lang="en-US" smtClean="0"/>
-              <a:t>5/9/2017</a:t>
+              <a:t>5/10/2017</a:t>
             </a:fld>
             <a:endParaRPr lang="en-US" dirty="0"/>
           </a:p>
@@ -1437,7 +1434,7 @@
           <a:p>
             <a:fld id="{CB5FA825-F155-4B9C-8354-B591564874AC}" type="datetimeFigureOut">
               <a:rPr lang="en-US" smtClean="0"/>
-              <a:t>5/9/2017</a:t>
+              <a:t>5/10/2017</a:t>
             </a:fld>
             <a:endParaRPr lang="en-US" dirty="0"/>
           </a:p>
@@ -1615,7 +1612,7 @@
           <a:p>
             <a:fld id="{CB5FA825-F155-4B9C-8354-B591564874AC}" type="datetimeFigureOut">
               <a:rPr lang="en-US" smtClean="0"/>
-              <a:t>5/9/2017</a:t>
+              <a:t>5/10/2017</a:t>
             </a:fld>
             <a:endParaRPr lang="en-US" dirty="0"/>
           </a:p>
@@ -1783,7 +1780,7 @@
           <a:p>
             <a:fld id="{CB5FA825-F155-4B9C-8354-B591564874AC}" type="datetimeFigureOut">
               <a:rPr lang="en-US" smtClean="0"/>
-              <a:t>5/9/2017</a:t>
+              <a:t>5/10/2017</a:t>
             </a:fld>
             <a:endParaRPr lang="en-US" dirty="0"/>
           </a:p>
@@ -2028,7 +2025,7 @@
           <a:p>
             <a:fld id="{CB5FA825-F155-4B9C-8354-B591564874AC}" type="datetimeFigureOut">
               <a:rPr lang="en-US" smtClean="0"/>
-              <a:t>5/9/2017</a:t>
+              <a:t>5/10/2017</a:t>
             </a:fld>
             <a:endParaRPr lang="en-US" dirty="0"/>
           </a:p>
@@ -2257,7 +2254,7 @@
           <a:p>
             <a:fld id="{CB5FA825-F155-4B9C-8354-B591564874AC}" type="datetimeFigureOut">
               <a:rPr lang="en-US" smtClean="0"/>
-              <a:t>5/9/2017</a:t>
+              <a:t>5/10/2017</a:t>
             </a:fld>
             <a:endParaRPr lang="en-US" dirty="0"/>
           </a:p>
@@ -2621,7 +2618,7 @@
           <a:p>
             <a:fld id="{CB5FA825-F155-4B9C-8354-B591564874AC}" type="datetimeFigureOut">
               <a:rPr lang="en-US" smtClean="0"/>
-              <a:t>5/9/2017</a:t>
+              <a:t>5/10/2017</a:t>
             </a:fld>
             <a:endParaRPr lang="en-US" dirty="0"/>
           </a:p>
@@ -2738,7 +2735,7 @@
           <a:p>
             <a:fld id="{CB5FA825-F155-4B9C-8354-B591564874AC}" type="datetimeFigureOut">
               <a:rPr lang="en-US" smtClean="0"/>
-              <a:t>5/9/2017</a:t>
+              <a:t>5/10/2017</a:t>
             </a:fld>
             <a:endParaRPr lang="en-US" dirty="0"/>
           </a:p>
@@ -2833,7 +2830,7 @@
           <a:p>
             <a:fld id="{CB5FA825-F155-4B9C-8354-B591564874AC}" type="datetimeFigureOut">
               <a:rPr lang="en-US" smtClean="0"/>
-              <a:t>5/9/2017</a:t>
+              <a:t>5/10/2017</a:t>
             </a:fld>
             <a:endParaRPr lang="en-US" dirty="0"/>
           </a:p>
@@ -3108,7 +3105,7 @@
           <a:p>
             <a:fld id="{CB5FA825-F155-4B9C-8354-B591564874AC}" type="datetimeFigureOut">
               <a:rPr lang="en-US" smtClean="0"/>
-              <a:t>5/9/2017</a:t>
+              <a:t>5/10/2017</a:t>
             </a:fld>
             <a:endParaRPr lang="en-US" dirty="0"/>
           </a:p>
@@ -3360,7 +3357,7 @@
           <a:p>
             <a:fld id="{CB5FA825-F155-4B9C-8354-B591564874AC}" type="datetimeFigureOut">
               <a:rPr lang="en-US" smtClean="0"/>
-              <a:t>5/9/2017</a:t>
+              <a:t>5/10/2017</a:t>
             </a:fld>
             <a:endParaRPr lang="en-US" dirty="0"/>
           </a:p>
@@ -3571,7 +3568,7 @@
           <a:p>
             <a:fld id="{CB5FA825-F155-4B9C-8354-B591564874AC}" type="datetimeFigureOut">
               <a:rPr lang="en-US" smtClean="0"/>
-              <a:t>5/9/2017</a:t>
+              <a:t>5/10/2017</a:t>
             </a:fld>
             <a:endParaRPr lang="en-US" dirty="0"/>
           </a:p>
@@ -4009,11 +4006,41 @@
             <p:ph type="subTitle" idx="1"/>
           </p:nvPr>
         </p:nvSpPr>
-        <p:spPr/>
-        <p:txBody>
-          <a:bodyPr/>
-          <a:lstStyle/>
-          <a:p>
+        <p:spPr>
+          <a:xfrm>
+            <a:off x="1187450" y="3602038"/>
+            <a:ext cx="9956800" cy="1655762"/>
+          </a:xfrm>
+        </p:spPr>
+        <p:txBody>
+          <a:bodyPr>
+            <a:normAutofit fontScale="92500" lnSpcReduction="10000"/>
+          </a:bodyPr>
+          <a:lstStyle/>
+          <a:p>
+            <a:r>
+              <a:rPr lang="nb-NO" dirty="0"/>
+              <a:t>Sources:</a:t>
+            </a:r>
+          </a:p>
+          <a:p>
+            <a:r>
+              <a:rPr lang="nb-NO" dirty="0"/>
+              <a:t>Simulation and Synthesis Techniques for Asynchronous FIFO Design</a:t>
+            </a:r>
+          </a:p>
+          <a:p>
+            <a:r>
+              <a:rPr lang="en-US" dirty="0"/>
+              <a:t>Synthesis and Scripting Techniques for Designing Multi-Asynchronous Clock Designs</a:t>
+            </a:r>
+            <a:endParaRPr lang="nb-NO" dirty="0"/>
+          </a:p>
+          <a:p>
+            <a:r>
+              <a:rPr lang="nb-NO" dirty="0"/>
+              <a:t>Clifford E. Cummings</a:t>
+            </a:r>
             <a:endParaRPr lang="en-US" dirty="0"/>
           </a:p>
         </p:txBody>
@@ -4032,6 +4059,867 @@
 </file>
 
 <file path=ppt/slides/slide10.xml><?xml version="1.0" encoding="utf-8"?>
+<p:sld xmlns:a="http://schemas.openxmlformats.org/drawingml/2006/main" xmlns:r="http://schemas.openxmlformats.org/officeDocument/2006/relationships" xmlns:p="http://schemas.openxmlformats.org/presentationml/2006/main">
+  <p:cSld>
+    <p:spTree>
+      <p:nvGrpSpPr>
+        <p:cNvPr id="1" name=""/>
+        <p:cNvGrpSpPr/>
+        <p:nvPr/>
+      </p:nvGrpSpPr>
+      <p:grpSpPr>
+        <a:xfrm>
+          <a:off x="0" y="0"/>
+          <a:ext cx="0" cy="0"/>
+          <a:chOff x="0" y="0"/>
+          <a:chExt cx="0" cy="0"/>
+        </a:xfrm>
+      </p:grpSpPr>
+      <p:sp>
+        <p:nvSpPr>
+          <p:cNvPr id="2" name="Title 1"/>
+          <p:cNvSpPr>
+            <a:spLocks noGrp="1"/>
+          </p:cNvSpPr>
+          <p:nvPr>
+            <p:ph type="title"/>
+          </p:nvPr>
+        </p:nvSpPr>
+        <p:spPr/>
+        <p:txBody>
+          <a:bodyPr>
+            <a:normAutofit/>
+          </a:bodyPr>
+          <a:lstStyle/>
+          <a:p>
+            <a:r>
+              <a:rPr lang="nb-NO" dirty="0"/>
+              <a:t>Simulation </a:t>
+            </a:r>
+            <a:r>
+              <a:rPr lang="nb-NO"/>
+              <a:t>and Testbench (BUFFER_SIZE = 8)</a:t>
+            </a:r>
+            <a:endParaRPr lang="en-US" dirty="0"/>
+          </a:p>
+        </p:txBody>
+      </p:sp>
+      <p:sp>
+        <p:nvSpPr>
+          <p:cNvPr id="3" name="Content Placeholder 2"/>
+          <p:cNvSpPr>
+            <a:spLocks noGrp="1"/>
+          </p:cNvSpPr>
+          <p:nvPr>
+            <p:ph idx="1"/>
+          </p:nvPr>
+        </p:nvSpPr>
+        <p:spPr/>
+        <p:txBody>
+          <a:bodyPr/>
+          <a:lstStyle/>
+          <a:p>
+            <a:endParaRPr lang="en-US"/>
+          </a:p>
+        </p:txBody>
+      </p:sp>
+      <p:pic>
+        <p:nvPicPr>
+          <p:cNvPr id="4" name="Picture 3"/>
+          <p:cNvPicPr>
+            <a:picLocks noChangeAspect="1"/>
+          </p:cNvPicPr>
+          <p:nvPr/>
+        </p:nvPicPr>
+        <p:blipFill>
+          <a:blip r:embed="rId2"/>
+          <a:stretch>
+            <a:fillRect/>
+          </a:stretch>
+        </p:blipFill>
+        <p:spPr>
+          <a:xfrm>
+            <a:off x="0" y="1761977"/>
+            <a:ext cx="12192000" cy="4147394"/>
+          </a:xfrm>
+          <a:prstGeom prst="rect">
+            <a:avLst/>
+          </a:prstGeom>
+        </p:spPr>
+      </p:pic>
+    </p:spTree>
+    <p:extLst>
+      <p:ext uri="{BB962C8B-B14F-4D97-AF65-F5344CB8AC3E}">
+        <p14:creationId xmlns:p14="http://schemas.microsoft.com/office/powerpoint/2010/main" val="1849489438"/>
+      </p:ext>
+    </p:extLst>
+  </p:cSld>
+  <p:clrMapOvr>
+    <a:masterClrMapping/>
+  </p:clrMapOvr>
+</p:sld>
+</file>
+
+<file path=ppt/slides/slide11.xml><?xml version="1.0" encoding="utf-8"?>
+<p:sld xmlns:a="http://schemas.openxmlformats.org/drawingml/2006/main" xmlns:r="http://schemas.openxmlformats.org/officeDocument/2006/relationships" xmlns:p="http://schemas.openxmlformats.org/presentationml/2006/main">
+  <p:cSld>
+    <p:spTree>
+      <p:nvGrpSpPr>
+        <p:cNvPr id="1" name=""/>
+        <p:cNvGrpSpPr/>
+        <p:nvPr/>
+      </p:nvGrpSpPr>
+      <p:grpSpPr>
+        <a:xfrm>
+          <a:off x="0" y="0"/>
+          <a:ext cx="0" cy="0"/>
+          <a:chOff x="0" y="0"/>
+          <a:chExt cx="0" cy="0"/>
+        </a:xfrm>
+      </p:grpSpPr>
+      <p:sp>
+        <p:nvSpPr>
+          <p:cNvPr id="2" name="Title 1"/>
+          <p:cNvSpPr>
+            <a:spLocks noGrp="1"/>
+          </p:cNvSpPr>
+          <p:nvPr>
+            <p:ph type="title"/>
+          </p:nvPr>
+        </p:nvSpPr>
+        <p:spPr/>
+        <p:txBody>
+          <a:bodyPr/>
+          <a:lstStyle/>
+          <a:p>
+            <a:r>
+              <a:rPr lang="nb-NO" dirty="0"/>
+              <a:t>Integrated with HEVC Entropy coder</a:t>
+            </a:r>
+            <a:endParaRPr lang="en-US" dirty="0"/>
+          </a:p>
+        </p:txBody>
+      </p:sp>
+      <p:pic>
+        <p:nvPicPr>
+          <p:cNvPr id="9" name="Content Placeholder 8"/>
+          <p:cNvPicPr>
+            <a:picLocks noGrp="1" noChangeAspect="1"/>
+          </p:cNvPicPr>
+          <p:nvPr>
+            <p:ph idx="1"/>
+          </p:nvPr>
+        </p:nvPicPr>
+        <p:blipFill>
+          <a:blip r:embed="rId2">
+            <a:extLst>
+              <a:ext uri="{28A0092B-C50C-407E-A947-70E740481C1C}">
+                <a14:useLocalDpi xmlns:a14="http://schemas.microsoft.com/office/drawing/2010/main" val="0"/>
+              </a:ext>
+            </a:extLst>
+          </a:blip>
+          <a:stretch>
+            <a:fillRect/>
+          </a:stretch>
+        </p:blipFill>
+        <p:spPr>
+          <a:xfrm>
+            <a:off x="838200" y="2565637"/>
+            <a:ext cx="10515600" cy="2871314"/>
+          </a:xfrm>
+        </p:spPr>
+      </p:pic>
+    </p:spTree>
+    <p:extLst>
+      <p:ext uri="{BB962C8B-B14F-4D97-AF65-F5344CB8AC3E}">
+        <p14:creationId xmlns:p14="http://schemas.microsoft.com/office/powerpoint/2010/main" val="2341190910"/>
+      </p:ext>
+    </p:extLst>
+  </p:cSld>
+  <p:clrMapOvr>
+    <a:masterClrMapping/>
+  </p:clrMapOvr>
+</p:sld>
+</file>
+
+<file path=ppt/slides/slide2.xml><?xml version="1.0" encoding="utf-8"?>
+<p:sld xmlns:a="http://schemas.openxmlformats.org/drawingml/2006/main" xmlns:r="http://schemas.openxmlformats.org/officeDocument/2006/relationships" xmlns:p="http://schemas.openxmlformats.org/presentationml/2006/main">
+  <p:cSld>
+    <p:spTree>
+      <p:nvGrpSpPr>
+        <p:cNvPr id="1" name=""/>
+        <p:cNvGrpSpPr/>
+        <p:nvPr/>
+      </p:nvGrpSpPr>
+      <p:grpSpPr>
+        <a:xfrm>
+          <a:off x="0" y="0"/>
+          <a:ext cx="0" cy="0"/>
+          <a:chOff x="0" y="0"/>
+          <a:chExt cx="0" cy="0"/>
+        </a:xfrm>
+      </p:grpSpPr>
+      <p:sp>
+        <p:nvSpPr>
+          <p:cNvPr id="2" name="Title 1"/>
+          <p:cNvSpPr>
+            <a:spLocks noGrp="1"/>
+          </p:cNvSpPr>
+          <p:nvPr>
+            <p:ph type="title"/>
+          </p:nvPr>
+        </p:nvSpPr>
+        <p:spPr/>
+        <p:txBody>
+          <a:bodyPr/>
+          <a:lstStyle/>
+          <a:p>
+            <a:r>
+              <a:rPr lang="nb-NO" dirty="0"/>
+              <a:t>Design specification</a:t>
+            </a:r>
+            <a:endParaRPr lang="en-US" dirty="0"/>
+          </a:p>
+        </p:txBody>
+      </p:sp>
+      <p:sp>
+        <p:nvSpPr>
+          <p:cNvPr id="3" name="Content Placeholder 2"/>
+          <p:cNvSpPr>
+            <a:spLocks noGrp="1"/>
+          </p:cNvSpPr>
+          <p:nvPr>
+            <p:ph idx="1"/>
+          </p:nvPr>
+        </p:nvSpPr>
+        <p:spPr/>
+        <p:txBody>
+          <a:bodyPr/>
+          <a:lstStyle/>
+          <a:p>
+            <a:r>
+              <a:rPr lang="nb-NO" dirty="0"/>
+              <a:t>I/O defined</a:t>
+            </a:r>
+          </a:p>
+          <a:p>
+            <a:r>
+              <a:rPr lang="nb-NO" dirty="0"/>
+              <a:t>From 1 to 127 buffer size. Configurable with BUFFER_SIZE parameter</a:t>
+            </a:r>
+          </a:p>
+          <a:p>
+            <a:r>
+              <a:rPr lang="nb-NO" dirty="0"/>
+              <a:t>Area effective</a:t>
+            </a:r>
+          </a:p>
+          <a:p>
+            <a:r>
+              <a:rPr lang="nb-NO" dirty="0"/>
+              <a:t>Power effective</a:t>
+            </a:r>
+          </a:p>
+          <a:p>
+            <a:r>
+              <a:rPr lang="nb-NO" dirty="0"/>
+              <a:t>Fast</a:t>
+            </a:r>
+          </a:p>
+          <a:p>
+            <a:endParaRPr lang="nb-NO" dirty="0"/>
+          </a:p>
+          <a:p>
+            <a:endParaRPr lang="en-US" dirty="0"/>
+          </a:p>
+        </p:txBody>
+      </p:sp>
+    </p:spTree>
+    <p:extLst>
+      <p:ext uri="{BB962C8B-B14F-4D97-AF65-F5344CB8AC3E}">
+        <p14:creationId xmlns:p14="http://schemas.microsoft.com/office/powerpoint/2010/main" val="3182554105"/>
+      </p:ext>
+    </p:extLst>
+  </p:cSld>
+  <p:clrMapOvr>
+    <a:masterClrMapping/>
+  </p:clrMapOvr>
+</p:sld>
+</file>
+
+<file path=ppt/slides/slide3.xml><?xml version="1.0" encoding="utf-8"?>
+<p:sld xmlns:a="http://schemas.openxmlformats.org/drawingml/2006/main" xmlns:r="http://schemas.openxmlformats.org/officeDocument/2006/relationships" xmlns:p="http://schemas.openxmlformats.org/presentationml/2006/main">
+  <p:cSld>
+    <p:spTree>
+      <p:nvGrpSpPr>
+        <p:cNvPr id="1" name=""/>
+        <p:cNvGrpSpPr/>
+        <p:nvPr/>
+      </p:nvGrpSpPr>
+      <p:grpSpPr>
+        <a:xfrm>
+          <a:off x="0" y="0"/>
+          <a:ext cx="0" cy="0"/>
+          <a:chOff x="0" y="0"/>
+          <a:chExt cx="0" cy="0"/>
+        </a:xfrm>
+      </p:grpSpPr>
+      <p:sp>
+        <p:nvSpPr>
+          <p:cNvPr id="2" name="Title 1"/>
+          <p:cNvSpPr>
+            <a:spLocks noGrp="1"/>
+          </p:cNvSpPr>
+          <p:nvPr>
+            <p:ph type="title"/>
+          </p:nvPr>
+        </p:nvSpPr>
+        <p:spPr/>
+        <p:txBody>
+          <a:bodyPr/>
+          <a:lstStyle/>
+          <a:p>
+            <a:r>
+              <a:rPr lang="nb-NO" dirty="0"/>
+              <a:t>Alternative </a:t>
+            </a:r>
+            <a:r>
+              <a:rPr lang="en-US" dirty="0"/>
+              <a:t>approaches</a:t>
+            </a:r>
+          </a:p>
+        </p:txBody>
+      </p:sp>
+      <p:sp>
+        <p:nvSpPr>
+          <p:cNvPr id="3" name="Content Placeholder 2"/>
+          <p:cNvSpPr>
+            <a:spLocks noGrp="1"/>
+          </p:cNvSpPr>
+          <p:nvPr>
+            <p:ph idx="1"/>
+          </p:nvPr>
+        </p:nvSpPr>
+        <p:spPr/>
+        <p:txBody>
+          <a:bodyPr>
+            <a:normAutofit fontScale="70000" lnSpcReduction="20000"/>
+          </a:bodyPr>
+          <a:lstStyle/>
+          <a:p>
+            <a:r>
+              <a:rPr lang="nb-NO" dirty="0"/>
+              <a:t>Binary pointers passed directly</a:t>
+            </a:r>
+          </a:p>
+          <a:p>
+            <a:pPr lvl="1"/>
+            <a:r>
+              <a:rPr lang="nb-NO" dirty="0"/>
+              <a:t>Bad practice</a:t>
+            </a:r>
+          </a:p>
+          <a:p>
+            <a:r>
+              <a:rPr lang="nb-NO" dirty="0"/>
+              <a:t>Binary pointers with REQ/ACK handshaking signals</a:t>
+            </a:r>
+          </a:p>
+          <a:p>
+            <a:pPr lvl="1"/>
+            <a:r>
+              <a:rPr lang="nb-NO" dirty="0"/>
+              <a:t>Safe and simple</a:t>
+            </a:r>
+          </a:p>
+          <a:p>
+            <a:pPr lvl="1"/>
+            <a:r>
+              <a:rPr lang="nb-NO" dirty="0"/>
+              <a:t>Supports any fifo depth, and arbitrary pointer changes</a:t>
+            </a:r>
+          </a:p>
+          <a:p>
+            <a:pPr lvl="1"/>
+            <a:r>
+              <a:rPr lang="nb-NO" dirty="0"/>
+              <a:t>Easy full/empty/almost_full/almost_empty generation</a:t>
+            </a:r>
+          </a:p>
+          <a:p>
+            <a:pPr lvl="1"/>
+            <a:r>
+              <a:rPr lang="nb-NO" dirty="0"/>
+              <a:t>Smaller(2FF per pointer bits + 4 for REQ/ACK)</a:t>
+            </a:r>
+          </a:p>
+          <a:p>
+            <a:pPr lvl="1"/>
+            <a:r>
+              <a:rPr lang="nb-NO" dirty="0"/>
+              <a:t>Higher latency(REQ/ACK signaling)</a:t>
+            </a:r>
+          </a:p>
+          <a:p>
+            <a:pPr lvl="1"/>
+            <a:r>
+              <a:rPr lang="nb-NO" dirty="0"/>
+              <a:t>Possible all pointer bits change per increment</a:t>
+            </a:r>
+          </a:p>
+          <a:p>
+            <a:r>
+              <a:rPr lang="nb-NO" dirty="0"/>
+              <a:t>Gray code pointers passed directly</a:t>
+            </a:r>
+          </a:p>
+          <a:p>
+            <a:pPr lvl="1"/>
+            <a:r>
+              <a:rPr lang="nb-NO" dirty="0"/>
+              <a:t>Proven design</a:t>
+            </a:r>
+          </a:p>
+          <a:p>
+            <a:pPr lvl="1"/>
+            <a:r>
+              <a:rPr lang="nb-NO" dirty="0"/>
+              <a:t>Requires power-of-2 fifo depth(most dual-port ram is power-of-2 words deep)</a:t>
+            </a:r>
+          </a:p>
+          <a:p>
+            <a:pPr lvl="1"/>
+            <a:r>
+              <a:rPr lang="nb-NO" dirty="0"/>
+              <a:t>Trickier full/empty /almost_full/almost_empty generation</a:t>
+            </a:r>
+          </a:p>
+          <a:p>
+            <a:pPr lvl="1"/>
+            <a:r>
+              <a:rPr lang="nb-NO" dirty="0"/>
+              <a:t>Larger(4FF per pointer bits)</a:t>
+            </a:r>
+          </a:p>
+          <a:p>
+            <a:pPr lvl="1"/>
+            <a:r>
+              <a:rPr lang="nb-NO" dirty="0"/>
+              <a:t>Lower latency(better performance if full/empty conditions happen often)</a:t>
+            </a:r>
+          </a:p>
+          <a:p>
+            <a:pPr lvl="1"/>
+            <a:r>
+              <a:rPr lang="nb-NO" dirty="0"/>
+              <a:t>Maximum of 1 pointer bit value change per increment</a:t>
+            </a:r>
+            <a:endParaRPr lang="en-US" dirty="0"/>
+          </a:p>
+        </p:txBody>
+      </p:sp>
+    </p:spTree>
+    <p:extLst>
+      <p:ext uri="{BB962C8B-B14F-4D97-AF65-F5344CB8AC3E}">
+        <p14:creationId xmlns:p14="http://schemas.microsoft.com/office/powerpoint/2010/main" val="3884765999"/>
+      </p:ext>
+    </p:extLst>
+  </p:cSld>
+  <p:clrMapOvr>
+    <a:masterClrMapping/>
+  </p:clrMapOvr>
+</p:sld>
+</file>
+
+<file path=ppt/slides/slide4.xml><?xml version="1.0" encoding="utf-8"?>
+<p:sld xmlns:a="http://schemas.openxmlformats.org/drawingml/2006/main" xmlns:r="http://schemas.openxmlformats.org/officeDocument/2006/relationships" xmlns:p="http://schemas.openxmlformats.org/presentationml/2006/main">
+  <p:cSld>
+    <p:spTree>
+      <p:nvGrpSpPr>
+        <p:cNvPr id="1" name=""/>
+        <p:cNvGrpSpPr/>
+        <p:nvPr/>
+      </p:nvGrpSpPr>
+      <p:grpSpPr>
+        <a:xfrm>
+          <a:off x="0" y="0"/>
+          <a:ext cx="0" cy="0"/>
+          <a:chOff x="0" y="0"/>
+          <a:chExt cx="0" cy="0"/>
+        </a:xfrm>
+      </p:grpSpPr>
+      <p:sp>
+        <p:nvSpPr>
+          <p:cNvPr id="2" name="Title 1"/>
+          <p:cNvSpPr>
+            <a:spLocks noGrp="1"/>
+          </p:cNvSpPr>
+          <p:nvPr>
+            <p:ph type="title"/>
+          </p:nvPr>
+        </p:nvSpPr>
+        <p:spPr>
+          <a:xfrm>
+            <a:off x="838200" y="365125"/>
+            <a:ext cx="10515600" cy="1325563"/>
+          </a:xfrm>
+        </p:spPr>
+        <p:txBody>
+          <a:bodyPr/>
+          <a:lstStyle/>
+          <a:p>
+            <a:r>
+              <a:rPr lang="nb-NO" dirty="0"/>
+              <a:t>My implementation: </a:t>
+            </a:r>
+            <a:endParaRPr lang="en-US" dirty="0"/>
+          </a:p>
+        </p:txBody>
+      </p:sp>
+      <p:pic>
+        <p:nvPicPr>
+          <p:cNvPr id="11" name="Content Placeholder 10"/>
+          <p:cNvPicPr>
+            <a:picLocks noGrp="1" noChangeAspect="1"/>
+          </p:cNvPicPr>
+          <p:nvPr>
+            <p:ph idx="1"/>
+          </p:nvPr>
+        </p:nvPicPr>
+        <p:blipFill>
+          <a:blip r:embed="rId2">
+            <a:extLst>
+              <a:ext uri="{28A0092B-C50C-407E-A947-70E740481C1C}">
+                <a14:useLocalDpi xmlns:a14="http://schemas.microsoft.com/office/drawing/2010/main" val="0"/>
+              </a:ext>
+            </a:extLst>
+          </a:blip>
+          <a:stretch>
+            <a:fillRect/>
+          </a:stretch>
+        </p:blipFill>
+        <p:spPr>
+          <a:xfrm>
+            <a:off x="838200" y="1346654"/>
+            <a:ext cx="10515600" cy="5206482"/>
+          </a:xfrm>
+        </p:spPr>
+      </p:pic>
+    </p:spTree>
+    <p:extLst>
+      <p:ext uri="{BB962C8B-B14F-4D97-AF65-F5344CB8AC3E}">
+        <p14:creationId xmlns:p14="http://schemas.microsoft.com/office/powerpoint/2010/main" val="3684913482"/>
+      </p:ext>
+    </p:extLst>
+  </p:cSld>
+  <p:clrMapOvr>
+    <a:masterClrMapping/>
+  </p:clrMapOvr>
+</p:sld>
+</file>
+
+<file path=ppt/slides/slide5.xml><?xml version="1.0" encoding="utf-8"?>
+<p:sld xmlns:a="http://schemas.openxmlformats.org/drawingml/2006/main" xmlns:r="http://schemas.openxmlformats.org/officeDocument/2006/relationships" xmlns:p="http://schemas.openxmlformats.org/presentationml/2006/main">
+  <p:cSld>
+    <p:spTree>
+      <p:nvGrpSpPr>
+        <p:cNvPr id="1" name=""/>
+        <p:cNvGrpSpPr/>
+        <p:nvPr/>
+      </p:nvGrpSpPr>
+      <p:grpSpPr>
+        <a:xfrm>
+          <a:off x="0" y="0"/>
+          <a:ext cx="0" cy="0"/>
+          <a:chOff x="0" y="0"/>
+          <a:chExt cx="0" cy="0"/>
+        </a:xfrm>
+      </p:grpSpPr>
+      <p:sp>
+        <p:nvSpPr>
+          <p:cNvPr id="2" name="Title 1"/>
+          <p:cNvSpPr>
+            <a:spLocks noGrp="1"/>
+          </p:cNvSpPr>
+          <p:nvPr>
+            <p:ph type="title"/>
+          </p:nvPr>
+        </p:nvSpPr>
+        <p:spPr/>
+        <p:txBody>
+          <a:bodyPr/>
+          <a:lstStyle/>
+          <a:p>
+            <a:r>
+              <a:rPr lang="nb-NO" dirty="0"/>
+              <a:t>RTL Analysis</a:t>
+            </a:r>
+            <a:endParaRPr lang="en-US" dirty="0"/>
+          </a:p>
+        </p:txBody>
+      </p:sp>
+      <p:sp>
+        <p:nvSpPr>
+          <p:cNvPr id="3" name="Content Placeholder 2"/>
+          <p:cNvSpPr>
+            <a:spLocks noGrp="1"/>
+          </p:cNvSpPr>
+          <p:nvPr>
+            <p:ph idx="1"/>
+          </p:nvPr>
+        </p:nvSpPr>
+        <p:spPr/>
+        <p:txBody>
+          <a:bodyPr/>
+          <a:lstStyle/>
+          <a:p>
+            <a:endParaRPr lang="en-US" dirty="0"/>
+          </a:p>
+        </p:txBody>
+      </p:sp>
+      <p:pic>
+        <p:nvPicPr>
+          <p:cNvPr id="6" name="Picture 5"/>
+          <p:cNvPicPr>
+            <a:picLocks noChangeAspect="1"/>
+          </p:cNvPicPr>
+          <p:nvPr/>
+        </p:nvPicPr>
+        <p:blipFill>
+          <a:blip r:embed="rId2"/>
+          <a:stretch>
+            <a:fillRect/>
+          </a:stretch>
+        </p:blipFill>
+        <p:spPr>
+          <a:xfrm>
+            <a:off x="0" y="2156298"/>
+            <a:ext cx="12192000" cy="2545404"/>
+          </a:xfrm>
+          <a:prstGeom prst="rect">
+            <a:avLst/>
+          </a:prstGeom>
+        </p:spPr>
+      </p:pic>
+    </p:spTree>
+    <p:extLst>
+      <p:ext uri="{BB962C8B-B14F-4D97-AF65-F5344CB8AC3E}">
+        <p14:creationId xmlns:p14="http://schemas.microsoft.com/office/powerpoint/2010/main" val="2887214404"/>
+      </p:ext>
+    </p:extLst>
+  </p:cSld>
+  <p:clrMapOvr>
+    <a:masterClrMapping/>
+  </p:clrMapOvr>
+</p:sld>
+</file>
+
+<file path=ppt/slides/slide6.xml><?xml version="1.0" encoding="utf-8"?>
+<p:sld xmlns:a="http://schemas.openxmlformats.org/drawingml/2006/main" xmlns:r="http://schemas.openxmlformats.org/officeDocument/2006/relationships" xmlns:p="http://schemas.openxmlformats.org/presentationml/2006/main">
+  <p:cSld>
+    <p:spTree>
+      <p:nvGrpSpPr>
+        <p:cNvPr id="1" name=""/>
+        <p:cNvGrpSpPr/>
+        <p:nvPr/>
+      </p:nvGrpSpPr>
+      <p:grpSpPr>
+        <a:xfrm>
+          <a:off x="0" y="0"/>
+          <a:ext cx="0" cy="0"/>
+          <a:chOff x="0" y="0"/>
+          <a:chExt cx="0" cy="0"/>
+        </a:xfrm>
+      </p:grpSpPr>
+      <p:sp>
+        <p:nvSpPr>
+          <p:cNvPr id="2" name="Title 1"/>
+          <p:cNvSpPr>
+            <a:spLocks noGrp="1"/>
+          </p:cNvSpPr>
+          <p:nvPr>
+            <p:ph type="title"/>
+          </p:nvPr>
+        </p:nvSpPr>
+        <p:spPr/>
+        <p:txBody>
+          <a:bodyPr>
+            <a:normAutofit/>
+          </a:bodyPr>
+          <a:lstStyle/>
+          <a:p>
+            <a:r>
+              <a:rPr lang="nb-NO" dirty="0"/>
+              <a:t>Synthesized design performance</a:t>
+            </a:r>
+            <a:endParaRPr lang="en-US" dirty="0"/>
+          </a:p>
+        </p:txBody>
+      </p:sp>
+      <p:sp>
+        <p:nvSpPr>
+          <p:cNvPr id="3" name="Content Placeholder 2"/>
+          <p:cNvSpPr>
+            <a:spLocks noGrp="1"/>
+          </p:cNvSpPr>
+          <p:nvPr>
+            <p:ph idx="1"/>
+          </p:nvPr>
+        </p:nvSpPr>
+        <p:spPr/>
+        <p:txBody>
+          <a:bodyPr/>
+          <a:lstStyle/>
+          <a:p>
+            <a:endParaRPr lang="en-US" dirty="0"/>
+          </a:p>
+        </p:txBody>
+      </p:sp>
+      <p:graphicFrame>
+        <p:nvGraphicFramePr>
+          <p:cNvPr id="5" name="Chart 4">
+            <a:extLst>
+              <a:ext uri="{FF2B5EF4-FFF2-40B4-BE49-F238E27FC236}">
+                <a16:creationId xmlns:a16="http://schemas.microsoft.com/office/drawing/2014/main" id="{F63E45B2-96D5-47A3-95FF-7CEB05AD4DA4}"/>
+              </a:ext>
+            </a:extLst>
+          </p:cNvPr>
+          <p:cNvGraphicFramePr>
+            <a:graphicFrameLocks/>
+          </p:cNvGraphicFramePr>
+          <p:nvPr>
+            <p:extLst>
+              <p:ext uri="{D42A27DB-BD31-4B8C-83A1-F6EECF244321}">
+                <p14:modId xmlns:p14="http://schemas.microsoft.com/office/powerpoint/2010/main" val="811483648"/>
+              </p:ext>
+            </p:extLst>
+          </p:nvPr>
+        </p:nvGraphicFramePr>
+        <p:xfrm>
+          <a:off x="6127143" y="1322692"/>
+          <a:ext cx="5226657" cy="4854271"/>
+        </p:xfrm>
+        <a:graphic>
+          <a:graphicData uri="http://schemas.openxmlformats.org/drawingml/2006/chart">
+            <c:chart xmlns:c="http://schemas.openxmlformats.org/drawingml/2006/chart" xmlns:r="http://schemas.openxmlformats.org/officeDocument/2006/relationships" r:id="rId2"/>
+          </a:graphicData>
+        </a:graphic>
+      </p:graphicFrame>
+    </p:spTree>
+    <p:extLst>
+      <p:ext uri="{BB962C8B-B14F-4D97-AF65-F5344CB8AC3E}">
+        <p14:creationId xmlns:p14="http://schemas.microsoft.com/office/powerpoint/2010/main" val="2996354795"/>
+      </p:ext>
+    </p:extLst>
+  </p:cSld>
+  <p:clrMapOvr>
+    <a:masterClrMapping/>
+  </p:clrMapOvr>
+</p:sld>
+</file>
+
+<file path=ppt/slides/slide7.xml><?xml version="1.0" encoding="utf-8"?>
+<p:sld xmlns:a="http://schemas.openxmlformats.org/drawingml/2006/main" xmlns:r="http://schemas.openxmlformats.org/officeDocument/2006/relationships" xmlns:p="http://schemas.openxmlformats.org/presentationml/2006/main">
+  <p:cSld>
+    <p:spTree>
+      <p:nvGrpSpPr>
+        <p:cNvPr id="1" name=""/>
+        <p:cNvGrpSpPr/>
+        <p:nvPr/>
+      </p:nvGrpSpPr>
+      <p:grpSpPr>
+        <a:xfrm>
+          <a:off x="0" y="0"/>
+          <a:ext cx="0" cy="0"/>
+          <a:chOff x="0" y="0"/>
+          <a:chExt cx="0" cy="0"/>
+        </a:xfrm>
+      </p:grpSpPr>
+      <p:sp>
+        <p:nvSpPr>
+          <p:cNvPr id="2" name="Title 1"/>
+          <p:cNvSpPr>
+            <a:spLocks noGrp="1"/>
+          </p:cNvSpPr>
+          <p:nvPr>
+            <p:ph type="title"/>
+          </p:nvPr>
+        </p:nvSpPr>
+        <p:spPr>
+          <a:xfrm>
+            <a:off x="838200" y="0"/>
+            <a:ext cx="10515600" cy="1325563"/>
+          </a:xfrm>
+        </p:spPr>
+        <p:txBody>
+          <a:bodyPr/>
+          <a:lstStyle/>
+          <a:p>
+            <a:r>
+              <a:rPr lang="nb-NO" dirty="0"/>
+              <a:t>BUFFER_SIZE = 16</a:t>
+            </a:r>
+            <a:endParaRPr lang="en-US" dirty="0"/>
+          </a:p>
+        </p:txBody>
+      </p:sp>
+      <p:sp>
+        <p:nvSpPr>
+          <p:cNvPr id="3" name="Content Placeholder 2"/>
+          <p:cNvSpPr>
+            <a:spLocks noGrp="1"/>
+          </p:cNvSpPr>
+          <p:nvPr>
+            <p:ph idx="1"/>
+          </p:nvPr>
+        </p:nvSpPr>
+        <p:spPr/>
+        <p:txBody>
+          <a:bodyPr/>
+          <a:lstStyle/>
+          <a:p>
+            <a:endParaRPr lang="en-US" dirty="0"/>
+          </a:p>
+        </p:txBody>
+      </p:sp>
+      <p:pic>
+        <p:nvPicPr>
+          <p:cNvPr id="6" name="Picture 5"/>
+          <p:cNvPicPr>
+            <a:picLocks noChangeAspect="1"/>
+          </p:cNvPicPr>
+          <p:nvPr/>
+        </p:nvPicPr>
+        <p:blipFill>
+          <a:blip r:embed="rId2"/>
+          <a:stretch>
+            <a:fillRect/>
+          </a:stretch>
+        </p:blipFill>
+        <p:spPr>
+          <a:xfrm>
+            <a:off x="0" y="1144236"/>
+            <a:ext cx="12192000" cy="5713764"/>
+          </a:xfrm>
+          <a:prstGeom prst="rect">
+            <a:avLst/>
+          </a:prstGeom>
+        </p:spPr>
+      </p:pic>
+    </p:spTree>
+    <p:extLst>
+      <p:ext uri="{BB962C8B-B14F-4D97-AF65-F5344CB8AC3E}">
+        <p14:creationId xmlns:p14="http://schemas.microsoft.com/office/powerpoint/2010/main" val="2849909054"/>
+      </p:ext>
+    </p:extLst>
+  </p:cSld>
+  <p:clrMapOvr>
+    <a:masterClrMapping/>
+  </p:clrMapOvr>
+</p:sld>
+</file>
+
+<file path=ppt/slides/slide8.xml><?xml version="1.0" encoding="utf-8"?>
 <p:sld xmlns:a="http://schemas.openxmlformats.org/drawingml/2006/main" xmlns:r="http://schemas.openxmlformats.org/officeDocument/2006/relationships" xmlns:p="http://schemas.openxmlformats.org/presentationml/2006/main">
   <p:cSld>
     <p:spTree>
@@ -4132,1050 +5020,6 @@
 </p:sld>
 </file>
 
-<file path=ppt/slides/slide11.xml><?xml version="1.0" encoding="utf-8"?>
-<p:sld xmlns:a="http://schemas.openxmlformats.org/drawingml/2006/main" xmlns:r="http://schemas.openxmlformats.org/officeDocument/2006/relationships" xmlns:p="http://schemas.openxmlformats.org/presentationml/2006/main">
-  <p:cSld>
-    <p:spTree>
-      <p:nvGrpSpPr>
-        <p:cNvPr id="1" name=""/>
-        <p:cNvGrpSpPr/>
-        <p:nvPr/>
-      </p:nvGrpSpPr>
-      <p:grpSpPr>
-        <a:xfrm>
-          <a:off x="0" y="0"/>
-          <a:ext cx="0" cy="0"/>
-          <a:chOff x="0" y="0"/>
-          <a:chExt cx="0" cy="0"/>
-        </a:xfrm>
-      </p:grpSpPr>
-      <p:sp>
-        <p:nvSpPr>
-          <p:cNvPr id="2" name="Title 1"/>
-          <p:cNvSpPr>
-            <a:spLocks noGrp="1"/>
-          </p:cNvSpPr>
-          <p:nvPr>
-            <p:ph type="title"/>
-          </p:nvPr>
-        </p:nvSpPr>
-        <p:spPr/>
-        <p:txBody>
-          <a:bodyPr/>
-          <a:lstStyle/>
-          <a:p>
-            <a:r>
-              <a:rPr lang="nb-NO" dirty="0"/>
-              <a:t>BUFFER_SIZE = 65536</a:t>
-            </a:r>
-            <a:endParaRPr lang="en-US" dirty="0"/>
-          </a:p>
-        </p:txBody>
-      </p:sp>
-      <p:sp>
-        <p:nvSpPr>
-          <p:cNvPr id="3" name="Content Placeholder 2"/>
-          <p:cNvSpPr>
-            <a:spLocks noGrp="1"/>
-          </p:cNvSpPr>
-          <p:nvPr>
-            <p:ph idx="1"/>
-          </p:nvPr>
-        </p:nvSpPr>
-        <p:spPr/>
-        <p:txBody>
-          <a:bodyPr/>
-          <a:lstStyle/>
-          <a:p>
-            <a:endParaRPr lang="en-US" dirty="0"/>
-          </a:p>
-        </p:txBody>
-      </p:sp>
-      <p:pic>
-        <p:nvPicPr>
-          <p:cNvPr id="6" name="Picture 5"/>
-          <p:cNvPicPr>
-            <a:picLocks noChangeAspect="1"/>
-          </p:cNvPicPr>
-          <p:nvPr/>
-        </p:nvPicPr>
-        <p:blipFill>
-          <a:blip r:embed="rId2"/>
-          <a:stretch>
-            <a:fillRect/>
-          </a:stretch>
-        </p:blipFill>
-        <p:spPr>
-          <a:xfrm>
-            <a:off x="8976049" y="7667"/>
-            <a:ext cx="3215951" cy="6850333"/>
-          </a:xfrm>
-          <a:prstGeom prst="rect">
-            <a:avLst/>
-          </a:prstGeom>
-        </p:spPr>
-      </p:pic>
-    </p:spTree>
-    <p:extLst>
-      <p:ext uri="{BB962C8B-B14F-4D97-AF65-F5344CB8AC3E}">
-        <p14:creationId xmlns:p14="http://schemas.microsoft.com/office/powerpoint/2010/main" val="3834957508"/>
-      </p:ext>
-    </p:extLst>
-  </p:cSld>
-  <p:clrMapOvr>
-    <a:masterClrMapping/>
-  </p:clrMapOvr>
-</p:sld>
-</file>
-
-<file path=ppt/slides/slide12.xml><?xml version="1.0" encoding="utf-8"?>
-<p:sld xmlns:a="http://schemas.openxmlformats.org/drawingml/2006/main" xmlns:r="http://schemas.openxmlformats.org/officeDocument/2006/relationships" xmlns:p="http://schemas.openxmlformats.org/presentationml/2006/main">
-  <p:cSld>
-    <p:spTree>
-      <p:nvGrpSpPr>
-        <p:cNvPr id="1" name=""/>
-        <p:cNvGrpSpPr/>
-        <p:nvPr/>
-      </p:nvGrpSpPr>
-      <p:grpSpPr>
-        <a:xfrm>
-          <a:off x="0" y="0"/>
-          <a:ext cx="0" cy="0"/>
-          <a:chOff x="0" y="0"/>
-          <a:chExt cx="0" cy="0"/>
-        </a:xfrm>
-      </p:grpSpPr>
-      <p:sp>
-        <p:nvSpPr>
-          <p:cNvPr id="2" name="Title 1"/>
-          <p:cNvSpPr>
-            <a:spLocks noGrp="1"/>
-          </p:cNvSpPr>
-          <p:nvPr>
-            <p:ph type="title"/>
-          </p:nvPr>
-        </p:nvSpPr>
-        <p:spPr/>
-        <p:txBody>
-          <a:bodyPr>
-            <a:normAutofit/>
-          </a:bodyPr>
-          <a:lstStyle/>
-          <a:p>
-            <a:r>
-              <a:rPr lang="nb-NO" dirty="0"/>
-              <a:t>Critical paths?</a:t>
-            </a:r>
-            <a:endParaRPr lang="en-US" dirty="0"/>
-          </a:p>
-        </p:txBody>
-      </p:sp>
-      <p:sp>
-        <p:nvSpPr>
-          <p:cNvPr id="3" name="Content Placeholder 2"/>
-          <p:cNvSpPr>
-            <a:spLocks noGrp="1"/>
-          </p:cNvSpPr>
-          <p:nvPr>
-            <p:ph idx="1"/>
-          </p:nvPr>
-        </p:nvSpPr>
-        <p:spPr/>
-        <p:txBody>
-          <a:bodyPr/>
-          <a:lstStyle/>
-          <a:p>
-            <a:endParaRPr lang="en-US"/>
-          </a:p>
-        </p:txBody>
-      </p:sp>
-    </p:spTree>
-    <p:extLst>
-      <p:ext uri="{BB962C8B-B14F-4D97-AF65-F5344CB8AC3E}">
-        <p14:creationId xmlns:p14="http://schemas.microsoft.com/office/powerpoint/2010/main" val="1849489438"/>
-      </p:ext>
-    </p:extLst>
-  </p:cSld>
-  <p:clrMapOvr>
-    <a:masterClrMapping/>
-  </p:clrMapOvr>
-</p:sld>
-</file>
-
-<file path=ppt/slides/slide13.xml><?xml version="1.0" encoding="utf-8"?>
-<p:sld xmlns:a="http://schemas.openxmlformats.org/drawingml/2006/main" xmlns:r="http://schemas.openxmlformats.org/officeDocument/2006/relationships" xmlns:p="http://schemas.openxmlformats.org/presentationml/2006/main">
-  <p:cSld>
-    <p:spTree>
-      <p:nvGrpSpPr>
-        <p:cNvPr id="1" name=""/>
-        <p:cNvGrpSpPr/>
-        <p:nvPr/>
-      </p:nvGrpSpPr>
-      <p:grpSpPr>
-        <a:xfrm>
-          <a:off x="0" y="0"/>
-          <a:ext cx="0" cy="0"/>
-          <a:chOff x="0" y="0"/>
-          <a:chExt cx="0" cy="0"/>
-        </a:xfrm>
-      </p:grpSpPr>
-      <p:sp>
-        <p:nvSpPr>
-          <p:cNvPr id="2" name="Title 1"/>
-          <p:cNvSpPr>
-            <a:spLocks noGrp="1"/>
-          </p:cNvSpPr>
-          <p:nvPr>
-            <p:ph type="title"/>
-          </p:nvPr>
-        </p:nvSpPr>
-        <p:spPr/>
-        <p:txBody>
-          <a:bodyPr/>
-          <a:lstStyle/>
-          <a:p>
-            <a:r>
-              <a:rPr lang="nb-NO" dirty="0"/>
-              <a:t>Integrated with Entropy coder</a:t>
-            </a:r>
-            <a:endParaRPr lang="en-US" dirty="0"/>
-          </a:p>
-        </p:txBody>
-      </p:sp>
-      <p:pic>
-        <p:nvPicPr>
-          <p:cNvPr id="9" name="Content Placeholder 8"/>
-          <p:cNvPicPr>
-            <a:picLocks noGrp="1" noChangeAspect="1"/>
-          </p:cNvPicPr>
-          <p:nvPr>
-            <p:ph idx="1"/>
-          </p:nvPr>
-        </p:nvPicPr>
-        <p:blipFill>
-          <a:blip r:embed="rId2">
-            <a:extLst>
-              <a:ext uri="{28A0092B-C50C-407E-A947-70E740481C1C}">
-                <a14:useLocalDpi xmlns:a14="http://schemas.microsoft.com/office/drawing/2010/main" val="0"/>
-              </a:ext>
-            </a:extLst>
-          </a:blip>
-          <a:stretch>
-            <a:fillRect/>
-          </a:stretch>
-        </p:blipFill>
-        <p:spPr>
-          <a:xfrm>
-            <a:off x="838200" y="2565637"/>
-            <a:ext cx="10515600" cy="2871314"/>
-          </a:xfrm>
-        </p:spPr>
-      </p:pic>
-    </p:spTree>
-    <p:extLst>
-      <p:ext uri="{BB962C8B-B14F-4D97-AF65-F5344CB8AC3E}">
-        <p14:creationId xmlns:p14="http://schemas.microsoft.com/office/powerpoint/2010/main" val="2341190910"/>
-      </p:ext>
-    </p:extLst>
-  </p:cSld>
-  <p:clrMapOvr>
-    <a:masterClrMapping/>
-  </p:clrMapOvr>
-</p:sld>
-</file>
-
-<file path=ppt/slides/slide14.xml><?xml version="1.0" encoding="utf-8"?>
-<p:sld xmlns:a="http://schemas.openxmlformats.org/drawingml/2006/main" xmlns:r="http://schemas.openxmlformats.org/officeDocument/2006/relationships" xmlns:p="http://schemas.openxmlformats.org/presentationml/2006/main">
-  <p:cSld>
-    <p:spTree>
-      <p:nvGrpSpPr>
-        <p:cNvPr id="1" name=""/>
-        <p:cNvGrpSpPr/>
-        <p:nvPr/>
-      </p:nvGrpSpPr>
-      <p:grpSpPr>
-        <a:xfrm>
-          <a:off x="0" y="0"/>
-          <a:ext cx="0" cy="0"/>
-          <a:chOff x="0" y="0"/>
-          <a:chExt cx="0" cy="0"/>
-        </a:xfrm>
-      </p:grpSpPr>
-      <p:sp>
-        <p:nvSpPr>
-          <p:cNvPr id="2" name="Title 1"/>
-          <p:cNvSpPr>
-            <a:spLocks noGrp="1"/>
-          </p:cNvSpPr>
-          <p:nvPr>
-            <p:ph type="title"/>
-          </p:nvPr>
-        </p:nvSpPr>
-        <p:spPr/>
-        <p:txBody>
-          <a:bodyPr/>
-          <a:lstStyle/>
-          <a:p>
-            <a:r>
-              <a:rPr lang="nb-NO" dirty="0"/>
-              <a:t>GRAY MSBs show octant/quartant</a:t>
-            </a:r>
-            <a:endParaRPr lang="en-US" dirty="0"/>
-          </a:p>
-        </p:txBody>
-      </p:sp>
-      <p:sp>
-        <p:nvSpPr>
-          <p:cNvPr id="3" name="Content Placeholder 2"/>
-          <p:cNvSpPr>
-            <a:spLocks noGrp="1"/>
-          </p:cNvSpPr>
-          <p:nvPr>
-            <p:ph idx="1"/>
-          </p:nvPr>
-        </p:nvSpPr>
-        <p:spPr/>
-        <p:txBody>
-          <a:bodyPr/>
-          <a:lstStyle/>
-          <a:p>
-            <a:endParaRPr lang="en-US" dirty="0"/>
-          </a:p>
-        </p:txBody>
-      </p:sp>
-    </p:spTree>
-    <p:extLst>
-      <p:ext uri="{BB962C8B-B14F-4D97-AF65-F5344CB8AC3E}">
-        <p14:creationId xmlns:p14="http://schemas.microsoft.com/office/powerpoint/2010/main" val="1638763306"/>
-      </p:ext>
-    </p:extLst>
-  </p:cSld>
-  <p:clrMapOvr>
-    <a:masterClrMapping/>
-  </p:clrMapOvr>
-</p:sld>
-</file>
-
-<file path=ppt/slides/slide2.xml><?xml version="1.0" encoding="utf-8"?>
-<p:sld xmlns:a="http://schemas.openxmlformats.org/drawingml/2006/main" xmlns:r="http://schemas.openxmlformats.org/officeDocument/2006/relationships" xmlns:p="http://schemas.openxmlformats.org/presentationml/2006/main">
-  <p:cSld>
-    <p:spTree>
-      <p:nvGrpSpPr>
-        <p:cNvPr id="1" name=""/>
-        <p:cNvGrpSpPr/>
-        <p:nvPr/>
-      </p:nvGrpSpPr>
-      <p:grpSpPr>
-        <a:xfrm>
-          <a:off x="0" y="0"/>
-          <a:ext cx="0" cy="0"/>
-          <a:chOff x="0" y="0"/>
-          <a:chExt cx="0" cy="0"/>
-        </a:xfrm>
-      </p:grpSpPr>
-      <p:sp>
-        <p:nvSpPr>
-          <p:cNvPr id="2" name="Title 1"/>
-          <p:cNvSpPr>
-            <a:spLocks noGrp="1"/>
-          </p:cNvSpPr>
-          <p:nvPr>
-            <p:ph type="title"/>
-          </p:nvPr>
-        </p:nvSpPr>
-        <p:spPr/>
-        <p:txBody>
-          <a:bodyPr/>
-          <a:lstStyle/>
-          <a:p>
-            <a:r>
-              <a:rPr lang="nb-NO" dirty="0"/>
-              <a:t>Design specification</a:t>
-            </a:r>
-            <a:endParaRPr lang="en-US" dirty="0"/>
-          </a:p>
-        </p:txBody>
-      </p:sp>
-      <p:sp>
-        <p:nvSpPr>
-          <p:cNvPr id="3" name="Content Placeholder 2"/>
-          <p:cNvSpPr>
-            <a:spLocks noGrp="1"/>
-          </p:cNvSpPr>
-          <p:nvPr>
-            <p:ph idx="1"/>
-          </p:nvPr>
-        </p:nvSpPr>
-        <p:spPr/>
-        <p:txBody>
-          <a:bodyPr/>
-          <a:lstStyle/>
-          <a:p>
-            <a:r>
-              <a:rPr lang="nb-NO" dirty="0"/>
-              <a:t>I/O defined</a:t>
-            </a:r>
-          </a:p>
-          <a:p>
-            <a:r>
-              <a:rPr lang="nb-NO" dirty="0"/>
-              <a:t>From 1 to 127 buffer size. Configurable with BUFFER_SIZE parameter</a:t>
-            </a:r>
-          </a:p>
-          <a:p>
-            <a:r>
-              <a:rPr lang="nb-NO" dirty="0"/>
-              <a:t>Area effective</a:t>
-            </a:r>
-          </a:p>
-          <a:p>
-            <a:r>
-              <a:rPr lang="nb-NO" dirty="0"/>
-              <a:t>Power effective</a:t>
-            </a:r>
-          </a:p>
-          <a:p>
-            <a:r>
-              <a:rPr lang="nb-NO" dirty="0"/>
-              <a:t>Fast</a:t>
-            </a:r>
-          </a:p>
-          <a:p>
-            <a:endParaRPr lang="nb-NO" dirty="0"/>
-          </a:p>
-          <a:p>
-            <a:endParaRPr lang="en-US" dirty="0"/>
-          </a:p>
-        </p:txBody>
-      </p:sp>
-    </p:spTree>
-    <p:extLst>
-      <p:ext uri="{BB962C8B-B14F-4D97-AF65-F5344CB8AC3E}">
-        <p14:creationId xmlns:p14="http://schemas.microsoft.com/office/powerpoint/2010/main" val="3182554105"/>
-      </p:ext>
-    </p:extLst>
-  </p:cSld>
-  <p:clrMapOvr>
-    <a:masterClrMapping/>
-  </p:clrMapOvr>
-</p:sld>
-</file>
-
-<file path=ppt/slides/slide3.xml><?xml version="1.0" encoding="utf-8"?>
-<p:sld xmlns:a="http://schemas.openxmlformats.org/drawingml/2006/main" xmlns:r="http://schemas.openxmlformats.org/officeDocument/2006/relationships" xmlns:p="http://schemas.openxmlformats.org/presentationml/2006/main">
-  <p:cSld>
-    <p:spTree>
-      <p:nvGrpSpPr>
-        <p:cNvPr id="1" name=""/>
-        <p:cNvGrpSpPr/>
-        <p:nvPr/>
-      </p:nvGrpSpPr>
-      <p:grpSpPr>
-        <a:xfrm>
-          <a:off x="0" y="0"/>
-          <a:ext cx="0" cy="0"/>
-          <a:chOff x="0" y="0"/>
-          <a:chExt cx="0" cy="0"/>
-        </a:xfrm>
-      </p:grpSpPr>
-      <p:sp>
-        <p:nvSpPr>
-          <p:cNvPr id="2" name="Title 1"/>
-          <p:cNvSpPr>
-            <a:spLocks noGrp="1"/>
-          </p:cNvSpPr>
-          <p:nvPr>
-            <p:ph type="title"/>
-          </p:nvPr>
-        </p:nvSpPr>
-        <p:spPr/>
-        <p:txBody>
-          <a:bodyPr/>
-          <a:lstStyle/>
-          <a:p>
-            <a:r>
-              <a:rPr lang="nb-NO" dirty="0"/>
-              <a:t>Alternative </a:t>
-            </a:r>
-            <a:r>
-              <a:rPr lang="en-US" dirty="0"/>
-              <a:t>approaches</a:t>
-            </a:r>
-          </a:p>
-        </p:txBody>
-      </p:sp>
-      <p:sp>
-        <p:nvSpPr>
-          <p:cNvPr id="3" name="Content Placeholder 2"/>
-          <p:cNvSpPr>
-            <a:spLocks noGrp="1"/>
-          </p:cNvSpPr>
-          <p:nvPr>
-            <p:ph idx="1"/>
-          </p:nvPr>
-        </p:nvSpPr>
-        <p:spPr/>
-        <p:txBody>
-          <a:bodyPr>
-            <a:normAutofit fontScale="70000" lnSpcReduction="20000"/>
-          </a:bodyPr>
-          <a:lstStyle/>
-          <a:p>
-            <a:r>
-              <a:rPr lang="nb-NO" dirty="0"/>
-              <a:t>Binary pointers passed directly</a:t>
-            </a:r>
-          </a:p>
-          <a:p>
-            <a:pPr lvl="1"/>
-            <a:r>
-              <a:rPr lang="nb-NO" dirty="0"/>
-              <a:t>Bad practice</a:t>
-            </a:r>
-          </a:p>
-          <a:p>
-            <a:r>
-              <a:rPr lang="nb-NO" dirty="0"/>
-              <a:t>Binary pointers with REQ/ACK handshaking signals</a:t>
-            </a:r>
-          </a:p>
-          <a:p>
-            <a:pPr lvl="1"/>
-            <a:r>
-              <a:rPr lang="nb-NO" dirty="0"/>
-              <a:t>Safe and simple</a:t>
-            </a:r>
-          </a:p>
-          <a:p>
-            <a:pPr lvl="1"/>
-            <a:r>
-              <a:rPr lang="nb-NO" dirty="0"/>
-              <a:t>Supports any fifo depth, and arbitrary pointer changes</a:t>
-            </a:r>
-          </a:p>
-          <a:p>
-            <a:pPr lvl="1"/>
-            <a:r>
-              <a:rPr lang="nb-NO" dirty="0"/>
-              <a:t>Easy full/empty/almost_full/almost_empty generation</a:t>
-            </a:r>
-          </a:p>
-          <a:p>
-            <a:pPr lvl="1"/>
-            <a:r>
-              <a:rPr lang="nb-NO" dirty="0"/>
-              <a:t>Smaller(2FF per pointer bits + 4 for REQ/ACK)</a:t>
-            </a:r>
-          </a:p>
-          <a:p>
-            <a:pPr lvl="1"/>
-            <a:r>
-              <a:rPr lang="nb-NO" dirty="0"/>
-              <a:t>Higher latency(REQ/ACK signaling)</a:t>
-            </a:r>
-          </a:p>
-          <a:p>
-            <a:pPr lvl="1"/>
-            <a:r>
-              <a:rPr lang="nb-NO" dirty="0"/>
-              <a:t>Possible all pointer bits change per increment</a:t>
-            </a:r>
-          </a:p>
-          <a:p>
-            <a:r>
-              <a:rPr lang="nb-NO" dirty="0"/>
-              <a:t>Gray code pointers passed directly</a:t>
-            </a:r>
-          </a:p>
-          <a:p>
-            <a:pPr lvl="1"/>
-            <a:r>
-              <a:rPr lang="nb-NO" dirty="0"/>
-              <a:t>Proven design</a:t>
-            </a:r>
-          </a:p>
-          <a:p>
-            <a:pPr lvl="1"/>
-            <a:r>
-              <a:rPr lang="nb-NO" dirty="0"/>
-              <a:t>Requires power-of-2 fifo depth(most dual-port ram is power-of-2 words deep)</a:t>
-            </a:r>
-          </a:p>
-          <a:p>
-            <a:pPr lvl="1"/>
-            <a:r>
-              <a:rPr lang="nb-NO" dirty="0"/>
-              <a:t>Tricky full/empty /almost_full/almost_empty generation</a:t>
-            </a:r>
-          </a:p>
-          <a:p>
-            <a:pPr lvl="1"/>
-            <a:r>
-              <a:rPr lang="nb-NO" dirty="0"/>
-              <a:t>Larger(4FF per pointer bits)</a:t>
-            </a:r>
-          </a:p>
-          <a:p>
-            <a:pPr lvl="1"/>
-            <a:r>
-              <a:rPr lang="nb-NO" dirty="0"/>
-              <a:t>Lower latency(better performance if full/empty conditions happen often)</a:t>
-            </a:r>
-          </a:p>
-          <a:p>
-            <a:pPr lvl="1"/>
-            <a:r>
-              <a:rPr lang="nb-NO" dirty="0"/>
-              <a:t>Maximum of 1 pointer bit value change per increment</a:t>
-            </a:r>
-            <a:endParaRPr lang="en-US" dirty="0"/>
-          </a:p>
-        </p:txBody>
-      </p:sp>
-    </p:spTree>
-    <p:extLst>
-      <p:ext uri="{BB962C8B-B14F-4D97-AF65-F5344CB8AC3E}">
-        <p14:creationId xmlns:p14="http://schemas.microsoft.com/office/powerpoint/2010/main" val="3884765999"/>
-      </p:ext>
-    </p:extLst>
-  </p:cSld>
-  <p:clrMapOvr>
-    <a:masterClrMapping/>
-  </p:clrMapOvr>
-</p:sld>
-</file>
-
-<file path=ppt/slides/slide4.xml><?xml version="1.0" encoding="utf-8"?>
-<p:sld xmlns:a="http://schemas.openxmlformats.org/drawingml/2006/main" xmlns:r="http://schemas.openxmlformats.org/officeDocument/2006/relationships" xmlns:p="http://schemas.openxmlformats.org/presentationml/2006/main">
-  <p:cSld>
-    <p:spTree>
-      <p:nvGrpSpPr>
-        <p:cNvPr id="1" name=""/>
-        <p:cNvGrpSpPr/>
-        <p:nvPr/>
-      </p:nvGrpSpPr>
-      <p:grpSpPr>
-        <a:xfrm>
-          <a:off x="0" y="0"/>
-          <a:ext cx="0" cy="0"/>
-          <a:chOff x="0" y="0"/>
-          <a:chExt cx="0" cy="0"/>
-        </a:xfrm>
-      </p:grpSpPr>
-      <p:sp>
-        <p:nvSpPr>
-          <p:cNvPr id="2" name="Title 1"/>
-          <p:cNvSpPr>
-            <a:spLocks noGrp="1"/>
-          </p:cNvSpPr>
-          <p:nvPr>
-            <p:ph type="title"/>
-          </p:nvPr>
-        </p:nvSpPr>
-        <p:spPr>
-          <a:xfrm>
-            <a:off x="838200" y="365125"/>
-            <a:ext cx="10515600" cy="1325563"/>
-          </a:xfrm>
-        </p:spPr>
-        <p:txBody>
-          <a:bodyPr/>
-          <a:lstStyle/>
-          <a:p>
-            <a:r>
-              <a:rPr lang="nb-NO" dirty="0"/>
-              <a:t>My implementation: </a:t>
-            </a:r>
-            <a:endParaRPr lang="en-US" dirty="0"/>
-          </a:p>
-        </p:txBody>
-      </p:sp>
-      <p:pic>
-        <p:nvPicPr>
-          <p:cNvPr id="7" name="Content Placeholder 6"/>
-          <p:cNvPicPr>
-            <a:picLocks noGrp="1" noChangeAspect="1"/>
-          </p:cNvPicPr>
-          <p:nvPr>
-            <p:ph idx="1"/>
-          </p:nvPr>
-        </p:nvPicPr>
-        <p:blipFill>
-          <a:blip r:embed="rId2">
-            <a:extLst>
-              <a:ext uri="{28A0092B-C50C-407E-A947-70E740481C1C}">
-                <a14:useLocalDpi xmlns:a14="http://schemas.microsoft.com/office/drawing/2010/main" val="0"/>
-              </a:ext>
-            </a:extLst>
-          </a:blip>
-          <a:stretch>
-            <a:fillRect/>
-          </a:stretch>
-        </p:blipFill>
-        <p:spPr>
-          <a:xfrm>
-            <a:off x="1117021" y="1690688"/>
-            <a:ext cx="9957958" cy="4926661"/>
-          </a:xfrm>
-        </p:spPr>
-      </p:pic>
-    </p:spTree>
-    <p:extLst>
-      <p:ext uri="{BB962C8B-B14F-4D97-AF65-F5344CB8AC3E}">
-        <p14:creationId xmlns:p14="http://schemas.microsoft.com/office/powerpoint/2010/main" val="3684913482"/>
-      </p:ext>
-    </p:extLst>
-  </p:cSld>
-  <p:clrMapOvr>
-    <a:masterClrMapping/>
-  </p:clrMapOvr>
-</p:sld>
-</file>
-
-<file path=ppt/slides/slide5.xml><?xml version="1.0" encoding="utf-8"?>
-<p:sld xmlns:a="http://schemas.openxmlformats.org/drawingml/2006/main" xmlns:r="http://schemas.openxmlformats.org/officeDocument/2006/relationships" xmlns:p="http://schemas.openxmlformats.org/presentationml/2006/main">
-  <p:cSld>
-    <p:spTree>
-      <p:nvGrpSpPr>
-        <p:cNvPr id="1" name=""/>
-        <p:cNvGrpSpPr/>
-        <p:nvPr/>
-      </p:nvGrpSpPr>
-      <p:grpSpPr>
-        <a:xfrm>
-          <a:off x="0" y="0"/>
-          <a:ext cx="0" cy="0"/>
-          <a:chOff x="0" y="0"/>
-          <a:chExt cx="0" cy="0"/>
-        </a:xfrm>
-      </p:grpSpPr>
-      <p:sp>
-        <p:nvSpPr>
-          <p:cNvPr id="2" name="Title 1"/>
-          <p:cNvSpPr>
-            <a:spLocks noGrp="1"/>
-          </p:cNvSpPr>
-          <p:nvPr>
-            <p:ph type="title"/>
-          </p:nvPr>
-        </p:nvSpPr>
-        <p:spPr/>
-        <p:txBody>
-          <a:bodyPr/>
-          <a:lstStyle/>
-          <a:p>
-            <a:r>
-              <a:rPr lang="nb-NO" dirty="0"/>
-              <a:t>Fifo empty generation</a:t>
-            </a:r>
-            <a:endParaRPr lang="en-US" dirty="0"/>
-          </a:p>
-        </p:txBody>
-      </p:sp>
-      <p:sp>
-        <p:nvSpPr>
-          <p:cNvPr id="3" name="Content Placeholder 2"/>
-          <p:cNvSpPr>
-            <a:spLocks noGrp="1"/>
-          </p:cNvSpPr>
-          <p:nvPr>
-            <p:ph idx="1"/>
-          </p:nvPr>
-        </p:nvSpPr>
-        <p:spPr/>
-        <p:txBody>
-          <a:bodyPr/>
-          <a:lstStyle/>
-          <a:p>
-            <a:endParaRPr lang="en-US" dirty="0"/>
-          </a:p>
-        </p:txBody>
-      </p:sp>
-    </p:spTree>
-    <p:extLst>
-      <p:ext uri="{BB962C8B-B14F-4D97-AF65-F5344CB8AC3E}">
-        <p14:creationId xmlns:p14="http://schemas.microsoft.com/office/powerpoint/2010/main" val="3150454462"/>
-      </p:ext>
-    </p:extLst>
-  </p:cSld>
-  <p:clrMapOvr>
-    <a:masterClrMapping/>
-  </p:clrMapOvr>
-</p:sld>
-</file>
-
-<file path=ppt/slides/slide6.xml><?xml version="1.0" encoding="utf-8"?>
-<p:sld xmlns:a="http://schemas.openxmlformats.org/drawingml/2006/main" xmlns:r="http://schemas.openxmlformats.org/officeDocument/2006/relationships" xmlns:p="http://schemas.openxmlformats.org/presentationml/2006/main">
-  <p:cSld>
-    <p:spTree>
-      <p:nvGrpSpPr>
-        <p:cNvPr id="1" name=""/>
-        <p:cNvGrpSpPr/>
-        <p:nvPr/>
-      </p:nvGrpSpPr>
-      <p:grpSpPr>
-        <a:xfrm>
-          <a:off x="0" y="0"/>
-          <a:ext cx="0" cy="0"/>
-          <a:chOff x="0" y="0"/>
-          <a:chExt cx="0" cy="0"/>
-        </a:xfrm>
-      </p:grpSpPr>
-      <p:sp>
-        <p:nvSpPr>
-          <p:cNvPr id="2" name="Title 1"/>
-          <p:cNvSpPr>
-            <a:spLocks noGrp="1"/>
-          </p:cNvSpPr>
-          <p:nvPr>
-            <p:ph type="title"/>
-          </p:nvPr>
-        </p:nvSpPr>
-        <p:spPr/>
-        <p:txBody>
-          <a:bodyPr/>
-          <a:lstStyle/>
-          <a:p>
-            <a:r>
-              <a:rPr lang="nb-NO" dirty="0"/>
-              <a:t>Fifo full generation</a:t>
-            </a:r>
-            <a:endParaRPr lang="en-US" dirty="0"/>
-          </a:p>
-        </p:txBody>
-      </p:sp>
-      <p:sp>
-        <p:nvSpPr>
-          <p:cNvPr id="3" name="Content Placeholder 2"/>
-          <p:cNvSpPr>
-            <a:spLocks noGrp="1"/>
-          </p:cNvSpPr>
-          <p:nvPr>
-            <p:ph idx="1"/>
-          </p:nvPr>
-        </p:nvSpPr>
-        <p:spPr/>
-        <p:txBody>
-          <a:bodyPr/>
-          <a:lstStyle/>
-          <a:p>
-            <a:endParaRPr lang="en-US"/>
-          </a:p>
-        </p:txBody>
-      </p:sp>
-    </p:spTree>
-    <p:extLst>
-      <p:ext uri="{BB962C8B-B14F-4D97-AF65-F5344CB8AC3E}">
-        <p14:creationId xmlns:p14="http://schemas.microsoft.com/office/powerpoint/2010/main" val="2892888917"/>
-      </p:ext>
-    </p:extLst>
-  </p:cSld>
-  <p:clrMapOvr>
-    <a:masterClrMapping/>
-  </p:clrMapOvr>
-</p:sld>
-</file>
-
-<file path=ppt/slides/slide7.xml><?xml version="1.0" encoding="utf-8"?>
-<p:sld xmlns:a="http://schemas.openxmlformats.org/drawingml/2006/main" xmlns:r="http://schemas.openxmlformats.org/officeDocument/2006/relationships" xmlns:p="http://schemas.openxmlformats.org/presentationml/2006/main">
-  <p:cSld>
-    <p:spTree>
-      <p:nvGrpSpPr>
-        <p:cNvPr id="1" name=""/>
-        <p:cNvGrpSpPr/>
-        <p:nvPr/>
-      </p:nvGrpSpPr>
-      <p:grpSpPr>
-        <a:xfrm>
-          <a:off x="0" y="0"/>
-          <a:ext cx="0" cy="0"/>
-          <a:chOff x="0" y="0"/>
-          <a:chExt cx="0" cy="0"/>
-        </a:xfrm>
-      </p:grpSpPr>
-      <p:sp>
-        <p:nvSpPr>
-          <p:cNvPr id="2" name="Title 1"/>
-          <p:cNvSpPr>
-            <a:spLocks noGrp="1"/>
-          </p:cNvSpPr>
-          <p:nvPr>
-            <p:ph type="title"/>
-          </p:nvPr>
-        </p:nvSpPr>
-        <p:spPr/>
-        <p:txBody>
-          <a:bodyPr/>
-          <a:lstStyle/>
-          <a:p>
-            <a:r>
-              <a:rPr lang="nb-NO" dirty="0"/>
-              <a:t>RTL Analysis</a:t>
-            </a:r>
-            <a:endParaRPr lang="en-US" dirty="0"/>
-          </a:p>
-        </p:txBody>
-      </p:sp>
-      <p:sp>
-        <p:nvSpPr>
-          <p:cNvPr id="3" name="Content Placeholder 2"/>
-          <p:cNvSpPr>
-            <a:spLocks noGrp="1"/>
-          </p:cNvSpPr>
-          <p:nvPr>
-            <p:ph idx="1"/>
-          </p:nvPr>
-        </p:nvSpPr>
-        <p:spPr/>
-        <p:txBody>
-          <a:bodyPr/>
-          <a:lstStyle/>
-          <a:p>
-            <a:endParaRPr lang="en-US" dirty="0"/>
-          </a:p>
-        </p:txBody>
-      </p:sp>
-      <p:pic>
-        <p:nvPicPr>
-          <p:cNvPr id="6" name="Picture 5"/>
-          <p:cNvPicPr>
-            <a:picLocks noChangeAspect="1"/>
-          </p:cNvPicPr>
-          <p:nvPr/>
-        </p:nvPicPr>
-        <p:blipFill>
-          <a:blip r:embed="rId2"/>
-          <a:stretch>
-            <a:fillRect/>
-          </a:stretch>
-        </p:blipFill>
-        <p:spPr>
-          <a:xfrm>
-            <a:off x="0" y="2156298"/>
-            <a:ext cx="12192000" cy="2545404"/>
-          </a:xfrm>
-          <a:prstGeom prst="rect">
-            <a:avLst/>
-          </a:prstGeom>
-        </p:spPr>
-      </p:pic>
-    </p:spTree>
-    <p:extLst>
-      <p:ext uri="{BB962C8B-B14F-4D97-AF65-F5344CB8AC3E}">
-        <p14:creationId xmlns:p14="http://schemas.microsoft.com/office/powerpoint/2010/main" val="2887214404"/>
-      </p:ext>
-    </p:extLst>
-  </p:cSld>
-  <p:clrMapOvr>
-    <a:masterClrMapping/>
-  </p:clrMapOvr>
-</p:sld>
-</file>
-
-<file path=ppt/slides/slide8.xml><?xml version="1.0" encoding="utf-8"?>
-<p:sld xmlns:a="http://schemas.openxmlformats.org/drawingml/2006/main" xmlns:r="http://schemas.openxmlformats.org/officeDocument/2006/relationships" xmlns:p="http://schemas.openxmlformats.org/presentationml/2006/main">
-  <p:cSld>
-    <p:spTree>
-      <p:nvGrpSpPr>
-        <p:cNvPr id="1" name=""/>
-        <p:cNvGrpSpPr/>
-        <p:nvPr/>
-      </p:nvGrpSpPr>
-      <p:grpSpPr>
-        <a:xfrm>
-          <a:off x="0" y="0"/>
-          <a:ext cx="0" cy="0"/>
-          <a:chOff x="0" y="0"/>
-          <a:chExt cx="0" cy="0"/>
-        </a:xfrm>
-      </p:grpSpPr>
-      <p:sp>
-        <p:nvSpPr>
-          <p:cNvPr id="2" name="Title 1"/>
-          <p:cNvSpPr>
-            <a:spLocks noGrp="1"/>
-          </p:cNvSpPr>
-          <p:nvPr>
-            <p:ph type="title"/>
-          </p:nvPr>
-        </p:nvSpPr>
-        <p:spPr/>
-        <p:txBody>
-          <a:bodyPr>
-            <a:normAutofit/>
-          </a:bodyPr>
-          <a:lstStyle/>
-          <a:p>
-            <a:r>
-              <a:rPr lang="nb-NO" dirty="0"/>
-              <a:t>Synthesized design performance</a:t>
-            </a:r>
-            <a:endParaRPr lang="en-US" dirty="0"/>
-          </a:p>
-        </p:txBody>
-      </p:sp>
-      <p:sp>
-        <p:nvSpPr>
-          <p:cNvPr id="3" name="Content Placeholder 2"/>
-          <p:cNvSpPr>
-            <a:spLocks noGrp="1"/>
-          </p:cNvSpPr>
-          <p:nvPr>
-            <p:ph idx="1"/>
-          </p:nvPr>
-        </p:nvSpPr>
-        <p:spPr/>
-        <p:txBody>
-          <a:bodyPr/>
-          <a:lstStyle/>
-          <a:p>
-            <a:endParaRPr lang="en-US" dirty="0"/>
-          </a:p>
-        </p:txBody>
-      </p:sp>
-      <p:graphicFrame>
-        <p:nvGraphicFramePr>
-          <p:cNvPr id="5" name="Chart 4">
-            <a:extLst>
-              <a:ext uri="{FF2B5EF4-FFF2-40B4-BE49-F238E27FC236}">
-                <a16:creationId xmlns:a16="http://schemas.microsoft.com/office/drawing/2014/main" id="{F63E45B2-96D5-47A3-95FF-7CEB05AD4DA4}"/>
-              </a:ext>
-            </a:extLst>
-          </p:cNvPr>
-          <p:cNvGraphicFramePr>
-            <a:graphicFrameLocks/>
-          </p:cNvGraphicFramePr>
-          <p:nvPr>
-            <p:extLst>
-              <p:ext uri="{D42A27DB-BD31-4B8C-83A1-F6EECF244321}">
-                <p14:modId xmlns:p14="http://schemas.microsoft.com/office/powerpoint/2010/main" val="811483648"/>
-              </p:ext>
-            </p:extLst>
-          </p:nvPr>
-        </p:nvGraphicFramePr>
-        <p:xfrm>
-          <a:off x="6127143" y="1322692"/>
-          <a:ext cx="5226657" cy="4854271"/>
-        </p:xfrm>
-        <a:graphic>
-          <a:graphicData uri="http://schemas.openxmlformats.org/drawingml/2006/chart">
-            <c:chart xmlns:c="http://schemas.openxmlformats.org/drawingml/2006/chart" xmlns:r="http://schemas.openxmlformats.org/officeDocument/2006/relationships" r:id="rId2"/>
-          </a:graphicData>
-        </a:graphic>
-      </p:graphicFrame>
-    </p:spTree>
-    <p:extLst>
-      <p:ext uri="{BB962C8B-B14F-4D97-AF65-F5344CB8AC3E}">
-        <p14:creationId xmlns:p14="http://schemas.microsoft.com/office/powerpoint/2010/main" val="2996354795"/>
-      </p:ext>
-    </p:extLst>
-  </p:cSld>
-  <p:clrMapOvr>
-    <a:masterClrMapping/>
-  </p:clrMapOvr>
-</p:sld>
-</file>
-
 <file path=ppt/slides/slide9.xml><?xml version="1.0" encoding="utf-8"?>
 <p:sld xmlns:a="http://schemas.openxmlformats.org/drawingml/2006/main" xmlns:r="http://schemas.openxmlformats.org/officeDocument/2006/relationships" xmlns:p="http://schemas.openxmlformats.org/presentationml/2006/main">
   <p:cSld>
@@ -5203,19 +5047,14 @@
             <p:ph type="title"/>
           </p:nvPr>
         </p:nvSpPr>
-        <p:spPr>
-          <a:xfrm>
-            <a:off x="838200" y="0"/>
-            <a:ext cx="10515600" cy="1325563"/>
-          </a:xfrm>
-        </p:spPr>
+        <p:spPr/>
         <p:txBody>
           <a:bodyPr/>
           <a:lstStyle/>
           <a:p>
             <a:r>
               <a:rPr lang="nb-NO" dirty="0"/>
-              <a:t>BUFFER_SIZE = 16</a:t>
+              <a:t>BUFFER_SIZE = 65536</a:t>
             </a:r>
             <a:endParaRPr lang="en-US" dirty="0"/>
           </a:p>
@@ -5256,8 +5095,8 @@
         </p:blipFill>
         <p:spPr>
           <a:xfrm>
-            <a:off x="0" y="1144236"/>
-            <a:ext cx="12192000" cy="5713764"/>
+            <a:off x="7156450" y="-21784"/>
+            <a:ext cx="4006851" cy="6872117"/>
           </a:xfrm>
           <a:prstGeom prst="rect">
             <a:avLst/>
@@ -5267,7 +5106,7 @@
     </p:spTree>
     <p:extLst>
       <p:ext uri="{BB962C8B-B14F-4D97-AF65-F5344CB8AC3E}">
-        <p14:creationId xmlns:p14="http://schemas.microsoft.com/office/powerpoint/2010/main" val="2849909054"/>
+        <p14:creationId xmlns:p14="http://schemas.microsoft.com/office/powerpoint/2010/main" val="3834957508"/>
       </p:ext>
     </p:extLst>
   </p:cSld>
